--- a/presentation/gamma-c.pptx
+++ b/presentation/gamma-c.pptx
@@ -11,13 +11,14 @@
     <p:sldId id="267" r:id="rId5"/>
     <p:sldId id="268" r:id="rId6"/>
     <p:sldId id="270" r:id="rId7"/>
-    <p:sldId id="269" r:id="rId8"/>
-    <p:sldId id="271" r:id="rId9"/>
-    <p:sldId id="272" r:id="rId10"/>
-    <p:sldId id="274" r:id="rId11"/>
-    <p:sldId id="273" r:id="rId12"/>
-    <p:sldId id="275" r:id="rId13"/>
-    <p:sldId id="276" r:id="rId14"/>
+    <p:sldId id="277" r:id="rId8"/>
+    <p:sldId id="269" r:id="rId9"/>
+    <p:sldId id="271" r:id="rId10"/>
+    <p:sldId id="272" r:id="rId11"/>
+    <p:sldId id="274" r:id="rId12"/>
+    <p:sldId id="273" r:id="rId13"/>
+    <p:sldId id="275" r:id="rId14"/>
+    <p:sldId id="276" r:id="rId15"/>
   </p:sldIdLst>
   <p:sldSz cx="12192000" cy="6858000"/>
   <p:notesSz cx="6858000" cy="9144000"/>
@@ -273,7 +274,7 @@
           <a:p>
             <a:fld id="{C96BFA65-0815-4910-B512-A8F2254130BA}" type="datetimeFigureOut">
               <a:rPr lang="en-US" smtClean="0"/>
-              <a:t>5/31/2023</a:t>
+              <a:t>6/6/2023</a:t>
             </a:fld>
             <a:endParaRPr lang="en-US"/>
           </a:p>
@@ -473,7 +474,7 @@
           <a:p>
             <a:fld id="{C96BFA65-0815-4910-B512-A8F2254130BA}" type="datetimeFigureOut">
               <a:rPr lang="en-US" smtClean="0"/>
-              <a:t>5/31/2023</a:t>
+              <a:t>6/6/2023</a:t>
             </a:fld>
             <a:endParaRPr lang="en-US"/>
           </a:p>
@@ -683,7 +684,7 @@
           <a:p>
             <a:fld id="{C96BFA65-0815-4910-B512-A8F2254130BA}" type="datetimeFigureOut">
               <a:rPr lang="en-US" smtClean="0"/>
-              <a:t>5/31/2023</a:t>
+              <a:t>6/6/2023</a:t>
             </a:fld>
             <a:endParaRPr lang="en-US"/>
           </a:p>
@@ -2780,7 +2781,7 @@
           <a:p>
             <a:fld id="{C96BFA65-0815-4910-B512-A8F2254130BA}" type="datetimeFigureOut">
               <a:rPr lang="en-US" smtClean="0"/>
-              <a:t>5/31/2023</a:t>
+              <a:t>6/6/2023</a:t>
             </a:fld>
             <a:endParaRPr lang="en-US"/>
           </a:p>
@@ -3764,7 +3765,7 @@
           <a:p>
             <a:fld id="{C96BFA65-0815-4910-B512-A8F2254130BA}" type="datetimeFigureOut">
               <a:rPr lang="en-US" smtClean="0"/>
-              <a:t>5/31/2023</a:t>
+              <a:t>6/6/2023</a:t>
             </a:fld>
             <a:endParaRPr lang="en-US"/>
           </a:p>
@@ -4032,7 +4033,7 @@
           <a:p>
             <a:fld id="{C96BFA65-0815-4910-B512-A8F2254130BA}" type="datetimeFigureOut">
               <a:rPr lang="en-US" smtClean="0"/>
-              <a:t>5/31/2023</a:t>
+              <a:t>6/6/2023</a:t>
             </a:fld>
             <a:endParaRPr lang="en-US"/>
           </a:p>
@@ -4447,7 +4448,7 @@
           <a:p>
             <a:fld id="{C96BFA65-0815-4910-B512-A8F2254130BA}" type="datetimeFigureOut">
               <a:rPr lang="en-US" smtClean="0"/>
-              <a:t>5/31/2023</a:t>
+              <a:t>6/6/2023</a:t>
             </a:fld>
             <a:endParaRPr lang="en-US"/>
           </a:p>
@@ -4589,7 +4590,7 @@
           <a:p>
             <a:fld id="{C96BFA65-0815-4910-B512-A8F2254130BA}" type="datetimeFigureOut">
               <a:rPr lang="en-US" smtClean="0"/>
-              <a:t>5/31/2023</a:t>
+              <a:t>6/6/2023</a:t>
             </a:fld>
             <a:endParaRPr lang="en-US"/>
           </a:p>
@@ -4702,7 +4703,7 @@
           <a:p>
             <a:fld id="{C96BFA65-0815-4910-B512-A8F2254130BA}" type="datetimeFigureOut">
               <a:rPr lang="en-US" smtClean="0"/>
-              <a:t>5/31/2023</a:t>
+              <a:t>6/6/2023</a:t>
             </a:fld>
             <a:endParaRPr lang="en-US"/>
           </a:p>
@@ -5015,7 +5016,7 @@
           <a:p>
             <a:fld id="{C96BFA65-0815-4910-B512-A8F2254130BA}" type="datetimeFigureOut">
               <a:rPr lang="en-US" smtClean="0"/>
-              <a:t>5/31/2023</a:t>
+              <a:t>6/6/2023</a:t>
             </a:fld>
             <a:endParaRPr lang="en-US"/>
           </a:p>
@@ -5304,7 +5305,7 @@
           <a:p>
             <a:fld id="{C96BFA65-0815-4910-B512-A8F2254130BA}" type="datetimeFigureOut">
               <a:rPr lang="en-US" smtClean="0"/>
-              <a:t>5/31/2023</a:t>
+              <a:t>6/6/2023</a:t>
             </a:fld>
             <a:endParaRPr lang="en-US"/>
           </a:p>
@@ -5547,7 +5548,7 @@
           <a:p>
             <a:fld id="{C96BFA65-0815-4910-B512-A8F2254130BA}" type="datetimeFigureOut">
               <a:rPr lang="en-US" smtClean="0"/>
-              <a:t>5/31/2023</a:t>
+              <a:t>6/6/2023</a:t>
             </a:fld>
             <a:endParaRPr lang="en-US"/>
           </a:p>
@@ -6717,10 +6718,10 @@
           <a:lstStyle/>
           <a:p>
             <a:r>
-              <a:rPr lang="en-GB" sz="4800" dirty="0"/>
+              <a:rPr lang="en-GB" sz="4800" b="1" dirty="0"/>
               <a:t>Design and Implementation of a C Code Generator Module for the Gamma Statechart Composition Framework</a:t>
             </a:r>
-            <a:endParaRPr lang="en-US" sz="4800" dirty="0"/>
+            <a:endParaRPr lang="en-US" sz="4800" b="1" dirty="0"/>
           </a:p>
         </p:txBody>
       </p:sp>
@@ -7016,7 +7017,86 @@
       </p:grpSpPr>
       <p:sp>
         <p:nvSpPr>
-          <p:cNvPr id="2" name="Slide Number Placeholder 1"/>
+          <p:cNvPr id="6" name="Title 5"/>
+          <p:cNvSpPr>
+            <a:spLocks noGrp="1"/>
+          </p:cNvSpPr>
+          <p:nvPr>
+            <p:ph type="title"/>
+          </p:nvPr>
+        </p:nvSpPr>
+        <p:spPr>
+          <a:xfrm>
+            <a:off x="574979" y="2083665"/>
+            <a:ext cx="5156748" cy="1445919"/>
+          </a:xfrm>
+        </p:spPr>
+        <p:txBody>
+          <a:bodyPr/>
+          <a:lstStyle/>
+          <a:p>
+            <a:r>
+              <a:rPr lang="en-US" dirty="0"/>
+              <a:t>Case Study</a:t>
+            </a:r>
+          </a:p>
+        </p:txBody>
+      </p:sp>
+      <p:sp>
+        <p:nvSpPr>
+          <p:cNvPr id="2" name="Footer Placeholder 1"/>
+          <p:cNvSpPr>
+            <a:spLocks noGrp="1"/>
+          </p:cNvSpPr>
+          <p:nvPr>
+            <p:ph type="ftr" sz="quarter" idx="10"/>
+          </p:nvPr>
+        </p:nvSpPr>
+        <p:spPr/>
+        <p:txBody>
+          <a:bodyPr/>
+          <a:lstStyle/>
+          <a:p>
+            <a:pPr marL="0" marR="0" lvl="0" indent="0" algn="l" defTabSz="914400" rtl="0" eaLnBrk="1" fontAlgn="auto" latinLnBrk="0" hangingPunct="1">
+              <a:lnSpc>
+                <a:spcPct val="100000"/>
+              </a:lnSpc>
+              <a:spcBef>
+                <a:spcPts val="0"/>
+              </a:spcBef>
+              <a:spcAft>
+                <a:spcPts val="0"/>
+              </a:spcAft>
+              <a:buClrTx/>
+              <a:buSzTx/>
+              <a:buFontTx/>
+              <a:buNone/>
+              <a:tabLst/>
+              <a:defRPr/>
+            </a:pPr>
+            <a:r>
+              <a:rPr kumimoji="0" lang="en-GB" sz="1200" b="0" i="0" u="none" strike="noStrike" kern="1200" cap="none" spc="0" normalizeH="0" baseline="0" noProof="0" dirty="0">
+                <a:ln>
+                  <a:noFill/>
+                </a:ln>
+                <a:solidFill>
+                  <a:srgbClr val="2F2D2E"/>
+                </a:solidFill>
+                <a:effectLst/>
+                <a:uLnTx/>
+                <a:uFillTx/>
+                <a:latin typeface="Open Sans"/>
+                <a:ea typeface="+mn-ea"/>
+                <a:cs typeface="+mn-cs"/>
+              </a:rPr>
+              <a:t>BSc Project Laboratory 1. (VIMIAL01)</a:t>
+            </a:r>
+          </a:p>
+        </p:txBody>
+      </p:sp>
+      <p:sp>
+        <p:nvSpPr>
+          <p:cNvPr id="3" name="Slide Number Placeholder 2"/>
           <p:cNvSpPr>
             <a:spLocks noGrp="1"/>
           </p:cNvSpPr>
@@ -7052,7 +7132,7 @@
                   <a:noFill/>
                 </a:ln>
                 <a:solidFill>
-                  <a:srgbClr val="2F2D2E"/>
+                  <a:srgbClr val="000000"/>
                 </a:solidFill>
                 <a:effectLst/>
                 <a:uLnTx/>
@@ -7085,7 +7165,7 @@
                 <a:noFill/>
               </a:ln>
               <a:solidFill>
-                <a:srgbClr val="2F2D2E"/>
+                <a:srgbClr val="000000"/>
               </a:solidFill>
               <a:effectLst/>
               <a:uLnTx/>
@@ -7099,98 +7179,236 @@
       </p:sp>
       <p:sp>
         <p:nvSpPr>
-          <p:cNvPr id="3" name="Content Placeholder 2"/>
+          <p:cNvPr id="5" name="Text Placeholder 9">
+            <a:extLst>
+              <a:ext uri="{FF2B5EF4-FFF2-40B4-BE49-F238E27FC236}">
+                <a16:creationId xmlns:a16="http://schemas.microsoft.com/office/drawing/2014/main" id="{F6838B33-6E68-5D64-A730-BC5F66796EC3}"/>
+              </a:ext>
+            </a:extLst>
+          </p:cNvPr>
           <p:cNvSpPr>
             <a:spLocks noGrp="1"/>
           </p:cNvSpPr>
-          <p:nvPr>
-            <p:ph sz="quarter" idx="12"/>
-          </p:nvPr>
-        </p:nvSpPr>
-        <p:spPr/>
-        <p:txBody>
-          <a:bodyPr>
+          <p:nvPr/>
+        </p:nvSpPr>
+        <p:spPr>
+          <a:xfrm>
+            <a:off x="574979" y="3694177"/>
+            <a:ext cx="4733002" cy="1119124"/>
+          </a:xfrm>
+          <a:prstGeom prst="rect">
+            <a:avLst/>
+          </a:prstGeom>
+        </p:spPr>
+        <p:txBody>
+          <a:bodyPr vert="horz" lIns="91440" tIns="45720" rIns="91440" bIns="45720" rtlCol="0">
             <a:normAutofit/>
           </a:bodyPr>
-          <a:lstStyle/>
-          <a:p>
-            <a:pPr>
-              <a:spcAft>
-                <a:spcPts val="1500"/>
-              </a:spcAft>
-            </a:pPr>
-            <a:endParaRPr lang="en-US" dirty="0"/>
-          </a:p>
-        </p:txBody>
-      </p:sp>
-      <p:sp>
-        <p:nvSpPr>
-          <p:cNvPr id="4" name="Title 3"/>
-          <p:cNvSpPr>
-            <a:spLocks noGrp="1"/>
-          </p:cNvSpPr>
-          <p:nvPr>
-            <p:ph type="title"/>
-          </p:nvPr>
-        </p:nvSpPr>
-        <p:spPr>
-          <a:xfrm>
-            <a:off x="574978" y="313299"/>
-            <a:ext cx="11021962" cy="722187"/>
-          </a:xfrm>
-        </p:spPr>
-        <p:txBody>
-          <a:bodyPr>
-            <a:normAutofit/>
-          </a:bodyPr>
-          <a:lstStyle/>
-          <a:p>
-            <a:r>
-              <a:rPr lang="en-US" dirty="0"/>
-              <a:t>Utilization</a:t>
-            </a:r>
-          </a:p>
-        </p:txBody>
-      </p:sp>
-      <p:sp>
-        <p:nvSpPr>
-          <p:cNvPr id="5" name="Footer Placeholder 4"/>
-          <p:cNvSpPr>
-            <a:spLocks noGrp="1"/>
-          </p:cNvSpPr>
-          <p:nvPr>
-            <p:ph type="ftr" sz="quarter" idx="10"/>
-          </p:nvPr>
-        </p:nvSpPr>
-        <p:spPr/>
-        <p:txBody>
-          <a:bodyPr/>
-          <a:lstStyle/>
+          <a:lstStyle>
+            <a:lvl1pPr marL="0" indent="0" algn="l" defTabSz="914400" rtl="0" eaLnBrk="1" latinLnBrk="0" hangingPunct="1">
+              <a:lnSpc>
+                <a:spcPct val="100000"/>
+              </a:lnSpc>
+              <a:spcBef>
+                <a:spcPts val="1000"/>
+              </a:spcBef>
+              <a:buFont typeface="Arial" panose="020B0604020202020204" pitchFamily="34" charset="0"/>
+              <a:buNone/>
+              <a:defRPr sz="2400" kern="1200">
+                <a:solidFill>
+                  <a:schemeClr val="bg1"/>
+                </a:solidFill>
+                <a:latin typeface="+mn-lt"/>
+                <a:ea typeface="+mn-ea"/>
+                <a:cs typeface="+mn-cs"/>
+              </a:defRPr>
+            </a:lvl1pPr>
+            <a:lvl2pPr marL="457200" indent="0" algn="l" defTabSz="914400" rtl="0" eaLnBrk="1" latinLnBrk="0" hangingPunct="1">
+              <a:lnSpc>
+                <a:spcPct val="100000"/>
+              </a:lnSpc>
+              <a:spcBef>
+                <a:spcPts val="500"/>
+              </a:spcBef>
+              <a:buFontTx/>
+              <a:buNone/>
+              <a:defRPr sz="2000" kern="1200">
+                <a:solidFill>
+                  <a:schemeClr val="tx1">
+                    <a:tint val="75000"/>
+                  </a:schemeClr>
+                </a:solidFill>
+                <a:latin typeface="+mn-lt"/>
+                <a:ea typeface="+mn-ea"/>
+                <a:cs typeface="+mn-cs"/>
+              </a:defRPr>
+            </a:lvl2pPr>
+            <a:lvl3pPr marL="914400" indent="0" algn="l" defTabSz="914400" rtl="0" eaLnBrk="1" latinLnBrk="0" hangingPunct="1">
+              <a:lnSpc>
+                <a:spcPct val="100000"/>
+              </a:lnSpc>
+              <a:spcBef>
+                <a:spcPts val="500"/>
+              </a:spcBef>
+              <a:buFont typeface="Arial" panose="020B0604020202020204" pitchFamily="34" charset="0"/>
+              <a:buNone/>
+              <a:defRPr sz="1800" kern="1200">
+                <a:solidFill>
+                  <a:schemeClr val="tx1">
+                    <a:tint val="75000"/>
+                  </a:schemeClr>
+                </a:solidFill>
+                <a:latin typeface="+mn-lt"/>
+                <a:ea typeface="+mn-ea"/>
+                <a:cs typeface="+mn-cs"/>
+              </a:defRPr>
+            </a:lvl3pPr>
+            <a:lvl4pPr marL="1371600" indent="0" algn="l" defTabSz="914400" rtl="0" eaLnBrk="1" latinLnBrk="0" hangingPunct="1">
+              <a:lnSpc>
+                <a:spcPct val="100000"/>
+              </a:lnSpc>
+              <a:spcBef>
+                <a:spcPts val="500"/>
+              </a:spcBef>
+              <a:buFont typeface="Arial" panose="020B0604020202020204" pitchFamily="34" charset="0"/>
+              <a:buNone/>
+              <a:defRPr sz="1600" kern="1200">
+                <a:solidFill>
+                  <a:schemeClr val="tx1">
+                    <a:tint val="75000"/>
+                  </a:schemeClr>
+                </a:solidFill>
+                <a:latin typeface="+mn-lt"/>
+                <a:ea typeface="+mn-ea"/>
+                <a:cs typeface="+mn-cs"/>
+              </a:defRPr>
+            </a:lvl4pPr>
+            <a:lvl5pPr marL="1828800" indent="0" algn="l" defTabSz="914400" rtl="0" eaLnBrk="1" latinLnBrk="0" hangingPunct="1">
+              <a:lnSpc>
+                <a:spcPct val="100000"/>
+              </a:lnSpc>
+              <a:spcBef>
+                <a:spcPts val="500"/>
+              </a:spcBef>
+              <a:buFont typeface="Arial" panose="020B0604020202020204" pitchFamily="34" charset="0"/>
+              <a:buNone/>
+              <a:defRPr sz="1600" kern="1200">
+                <a:solidFill>
+                  <a:schemeClr val="tx1">
+                    <a:tint val="75000"/>
+                  </a:schemeClr>
+                </a:solidFill>
+                <a:latin typeface="+mn-lt"/>
+                <a:ea typeface="+mn-ea"/>
+                <a:cs typeface="+mn-cs"/>
+              </a:defRPr>
+            </a:lvl5pPr>
+            <a:lvl6pPr marL="2286000" indent="0" algn="l" defTabSz="914400" rtl="0" eaLnBrk="1" latinLnBrk="0" hangingPunct="1">
+              <a:lnSpc>
+                <a:spcPct val="90000"/>
+              </a:lnSpc>
+              <a:spcBef>
+                <a:spcPts val="500"/>
+              </a:spcBef>
+              <a:buFont typeface="Arial" panose="020B0604020202020204" pitchFamily="34" charset="0"/>
+              <a:buNone/>
+              <a:defRPr sz="1600" kern="1200">
+                <a:solidFill>
+                  <a:schemeClr val="tx1">
+                    <a:tint val="75000"/>
+                  </a:schemeClr>
+                </a:solidFill>
+                <a:latin typeface="+mn-lt"/>
+                <a:ea typeface="+mn-ea"/>
+                <a:cs typeface="+mn-cs"/>
+              </a:defRPr>
+            </a:lvl6pPr>
+            <a:lvl7pPr marL="2743200" indent="0" algn="l" defTabSz="914400" rtl="0" eaLnBrk="1" latinLnBrk="0" hangingPunct="1">
+              <a:lnSpc>
+                <a:spcPct val="90000"/>
+              </a:lnSpc>
+              <a:spcBef>
+                <a:spcPts val="500"/>
+              </a:spcBef>
+              <a:buFont typeface="Arial" panose="020B0604020202020204" pitchFamily="34" charset="0"/>
+              <a:buNone/>
+              <a:defRPr sz="1600" kern="1200">
+                <a:solidFill>
+                  <a:schemeClr val="tx1">
+                    <a:tint val="75000"/>
+                  </a:schemeClr>
+                </a:solidFill>
+                <a:latin typeface="+mn-lt"/>
+                <a:ea typeface="+mn-ea"/>
+                <a:cs typeface="+mn-cs"/>
+              </a:defRPr>
+            </a:lvl7pPr>
+            <a:lvl8pPr marL="3200400" indent="0" algn="l" defTabSz="914400" rtl="0" eaLnBrk="1" latinLnBrk="0" hangingPunct="1">
+              <a:lnSpc>
+                <a:spcPct val="90000"/>
+              </a:lnSpc>
+              <a:spcBef>
+                <a:spcPts val="500"/>
+              </a:spcBef>
+              <a:buFont typeface="Arial" panose="020B0604020202020204" pitchFamily="34" charset="0"/>
+              <a:buNone/>
+              <a:defRPr sz="1600" kern="1200">
+                <a:solidFill>
+                  <a:schemeClr val="tx1">
+                    <a:tint val="75000"/>
+                  </a:schemeClr>
+                </a:solidFill>
+                <a:latin typeface="+mn-lt"/>
+                <a:ea typeface="+mn-ea"/>
+                <a:cs typeface="+mn-cs"/>
+              </a:defRPr>
+            </a:lvl8pPr>
+            <a:lvl9pPr marL="3657600" indent="0" algn="l" defTabSz="914400" rtl="0" eaLnBrk="1" latinLnBrk="0" hangingPunct="1">
+              <a:lnSpc>
+                <a:spcPct val="90000"/>
+              </a:lnSpc>
+              <a:spcBef>
+                <a:spcPts val="500"/>
+              </a:spcBef>
+              <a:buFont typeface="Arial" panose="020B0604020202020204" pitchFamily="34" charset="0"/>
+              <a:buNone/>
+              <a:defRPr sz="1600" kern="1200">
+                <a:solidFill>
+                  <a:schemeClr val="tx1">
+                    <a:tint val="75000"/>
+                  </a:schemeClr>
+                </a:solidFill>
+                <a:latin typeface="+mn-lt"/>
+                <a:ea typeface="+mn-ea"/>
+                <a:cs typeface="+mn-cs"/>
+              </a:defRPr>
+            </a:lvl9pPr>
+          </a:lstStyle>
           <a:p>
             <a:pPr marL="0" marR="0" lvl="0" indent="0" algn="l" defTabSz="914400" rtl="0" eaLnBrk="1" fontAlgn="auto" latinLnBrk="0" hangingPunct="1">
               <a:lnSpc>
                 <a:spcPct val="100000"/>
               </a:lnSpc>
               <a:spcBef>
-                <a:spcPts val="0"/>
+                <a:spcPts val="1000"/>
               </a:spcBef>
               <a:spcAft>
                 <a:spcPts val="0"/>
               </a:spcAft>
               <a:buClrTx/>
               <a:buSzTx/>
-              <a:buFontTx/>
+              <a:buFont typeface="Arial" panose="020B0604020202020204" pitchFamily="34" charset="0"/>
               <a:buNone/>
               <a:tabLst/>
               <a:defRPr/>
             </a:pPr>
             <a:r>
-              <a:rPr kumimoji="0" lang="en-GB" sz="1200" b="0" i="0" u="none" strike="noStrike" kern="1200" cap="none" spc="0" normalizeH="0" baseline="0" noProof="0" dirty="0">
+              <a:rPr kumimoji="0" lang="en-US" sz="2400" b="0" i="0" u="none" strike="noStrike" kern="1200" cap="none" spc="0" normalizeH="0" baseline="0" dirty="0">
                 <a:ln>
                   <a:noFill/>
                 </a:ln>
                 <a:solidFill>
-                  <a:srgbClr val="2F2D2E"/>
+                  <a:srgbClr val="FFFFFF"/>
                 </a:solidFill>
                 <a:effectLst/>
                 <a:uLnTx/>
@@ -7199,15 +7417,51 @@
                 <a:ea typeface="+mn-ea"/>
                 <a:cs typeface="+mn-cs"/>
               </a:rPr>
-              <a:t>BSc Project Laboratory 1. (VIMIAL01)</a:t>
-            </a:r>
-          </a:p>
-        </p:txBody>
-      </p:sp>
+              <a:t>The Crossroad Example</a:t>
+            </a:r>
+          </a:p>
+        </p:txBody>
+      </p:sp>
+      <p:pic>
+        <p:nvPicPr>
+          <p:cNvPr id="8" name="Kép 7" descr="A képen szöveg, képernyőkép, diagram, Téglalap látható&#10;&#10;Automatikusan generált leírás">
+            <a:extLst>
+              <a:ext uri="{FF2B5EF4-FFF2-40B4-BE49-F238E27FC236}">
+                <a16:creationId xmlns:a16="http://schemas.microsoft.com/office/drawing/2014/main" id="{DA0F6205-9C75-4E8E-5628-BB574E3ED75B}"/>
+              </a:ext>
+            </a:extLst>
+          </p:cNvPr>
+          <p:cNvPicPr>
+            <a:picLocks noChangeAspect="1"/>
+          </p:cNvPicPr>
+          <p:nvPr/>
+        </p:nvPicPr>
+        <p:blipFill>
+          <a:blip r:embed="rId2">
+            <a:extLst>
+              <a:ext uri="{28A0092B-C50C-407E-A947-70E740481C1C}">
+                <a14:useLocalDpi xmlns:a14="http://schemas.microsoft.com/office/drawing/2010/main" val="0"/>
+              </a:ext>
+            </a:extLst>
+          </a:blip>
+          <a:stretch>
+            <a:fillRect/>
+          </a:stretch>
+        </p:blipFill>
+        <p:spPr>
+          <a:xfrm>
+            <a:off x="7244180" y="1998405"/>
+            <a:ext cx="4372842" cy="2861189"/>
+          </a:xfrm>
+          <a:prstGeom prst="rect">
+            <a:avLst/>
+          </a:prstGeom>
+        </p:spPr>
+      </p:pic>
     </p:spTree>
     <p:extLst>
       <p:ext uri="{BB962C8B-B14F-4D97-AF65-F5344CB8AC3E}">
-        <p14:creationId xmlns:p14="http://schemas.microsoft.com/office/powerpoint/2010/main" val="2452458112"/>
+        <p14:creationId xmlns:p14="http://schemas.microsoft.com/office/powerpoint/2010/main" val="737788289"/>
       </p:ext>
     </p:extLst>
   </p:cSld>
@@ -7330,9 +7584,153 @@
         <p:spPr/>
         <p:txBody>
           <a:bodyPr>
-            <a:normAutofit/>
+            <a:normAutofit lnSpcReduction="10000"/>
           </a:bodyPr>
           <a:lstStyle/>
+          <a:p>
+            <a:r>
+              <a:rPr lang="en-US" dirty="0">
+                <a:solidFill>
+                  <a:schemeClr val="accent1"/>
+                </a:solidFill>
+              </a:rPr>
+              <a:t>Initialization</a:t>
+            </a:r>
+          </a:p>
+          <a:p>
+            <a:pPr lvl="1">
+              <a:spcAft>
+                <a:spcPts val="600"/>
+              </a:spcAft>
+            </a:pPr>
+            <a:r>
+              <a:rPr lang="en-US" dirty="0"/>
+              <a:t>Internal variables</a:t>
+            </a:r>
+          </a:p>
+          <a:p>
+            <a:r>
+              <a:rPr lang="en-US" dirty="0">
+                <a:solidFill>
+                  <a:schemeClr val="accent1"/>
+                </a:solidFill>
+              </a:rPr>
+              <a:t>Ports</a:t>
+            </a:r>
+          </a:p>
+          <a:p>
+            <a:pPr lvl="1">
+              <a:spcAft>
+                <a:spcPts val="600"/>
+              </a:spcAft>
+            </a:pPr>
+            <a:r>
+              <a:rPr lang="en-US" dirty="0"/>
+              <a:t>Setters for input ports</a:t>
+            </a:r>
+          </a:p>
+          <a:p>
+            <a:pPr lvl="1">
+              <a:spcAft>
+                <a:spcPts val="600"/>
+              </a:spcAft>
+            </a:pPr>
+            <a:r>
+              <a:rPr lang="en-US" dirty="0"/>
+              <a:t>Getters for output ports</a:t>
+            </a:r>
+          </a:p>
+          <a:p>
+            <a:pPr lvl="1">
+              <a:spcAft>
+                <a:spcPts val="600"/>
+              </a:spcAft>
+            </a:pPr>
+            <a:r>
+              <a:rPr lang="en-US" dirty="0"/>
+              <a:t>Fallback to a default value after each cycle</a:t>
+            </a:r>
+          </a:p>
+          <a:p>
+            <a:r>
+              <a:rPr lang="en-US" dirty="0">
+                <a:solidFill>
+                  <a:schemeClr val="accent1"/>
+                </a:solidFill>
+              </a:rPr>
+              <a:t>Timing</a:t>
+            </a:r>
+          </a:p>
+          <a:p>
+            <a:pPr lvl="1">
+              <a:spcAft>
+                <a:spcPts val="600"/>
+              </a:spcAft>
+            </a:pPr>
+            <a:r>
+              <a:rPr lang="en-US" dirty="0"/>
+              <a:t>At least 5</a:t>
+            </a:r>
+            <a:r>
+              <a:rPr lang="hu-HU" dirty="0"/>
+              <a:t>00</a:t>
+            </a:r>
+            <a:r>
+              <a:rPr lang="en-US" dirty="0"/>
+              <a:t> </a:t>
+            </a:r>
+            <a:r>
+              <a:rPr lang="hu-HU" dirty="0"/>
+              <a:t>u</a:t>
+            </a:r>
+            <a:r>
+              <a:rPr lang="en-US" dirty="0"/>
+              <a:t>s of sleep required</a:t>
+            </a:r>
+            <a:endParaRPr lang="hu-HU" dirty="0"/>
+          </a:p>
+          <a:p>
+            <a:pPr lvl="1">
+              <a:spcAft>
+                <a:spcPts val="600"/>
+              </a:spcAft>
+            </a:pPr>
+            <a:r>
+              <a:rPr lang="en-US" dirty="0"/>
+              <a:t>Variables used for timing can overflow</a:t>
+            </a:r>
+          </a:p>
+          <a:p>
+            <a:pPr>
+              <a:spcAft>
+                <a:spcPts val="600"/>
+              </a:spcAft>
+            </a:pPr>
+            <a:r>
+              <a:rPr lang="en-US" dirty="0">
+                <a:solidFill>
+                  <a:schemeClr val="accent1"/>
+                </a:solidFill>
+              </a:rPr>
+              <a:t>Cycle </a:t>
+            </a:r>
+            <a:r>
+              <a:rPr lang="en-US" dirty="0"/>
+              <a:t>-</a:t>
+            </a:r>
+            <a:r>
+              <a:rPr lang="en-US" dirty="0">
+                <a:solidFill>
+                  <a:schemeClr val="accent1"/>
+                </a:solidFill>
+              </a:rPr>
+              <a:t> </a:t>
+            </a:r>
+            <a:r>
+              <a:rPr lang="en-US" dirty="0"/>
+              <a:t>check whether a change in state is due</a:t>
+            </a:r>
+          </a:p>
           <a:p>
             <a:pPr>
               <a:spcAft>
@@ -7366,10 +7764,9 @@
           <a:lstStyle/>
           <a:p>
             <a:r>
-              <a:rPr lang="hu-HU" dirty="0" err="1"/>
-              <a:t>Results</a:t>
-            </a:r>
-            <a:endParaRPr lang="en-US" dirty="0"/>
+              <a:rPr lang="en-US" dirty="0"/>
+              <a:t>Utilization</a:t>
+            </a:r>
           </a:p>
         </p:txBody>
       </p:sp>
@@ -7406,7 +7803,7 @@
               <a:defRPr/>
             </a:pPr>
             <a:r>
-              <a:rPr kumimoji="0" lang="en-GB" sz="1200" b="0" i="0" u="none" strike="noStrike" kern="1200" cap="none" spc="0" normalizeH="0" baseline="0" noProof="0" dirty="0">
+              <a:rPr kumimoji="0" lang="en-GB" sz="1200" b="0" i="0" u="none" strike="noStrike" kern="1200" cap="none" spc="0" normalizeH="0" baseline="0" noProof="0">
                 <a:ln>
                   <a:noFill/>
                 </a:ln>
@@ -7422,13 +7819,805 @@
               </a:rPr>
               <a:t>BSc Project Laboratory 1. (VIMIAL01)</a:t>
             </a:r>
+            <a:endParaRPr kumimoji="0" lang="en-GB" sz="1200" b="0" i="0" u="none" strike="noStrike" kern="1200" cap="none" spc="0" normalizeH="0" baseline="0" noProof="0" dirty="0">
+              <a:ln>
+                <a:noFill/>
+              </a:ln>
+              <a:solidFill>
+                <a:srgbClr val="2F2D2E"/>
+              </a:solidFill>
+              <a:effectLst/>
+              <a:uLnTx/>
+              <a:uFillTx/>
+              <a:latin typeface="Open Sans"/>
+              <a:ea typeface="+mn-ea"/>
+              <a:cs typeface="+mn-cs"/>
+            </a:endParaRPr>
+          </a:p>
+        </p:txBody>
+      </p:sp>
+      <p:sp>
+        <p:nvSpPr>
+          <p:cNvPr id="6" name="Szövegdoboz 5">
+            <a:extLst>
+              <a:ext uri="{FF2B5EF4-FFF2-40B4-BE49-F238E27FC236}">
+                <a16:creationId xmlns:a16="http://schemas.microsoft.com/office/drawing/2014/main" id="{38F6DC29-F08F-E663-CAFF-D0981BB74822}"/>
+              </a:ext>
+            </a:extLst>
+          </p:cNvPr>
+          <p:cNvSpPr txBox="1"/>
+          <p:nvPr/>
+        </p:nvSpPr>
+        <p:spPr>
+          <a:xfrm>
+            <a:off x="3895311" y="699776"/>
+            <a:ext cx="3819700" cy="553998"/>
+          </a:xfrm>
+          <a:prstGeom prst="rect">
+            <a:avLst/>
+          </a:prstGeom>
+          <a:solidFill>
+            <a:schemeClr val="tx1">
+              <a:lumMod val="85000"/>
+              <a:lumOff val="15000"/>
+            </a:schemeClr>
+          </a:solidFill>
+        </p:spPr>
+        <p:txBody>
+          <a:bodyPr wrap="none" rtlCol="0">
+            <a:spAutoFit/>
+          </a:bodyPr>
+          <a:lstStyle/>
+          <a:p>
+            <a:r>
+              <a:rPr lang="en-US" sz="1500" dirty="0">
+                <a:solidFill>
+                  <a:schemeClr val="bg1"/>
+                </a:solidFill>
+              </a:rPr>
+              <a:t>CrossroadWrapper statechart;</a:t>
+            </a:r>
+          </a:p>
+          <a:p>
+            <a:r>
+              <a:rPr lang="en-US" sz="1500" dirty="0">
+                <a:solidFill>
+                  <a:schemeClr val="bg1"/>
+                </a:solidFill>
+              </a:rPr>
+              <a:t>initializeCrossroadWrapper</a:t>
+            </a:r>
+            <a:r>
+              <a:rPr lang="en-US" sz="1500" dirty="0">
+                <a:solidFill>
+                  <a:schemeClr val="accent4"/>
+                </a:solidFill>
+              </a:rPr>
+              <a:t>(&amp;</a:t>
+            </a:r>
+            <a:r>
+              <a:rPr lang="en-US" sz="1500" dirty="0">
+                <a:solidFill>
+                  <a:schemeClr val="bg1"/>
+                </a:solidFill>
+              </a:rPr>
+              <a:t>statechart</a:t>
+            </a:r>
+            <a:r>
+              <a:rPr lang="en-US" sz="1500" dirty="0">
+                <a:solidFill>
+                  <a:schemeClr val="accent4"/>
+                </a:solidFill>
+              </a:rPr>
+              <a:t>)</a:t>
+            </a:r>
+            <a:r>
+              <a:rPr lang="en-US" sz="1500" dirty="0">
+                <a:solidFill>
+                  <a:schemeClr val="bg1"/>
+                </a:solidFill>
+              </a:rPr>
+              <a:t>;</a:t>
+            </a:r>
+          </a:p>
+        </p:txBody>
+      </p:sp>
+      <p:sp>
+        <p:nvSpPr>
+          <p:cNvPr id="11" name="Szövegdoboz 10">
+            <a:extLst>
+              <a:ext uri="{FF2B5EF4-FFF2-40B4-BE49-F238E27FC236}">
+                <a16:creationId xmlns:a16="http://schemas.microsoft.com/office/drawing/2014/main" id="{ADEEED60-DE20-F560-1C05-FD1E1608CBAB}"/>
+              </a:ext>
+            </a:extLst>
+          </p:cNvPr>
+          <p:cNvSpPr txBox="1"/>
+          <p:nvPr/>
+        </p:nvSpPr>
+        <p:spPr>
+          <a:xfrm>
+            <a:off x="7994935" y="4921211"/>
+            <a:ext cx="3869393" cy="553998"/>
+          </a:xfrm>
+          <a:prstGeom prst="rect">
+            <a:avLst/>
+          </a:prstGeom>
+          <a:solidFill>
+            <a:schemeClr val="tx1">
+              <a:lumMod val="85000"/>
+              <a:lumOff val="15000"/>
+            </a:schemeClr>
+          </a:solidFill>
+        </p:spPr>
+        <p:txBody>
+          <a:bodyPr wrap="none" rtlCol="0">
+            <a:spAutoFit/>
+          </a:bodyPr>
+          <a:lstStyle/>
+          <a:p>
+            <a:r>
+              <a:rPr lang="en-US" sz="1500" dirty="0">
+                <a:solidFill>
+                  <a:schemeClr val="bg1"/>
+                </a:solidFill>
+              </a:rPr>
+              <a:t>runCycleCrossroadWrapper</a:t>
+            </a:r>
+            <a:r>
+              <a:rPr lang="en-US" sz="1500" dirty="0">
+                <a:solidFill>
+                  <a:schemeClr val="accent4"/>
+                </a:solidFill>
+              </a:rPr>
+              <a:t>(&amp;</a:t>
+            </a:r>
+            <a:r>
+              <a:rPr lang="en-US" sz="1500" dirty="0">
+                <a:solidFill>
+                  <a:schemeClr val="bg1"/>
+                </a:solidFill>
+              </a:rPr>
+              <a:t>statechart</a:t>
+            </a:r>
+            <a:r>
+              <a:rPr lang="en-US" sz="1500" dirty="0">
+                <a:solidFill>
+                  <a:schemeClr val="accent4"/>
+                </a:solidFill>
+              </a:rPr>
+              <a:t>)</a:t>
+            </a:r>
+            <a:r>
+              <a:rPr lang="en-US" sz="1500" dirty="0">
+                <a:solidFill>
+                  <a:schemeClr val="bg1"/>
+                </a:solidFill>
+              </a:rPr>
+              <a:t>;</a:t>
+            </a:r>
+          </a:p>
+          <a:p>
+            <a:r>
+              <a:rPr lang="en-US" sz="1500" dirty="0">
+                <a:solidFill>
+                  <a:schemeClr val="bg1"/>
+                </a:solidFill>
+              </a:rPr>
+              <a:t>usleep</a:t>
+            </a:r>
+            <a:r>
+              <a:rPr lang="en-US" sz="1500" dirty="0">
+                <a:solidFill>
+                  <a:schemeClr val="accent4"/>
+                </a:solidFill>
+              </a:rPr>
+              <a:t>(</a:t>
+            </a:r>
+            <a:r>
+              <a:rPr lang="en-US" sz="1500" dirty="0">
+                <a:solidFill>
+                  <a:schemeClr val="accent2">
+                    <a:lumMod val="60000"/>
+                    <a:lumOff val="40000"/>
+                  </a:schemeClr>
+                </a:solidFill>
+              </a:rPr>
+              <a:t>2500</a:t>
+            </a:r>
+            <a:r>
+              <a:rPr lang="en-US" sz="1500" dirty="0">
+                <a:solidFill>
+                  <a:schemeClr val="accent4"/>
+                </a:solidFill>
+              </a:rPr>
+              <a:t>)</a:t>
+            </a:r>
+            <a:r>
+              <a:rPr lang="en-US" sz="1500" dirty="0">
+                <a:solidFill>
+                  <a:schemeClr val="bg1"/>
+                </a:solidFill>
+              </a:rPr>
+              <a:t>;</a:t>
+            </a:r>
+          </a:p>
+        </p:txBody>
+      </p:sp>
+      <p:sp>
+        <p:nvSpPr>
+          <p:cNvPr id="12" name="Szövegdoboz 11">
+            <a:extLst>
+              <a:ext uri="{FF2B5EF4-FFF2-40B4-BE49-F238E27FC236}">
+                <a16:creationId xmlns:a16="http://schemas.microsoft.com/office/drawing/2014/main" id="{329F0FDB-6DC6-B30F-8E08-F2D2D7422C21}"/>
+              </a:ext>
+            </a:extLst>
+          </p:cNvPr>
+          <p:cNvSpPr txBox="1"/>
+          <p:nvPr/>
+        </p:nvSpPr>
+        <p:spPr>
+          <a:xfrm>
+            <a:off x="5244086" y="2182505"/>
+            <a:ext cx="6238567" cy="1246495"/>
+          </a:xfrm>
+          <a:prstGeom prst="rect">
+            <a:avLst/>
+          </a:prstGeom>
+          <a:solidFill>
+            <a:schemeClr val="tx1">
+              <a:lumMod val="85000"/>
+              <a:lumOff val="15000"/>
+            </a:schemeClr>
+          </a:solidFill>
+        </p:spPr>
+        <p:txBody>
+          <a:bodyPr wrap="none" rtlCol="0">
+            <a:spAutoFit/>
+          </a:bodyPr>
+          <a:lstStyle/>
+          <a:p>
+            <a:r>
+              <a:rPr lang="hu-HU" sz="1500" dirty="0">
+                <a:solidFill>
+                  <a:srgbClr val="92D050"/>
+                </a:solidFill>
+              </a:rPr>
+              <a:t>/* setters as input ports */</a:t>
+            </a:r>
+          </a:p>
+          <a:p>
+            <a:r>
+              <a:rPr lang="en-US" sz="1500" dirty="0">
+                <a:solidFill>
+                  <a:schemeClr val="bg1"/>
+                </a:solidFill>
+              </a:rPr>
+              <a:t>setPoliceInterrupt_police_In_controller</a:t>
+            </a:r>
+            <a:r>
+              <a:rPr lang="en-US" sz="1500" dirty="0">
+                <a:solidFill>
+                  <a:schemeClr val="accent4"/>
+                </a:solidFill>
+              </a:rPr>
+              <a:t>(&amp;</a:t>
+            </a:r>
+            <a:r>
+              <a:rPr lang="en-US" sz="1500" dirty="0">
+                <a:solidFill>
+                  <a:schemeClr val="bg1"/>
+                </a:solidFill>
+              </a:rPr>
+              <a:t>statechart, detect</a:t>
+            </a:r>
+            <a:r>
+              <a:rPr lang="en-US" sz="1500" dirty="0">
+                <a:solidFill>
+                  <a:schemeClr val="accent4"/>
+                </a:solidFill>
+              </a:rPr>
+              <a:t>(</a:t>
+            </a:r>
+            <a:r>
+              <a:rPr lang="en-US" sz="1500" dirty="0">
+                <a:solidFill>
+                  <a:schemeClr val="bg1"/>
+                </a:solidFill>
+              </a:rPr>
+              <a:t>POLICE</a:t>
+            </a:r>
+            <a:r>
+              <a:rPr lang="en-US" sz="1500" dirty="0">
+                <a:solidFill>
+                  <a:schemeClr val="accent4"/>
+                </a:solidFill>
+              </a:rPr>
+              <a:t>))</a:t>
+            </a:r>
+            <a:r>
+              <a:rPr lang="en-US" sz="1500" dirty="0"/>
+              <a:t>;</a:t>
+            </a:r>
+          </a:p>
+          <a:p>
+            <a:r>
+              <a:rPr lang="hu-HU" sz="1500" dirty="0">
+                <a:solidFill>
+                  <a:srgbClr val="92D050"/>
+                </a:solidFill>
+              </a:rPr>
+              <a:t>/* getters as output ports */</a:t>
+            </a:r>
+            <a:br>
+              <a:rPr lang="hu-HU" sz="1500" dirty="0"/>
+            </a:br>
+            <a:r>
+              <a:rPr lang="en-US" sz="1500" dirty="0">
+                <a:solidFill>
+                  <a:schemeClr val="bg1"/>
+                </a:solidFill>
+              </a:rPr>
+              <a:t>getLightCommands_displayRed_Out_prior</a:t>
+            </a:r>
+            <a:r>
+              <a:rPr lang="en-US" sz="1500" dirty="0">
+                <a:solidFill>
+                  <a:schemeClr val="accent4"/>
+                </a:solidFill>
+              </a:rPr>
+              <a:t>(&amp;</a:t>
+            </a:r>
+            <a:r>
+              <a:rPr lang="en-US" sz="1500" dirty="0">
+                <a:solidFill>
+                  <a:schemeClr val="bg1"/>
+                </a:solidFill>
+              </a:rPr>
+              <a:t>statechart</a:t>
+            </a:r>
+            <a:r>
+              <a:rPr lang="en-US" sz="1500" dirty="0">
+                <a:solidFill>
+                  <a:schemeClr val="accent4"/>
+                </a:solidFill>
+              </a:rPr>
+              <a:t>)</a:t>
+            </a:r>
+            <a:r>
+              <a:rPr lang="hu-HU" sz="1500" dirty="0">
+                <a:solidFill>
+                  <a:schemeClr val="accent4"/>
+                </a:solidFill>
+              </a:rPr>
+              <a:t>;</a:t>
+            </a:r>
+          </a:p>
+          <a:p>
+            <a:r>
+              <a:rPr lang="en-US" sz="1500" dirty="0">
+                <a:solidFill>
+                  <a:schemeClr val="bg1"/>
+                </a:solidFill>
+              </a:rPr>
+              <a:t>getLightCommands_displayRed_Out_</a:t>
+            </a:r>
+            <a:r>
+              <a:rPr lang="hu-HU" sz="1500" dirty="0">
+                <a:solidFill>
+                  <a:schemeClr val="bg1"/>
+                </a:solidFill>
+              </a:rPr>
+              <a:t>secondary</a:t>
+            </a:r>
+            <a:r>
+              <a:rPr lang="en-US" sz="1500" dirty="0">
+                <a:solidFill>
+                  <a:schemeClr val="accent4"/>
+                </a:solidFill>
+              </a:rPr>
+              <a:t>(&amp;</a:t>
+            </a:r>
+            <a:r>
+              <a:rPr lang="en-US" sz="1500" dirty="0">
+                <a:solidFill>
+                  <a:schemeClr val="bg1"/>
+                </a:solidFill>
+              </a:rPr>
+              <a:t>statechart</a:t>
+            </a:r>
+            <a:r>
+              <a:rPr lang="en-US" sz="1500" dirty="0">
+                <a:solidFill>
+                  <a:schemeClr val="accent4"/>
+                </a:solidFill>
+              </a:rPr>
+              <a:t>)</a:t>
+            </a:r>
+            <a:r>
+              <a:rPr lang="hu-HU" sz="1500" dirty="0">
+                <a:solidFill>
+                  <a:schemeClr val="accent4"/>
+                </a:solidFill>
+              </a:rPr>
+              <a:t>;</a:t>
+            </a:r>
+            <a:endParaRPr lang="en-US" sz="1500" dirty="0"/>
+          </a:p>
+        </p:txBody>
+      </p:sp>
+      <p:sp>
+        <p:nvSpPr>
+          <p:cNvPr id="13" name="Rectangular Callout 17">
+            <a:extLst>
+              <a:ext uri="{FF2B5EF4-FFF2-40B4-BE49-F238E27FC236}">
+                <a16:creationId xmlns:a16="http://schemas.microsoft.com/office/drawing/2014/main" id="{D78B626D-05B3-2703-605C-50DB6E70B94F}"/>
+              </a:ext>
+            </a:extLst>
+          </p:cNvPr>
+          <p:cNvSpPr/>
+          <p:nvPr/>
+        </p:nvSpPr>
+        <p:spPr>
+          <a:xfrm>
+            <a:off x="7994935" y="344627"/>
+            <a:ext cx="3622087" cy="507956"/>
+          </a:xfrm>
+          <a:prstGeom prst="wedgeRectCallout">
+            <a:avLst>
+              <a:gd name="adj1" fmla="val -56016"/>
+              <a:gd name="adj2" fmla="val 90788"/>
+            </a:avLst>
+          </a:prstGeom>
+          <a:solidFill>
+            <a:schemeClr val="bg1"/>
+          </a:solidFill>
+          <a:ln w="28575">
+            <a:solidFill>
+              <a:schemeClr val="tx2"/>
+            </a:solidFill>
+          </a:ln>
+          <a:effectLst>
+            <a:outerShdw blurRad="50800" dist="38100" dir="5400000" algn="t" rotWithShape="0">
+              <a:prstClr val="black">
+                <a:alpha val="40000"/>
+              </a:prstClr>
+            </a:outerShdw>
+          </a:effectLst>
+        </p:spPr>
+        <p:style>
+          <a:lnRef idx="2">
+            <a:schemeClr val="accent1">
+              <a:shade val="50000"/>
+            </a:schemeClr>
+          </a:lnRef>
+          <a:fillRef idx="1">
+            <a:schemeClr val="accent1"/>
+          </a:fillRef>
+          <a:effectRef idx="0">
+            <a:schemeClr val="accent1"/>
+          </a:effectRef>
+          <a:fontRef idx="minor">
+            <a:schemeClr val="lt1"/>
+          </a:fontRef>
+        </p:style>
+        <p:txBody>
+          <a:bodyPr rtlCol="0" anchor="ctr"/>
+          <a:lstStyle/>
+          <a:p>
+            <a:pPr marL="0" marR="0" lvl="0" indent="0" algn="ctr" defTabSz="914400" rtl="0" eaLnBrk="1" fontAlgn="auto" latinLnBrk="0" hangingPunct="1">
+              <a:lnSpc>
+                <a:spcPct val="100000"/>
+              </a:lnSpc>
+              <a:spcBef>
+                <a:spcPts val="0"/>
+              </a:spcBef>
+              <a:spcAft>
+                <a:spcPts val="0"/>
+              </a:spcAft>
+              <a:buClrTx/>
+              <a:buSzTx/>
+              <a:buFontTx/>
+              <a:buNone/>
+              <a:tabLst/>
+              <a:defRPr/>
+            </a:pPr>
+            <a:r>
+              <a:rPr lang="hu-HU" sz="2400" dirty="0">
+                <a:solidFill>
+                  <a:srgbClr val="1446A0"/>
+                </a:solidFill>
+                <a:latin typeface="Open Sans"/>
+              </a:rPr>
+              <a:t>Initialize</a:t>
+            </a:r>
+            <a:r>
+              <a:rPr lang="en-US" sz="2400" dirty="0">
+                <a:solidFill>
+                  <a:srgbClr val="1446A0"/>
+                </a:solidFill>
+                <a:latin typeface="Open Sans"/>
+              </a:rPr>
+              <a:t> </a:t>
+            </a:r>
+            <a:r>
+              <a:rPr lang="hu-HU" sz="2400" dirty="0">
+                <a:solidFill>
+                  <a:schemeClr val="tx1"/>
+                </a:solidFill>
+                <a:latin typeface="Open Sans"/>
+              </a:rPr>
+              <a:t>statechart</a:t>
+            </a:r>
+            <a:endParaRPr kumimoji="0" lang="en-US" sz="2400" b="0" i="0" u="none" strike="noStrike" kern="1200" cap="none" spc="0" normalizeH="0" baseline="0" dirty="0">
+              <a:ln>
+                <a:noFill/>
+              </a:ln>
+              <a:solidFill>
+                <a:srgbClr val="000000"/>
+              </a:solidFill>
+              <a:effectLst/>
+              <a:uLnTx/>
+              <a:uFillTx/>
+              <a:latin typeface="Open Sans"/>
+              <a:ea typeface="+mn-ea"/>
+              <a:cs typeface="+mn-cs"/>
+            </a:endParaRPr>
+          </a:p>
+        </p:txBody>
+      </p:sp>
+      <p:sp>
+        <p:nvSpPr>
+          <p:cNvPr id="14" name="Rectangular Callout 17">
+            <a:extLst>
+              <a:ext uri="{FF2B5EF4-FFF2-40B4-BE49-F238E27FC236}">
+                <a16:creationId xmlns:a16="http://schemas.microsoft.com/office/drawing/2014/main" id="{3A0B05F7-0EC4-36AE-1024-02516F7E33D7}"/>
+              </a:ext>
+            </a:extLst>
+          </p:cNvPr>
+          <p:cNvSpPr/>
+          <p:nvPr/>
+        </p:nvSpPr>
+        <p:spPr>
+          <a:xfrm>
+            <a:off x="6552325" y="1438272"/>
+            <a:ext cx="3932203" cy="507956"/>
+          </a:xfrm>
+          <a:prstGeom prst="wedgeRectCallout">
+            <a:avLst>
+              <a:gd name="adj1" fmla="val 43738"/>
+              <a:gd name="adj2" fmla="val 89041"/>
+            </a:avLst>
+          </a:prstGeom>
+          <a:solidFill>
+            <a:schemeClr val="bg1"/>
+          </a:solidFill>
+          <a:ln w="28575">
+            <a:solidFill>
+              <a:schemeClr val="tx2"/>
+            </a:solidFill>
+          </a:ln>
+          <a:effectLst>
+            <a:outerShdw blurRad="50800" dist="38100" dir="5400000" algn="t" rotWithShape="0">
+              <a:prstClr val="black">
+                <a:alpha val="40000"/>
+              </a:prstClr>
+            </a:outerShdw>
+          </a:effectLst>
+        </p:spPr>
+        <p:style>
+          <a:lnRef idx="2">
+            <a:schemeClr val="accent1">
+              <a:shade val="50000"/>
+            </a:schemeClr>
+          </a:lnRef>
+          <a:fillRef idx="1">
+            <a:schemeClr val="accent1"/>
+          </a:fillRef>
+          <a:effectRef idx="0">
+            <a:schemeClr val="accent1"/>
+          </a:effectRef>
+          <a:fontRef idx="minor">
+            <a:schemeClr val="lt1"/>
+          </a:fontRef>
+        </p:style>
+        <p:txBody>
+          <a:bodyPr rtlCol="0" anchor="ctr"/>
+          <a:lstStyle/>
+          <a:p>
+            <a:pPr marL="0" marR="0" lvl="0" indent="0" algn="ctr" defTabSz="914400" rtl="0" eaLnBrk="1" fontAlgn="auto" latinLnBrk="0" hangingPunct="1">
+              <a:lnSpc>
+                <a:spcPct val="100000"/>
+              </a:lnSpc>
+              <a:spcBef>
+                <a:spcPts val="0"/>
+              </a:spcBef>
+              <a:spcAft>
+                <a:spcPts val="0"/>
+              </a:spcAft>
+              <a:buClrTx/>
+              <a:buSzTx/>
+              <a:buFontTx/>
+              <a:buNone/>
+              <a:tabLst/>
+              <a:defRPr/>
+            </a:pPr>
+            <a:r>
+              <a:rPr lang="hu-HU" sz="2400" dirty="0">
+                <a:solidFill>
+                  <a:srgbClr val="1446A0"/>
+                </a:solidFill>
+                <a:latin typeface="Open Sans"/>
+              </a:rPr>
+              <a:t>Ports</a:t>
+            </a:r>
+            <a:r>
+              <a:rPr lang="en-US" sz="2400" dirty="0">
+                <a:solidFill>
+                  <a:srgbClr val="1446A0"/>
+                </a:solidFill>
+                <a:latin typeface="Open Sans"/>
+              </a:rPr>
+              <a:t> </a:t>
+            </a:r>
+            <a:r>
+              <a:rPr lang="en-US" sz="2400" dirty="0">
+                <a:solidFill>
+                  <a:schemeClr val="tx1"/>
+                </a:solidFill>
+                <a:latin typeface="Open Sans"/>
+              </a:rPr>
+              <a:t>as </a:t>
+            </a:r>
+            <a:r>
+              <a:rPr lang="hu-HU" sz="2400" dirty="0">
+                <a:solidFill>
+                  <a:schemeClr val="tx1"/>
+                </a:solidFill>
+                <a:latin typeface="Open Sans"/>
+              </a:rPr>
+              <a:t>setters &amp; getters</a:t>
+            </a:r>
+            <a:endParaRPr kumimoji="0" lang="en-US" sz="2400" b="0" i="0" u="none" strike="noStrike" kern="1200" cap="none" spc="0" normalizeH="0" baseline="0" dirty="0">
+              <a:ln>
+                <a:noFill/>
+              </a:ln>
+              <a:solidFill>
+                <a:srgbClr val="000000"/>
+              </a:solidFill>
+              <a:effectLst/>
+              <a:uLnTx/>
+              <a:uFillTx/>
+              <a:latin typeface="Open Sans"/>
+              <a:ea typeface="+mn-ea"/>
+              <a:cs typeface="+mn-cs"/>
+            </a:endParaRPr>
+          </a:p>
+        </p:txBody>
+      </p:sp>
+      <p:sp>
+        <p:nvSpPr>
+          <p:cNvPr id="15" name="Rectangular Callout 17">
+            <a:extLst>
+              <a:ext uri="{FF2B5EF4-FFF2-40B4-BE49-F238E27FC236}">
+                <a16:creationId xmlns:a16="http://schemas.microsoft.com/office/drawing/2014/main" id="{D77B377A-5CAE-C324-6645-861B8956ABF1}"/>
+              </a:ext>
+            </a:extLst>
+          </p:cNvPr>
+          <p:cNvSpPr/>
+          <p:nvPr/>
+        </p:nvSpPr>
+        <p:spPr>
+          <a:xfrm>
+            <a:off x="7611992" y="3988377"/>
+            <a:ext cx="3622087" cy="507956"/>
+          </a:xfrm>
+          <a:prstGeom prst="wedgeRectCallout">
+            <a:avLst>
+              <a:gd name="adj1" fmla="val -1114"/>
+              <a:gd name="adj2" fmla="val 115257"/>
+            </a:avLst>
+          </a:prstGeom>
+          <a:solidFill>
+            <a:schemeClr val="bg1"/>
+          </a:solidFill>
+          <a:ln w="28575">
+            <a:solidFill>
+              <a:schemeClr val="tx2"/>
+            </a:solidFill>
+          </a:ln>
+          <a:effectLst>
+            <a:outerShdw blurRad="50800" dist="38100" dir="5400000" algn="t" rotWithShape="0">
+              <a:prstClr val="black">
+                <a:alpha val="40000"/>
+              </a:prstClr>
+            </a:outerShdw>
+          </a:effectLst>
+        </p:spPr>
+        <p:style>
+          <a:lnRef idx="2">
+            <a:schemeClr val="accent1">
+              <a:shade val="50000"/>
+            </a:schemeClr>
+          </a:lnRef>
+          <a:fillRef idx="1">
+            <a:schemeClr val="accent1"/>
+          </a:fillRef>
+          <a:effectRef idx="0">
+            <a:schemeClr val="accent1"/>
+          </a:effectRef>
+          <a:fontRef idx="minor">
+            <a:schemeClr val="lt1"/>
+          </a:fontRef>
+        </p:style>
+        <p:txBody>
+          <a:bodyPr rtlCol="0" anchor="ctr"/>
+          <a:lstStyle/>
+          <a:p>
+            <a:pPr marL="0" marR="0" lvl="0" indent="0" algn="ctr" defTabSz="914400" rtl="0" eaLnBrk="1" fontAlgn="auto" latinLnBrk="0" hangingPunct="1">
+              <a:lnSpc>
+                <a:spcPct val="100000"/>
+              </a:lnSpc>
+              <a:spcBef>
+                <a:spcPts val="0"/>
+              </a:spcBef>
+              <a:spcAft>
+                <a:spcPts val="0"/>
+              </a:spcAft>
+              <a:buClrTx/>
+              <a:buSzTx/>
+              <a:buFontTx/>
+              <a:buNone/>
+              <a:tabLst/>
+              <a:defRPr/>
+            </a:pPr>
+            <a:r>
+              <a:rPr lang="hu-HU" sz="2400" dirty="0">
+                <a:solidFill>
+                  <a:srgbClr val="1446A0"/>
+                </a:solidFill>
+                <a:latin typeface="Open Sans"/>
+              </a:rPr>
+              <a:t>Run</a:t>
+            </a:r>
+            <a:r>
+              <a:rPr lang="en-US" sz="2400" dirty="0">
+                <a:solidFill>
+                  <a:srgbClr val="1446A0"/>
+                </a:solidFill>
+                <a:latin typeface="Open Sans"/>
+              </a:rPr>
+              <a:t> </a:t>
+            </a:r>
+            <a:r>
+              <a:rPr lang="hu-HU" sz="2400" dirty="0">
+                <a:solidFill>
+                  <a:schemeClr val="tx1"/>
+                </a:solidFill>
+                <a:latin typeface="Open Sans"/>
+              </a:rPr>
+              <a:t>cycles, sleep</a:t>
+            </a:r>
+            <a:endParaRPr kumimoji="0" lang="en-US" sz="2400" b="0" i="0" u="none" strike="noStrike" kern="1200" cap="none" spc="0" normalizeH="0" baseline="0" dirty="0">
+              <a:ln>
+                <a:noFill/>
+              </a:ln>
+              <a:solidFill>
+                <a:srgbClr val="000000"/>
+              </a:solidFill>
+              <a:effectLst/>
+              <a:uLnTx/>
+              <a:uFillTx/>
+              <a:latin typeface="Open Sans"/>
+              <a:ea typeface="+mn-ea"/>
+              <a:cs typeface="+mn-cs"/>
+            </a:endParaRPr>
           </a:p>
         </p:txBody>
       </p:sp>
     </p:spTree>
     <p:extLst>
       <p:ext uri="{BB962C8B-B14F-4D97-AF65-F5344CB8AC3E}">
-        <p14:creationId xmlns:p14="http://schemas.microsoft.com/office/powerpoint/2010/main" val="3432490707"/>
+        <p14:creationId xmlns:p14="http://schemas.microsoft.com/office/powerpoint/2010/main" val="2452458112"/>
       </p:ext>
     </p:extLst>
   </p:cSld>
@@ -7551,91 +8740,16 @@
         <p:spPr/>
         <p:txBody>
           <a:bodyPr>
-            <a:normAutofit lnSpcReduction="10000"/>
+            <a:normAutofit/>
           </a:bodyPr>
           <a:lstStyle/>
           <a:p>
-            <a:r>
-              <a:rPr lang="en-US" dirty="0"/>
-              <a:t>C Code Generation from XSTS Models</a:t>
-            </a:r>
-          </a:p>
-          <a:p>
-            <a:pPr lvl="1"/>
-            <a:r>
-              <a:rPr lang="en-US" dirty="0"/>
-              <a:t>Portability, accuracy, consistency, etc.</a:t>
-            </a:r>
-          </a:p>
-          <a:p>
-            <a:pPr lvl="1"/>
-            <a:r>
-              <a:rPr lang="en-US" dirty="0"/>
-              <a:t>Ensure platform independent code.</a:t>
-            </a:r>
-          </a:p>
-          <a:p>
-            <a:r>
-              <a:rPr lang="en-US" dirty="0"/>
-              <a:t>Case Study: </a:t>
-            </a:r>
-            <a:r>
-              <a:rPr lang="en-US" dirty="0">
-                <a:solidFill>
-                  <a:schemeClr val="accent1"/>
-                </a:solidFill>
-              </a:rPr>
-              <a:t>The Crossroad Example</a:t>
-            </a:r>
-          </a:p>
-          <a:p>
-            <a:pPr lvl="1"/>
-            <a:endParaRPr lang="en-US" dirty="0">
-              <a:solidFill>
-                <a:schemeClr val="accent1"/>
-              </a:solidFill>
-            </a:endParaRPr>
-          </a:p>
-          <a:p>
-            <a:pPr lvl="1"/>
-            <a:endParaRPr lang="en-US" dirty="0">
-              <a:solidFill>
-                <a:schemeClr val="accent1"/>
-              </a:solidFill>
-            </a:endParaRPr>
-          </a:p>
-          <a:p>
-            <a:endParaRPr lang="en-US" dirty="0"/>
-          </a:p>
-          <a:p>
-            <a:pPr marL="0" indent="0">
-              <a:buNone/>
+            <a:pPr>
+              <a:spcAft>
+                <a:spcPts val="1500"/>
+              </a:spcAft>
             </a:pPr>
             <a:endParaRPr lang="en-US" dirty="0"/>
-          </a:p>
-          <a:p>
-            <a:r>
-              <a:rPr lang="en-US" dirty="0">
-                <a:solidFill>
-                  <a:schemeClr val="accent1"/>
-                </a:solidFill>
-              </a:rPr>
-              <a:t>Future work</a:t>
-            </a:r>
-          </a:p>
-          <a:p>
-            <a:pPr lvl="1"/>
-            <a:r>
-              <a:rPr lang="en-US" dirty="0"/>
-              <a:t>Support more platforms.</a:t>
-            </a:r>
-          </a:p>
-          <a:p>
-            <a:pPr lvl="1"/>
-            <a:r>
-              <a:rPr lang="en-US" dirty="0"/>
-              <a:t>Formal verification of the generated code using model-checkers.</a:t>
-            </a:r>
           </a:p>
         </p:txBody>
       </p:sp>
@@ -7656,12 +8770,14 @@
           </a:xfrm>
         </p:spPr>
         <p:txBody>
-          <a:bodyPr/>
+          <a:bodyPr>
+            <a:normAutofit/>
+          </a:bodyPr>
           <a:lstStyle/>
           <a:p>
             <a:r>
               <a:rPr lang="en-US" dirty="0"/>
-              <a:t>Summary</a:t>
+              <a:t>Results</a:t>
             </a:r>
           </a:p>
         </p:txBody>
@@ -7699,7 +8815,7 @@
               <a:defRPr/>
             </a:pPr>
             <a:r>
-              <a:rPr kumimoji="0" lang="en-US" sz="1200" b="0" i="0" u="none" strike="noStrike" kern="1200" cap="none" spc="0" normalizeH="0" baseline="0" noProof="0">
+              <a:rPr kumimoji="0" lang="en-GB" sz="1200" b="0" i="0" u="none" strike="noStrike" kern="1200" cap="none" spc="0" normalizeH="0" baseline="0" noProof="0" dirty="0">
                 <a:ln>
                   <a:noFill/>
                 </a:ln>
@@ -7713,8 +8829,107 @@
                 <a:ea typeface="+mn-ea"/>
                 <a:cs typeface="+mn-cs"/>
               </a:rPr>
-              <a:t>Software and Systems Verification (VIMIMA01)</a:t>
-            </a:r>
+              <a:t>BSc Project Laboratory 1. (VIMIAL01)</a:t>
+            </a:r>
+          </a:p>
+        </p:txBody>
+      </p:sp>
+    </p:spTree>
+    <p:extLst>
+      <p:ext uri="{BB962C8B-B14F-4D97-AF65-F5344CB8AC3E}">
+        <p14:creationId xmlns:p14="http://schemas.microsoft.com/office/powerpoint/2010/main" val="3432490707"/>
+      </p:ext>
+    </p:extLst>
+  </p:cSld>
+  <p:clrMapOvr>
+    <a:masterClrMapping/>
+  </p:clrMapOvr>
+</p:sld>
+</file>
+
+<file path=ppt/slides/slide13.xml><?xml version="1.0" encoding="utf-8"?>
+<p:sld xmlns:a="http://schemas.openxmlformats.org/drawingml/2006/main" xmlns:r="http://schemas.openxmlformats.org/officeDocument/2006/relationships" xmlns:p="http://schemas.openxmlformats.org/presentationml/2006/main">
+  <p:cSld>
+    <p:spTree>
+      <p:nvGrpSpPr>
+        <p:cNvPr id="1" name=""/>
+        <p:cNvGrpSpPr/>
+        <p:nvPr/>
+      </p:nvGrpSpPr>
+      <p:grpSpPr>
+        <a:xfrm>
+          <a:off x="0" y="0"/>
+          <a:ext cx="0" cy="0"/>
+          <a:chOff x="0" y="0"/>
+          <a:chExt cx="0" cy="0"/>
+        </a:xfrm>
+      </p:grpSpPr>
+      <p:sp>
+        <p:nvSpPr>
+          <p:cNvPr id="2" name="Slide Number Placeholder 1"/>
+          <p:cNvSpPr>
+            <a:spLocks noGrp="1"/>
+          </p:cNvSpPr>
+          <p:nvPr>
+            <p:ph type="sldNum" sz="quarter" idx="11"/>
+          </p:nvPr>
+        </p:nvSpPr>
+        <p:spPr/>
+        <p:txBody>
+          <a:bodyPr/>
+          <a:lstStyle/>
+          <a:p>
+            <a:pPr marL="0" marR="0" lvl="0" indent="0" algn="ctr" defTabSz="914400" rtl="0" eaLnBrk="1" fontAlgn="auto" latinLnBrk="0" hangingPunct="1">
+              <a:lnSpc>
+                <a:spcPct val="100000"/>
+              </a:lnSpc>
+              <a:spcBef>
+                <a:spcPts val="0"/>
+              </a:spcBef>
+              <a:spcAft>
+                <a:spcPts val="0"/>
+              </a:spcAft>
+              <a:buClrTx/>
+              <a:buSzTx/>
+              <a:buFontTx/>
+              <a:buNone/>
+              <a:tabLst/>
+              <a:defRPr/>
+            </a:pPr>
+            <a:fld id="{9BA28B9B-0C36-4B0C-9E4A-C3A158CBB1F1}" type="slidenum">
+              <a:rPr kumimoji="0" lang="en-US" sz="1200" b="0" i="0" u="none" strike="noStrike" kern="1200" cap="none" spc="0" normalizeH="0" baseline="0" noProof="0" smtClean="0">
+                <a:ln>
+                  <a:noFill/>
+                </a:ln>
+                <a:solidFill>
+                  <a:srgbClr val="2F2D2E"/>
+                </a:solidFill>
+                <a:effectLst/>
+                <a:uLnTx/>
+                <a:uFillTx/>
+                <a:latin typeface="Open Sans"/>
+                <a:ea typeface="+mn-ea"/>
+                <a:cs typeface="+mn-cs"/>
+              </a:rPr>
+              <a:pPr marL="0" marR="0" lvl="0" indent="0" algn="ctr" defTabSz="914400" rtl="0" eaLnBrk="1" fontAlgn="auto" latinLnBrk="0" hangingPunct="1">
+                <a:lnSpc>
+                  <a:spcPct val="100000"/>
+                </a:lnSpc>
+                <a:spcBef>
+                  <a:spcPts val="0"/>
+                </a:spcBef>
+                <a:spcAft>
+                  <a:spcPts val="0"/>
+                </a:spcAft>
+                <a:buClrTx/>
+                <a:buSzTx/>
+                <a:buFontTx/>
+                <a:buNone/>
+                <a:tabLst/>
+                <a:defRPr/>
+              </a:pPr>
+              <a:t>13</a:t>
+            </a:fld>
             <a:endParaRPr kumimoji="0" lang="en-US" sz="1200" b="0" i="0" u="none" strike="noStrike" kern="1200" cap="none" spc="0" normalizeH="0" baseline="0" noProof="0" dirty="0">
               <a:ln>
                 <a:noFill/>
@@ -7734,13 +8949,211 @@
       </p:sp>
       <p:sp>
         <p:nvSpPr>
+          <p:cNvPr id="3" name="Content Placeholder 2"/>
+          <p:cNvSpPr>
+            <a:spLocks noGrp="1"/>
+          </p:cNvSpPr>
+          <p:nvPr>
+            <p:ph sz="quarter" idx="12"/>
+          </p:nvPr>
+        </p:nvSpPr>
+        <p:spPr/>
+        <p:txBody>
+          <a:bodyPr>
+            <a:normAutofit/>
+          </a:bodyPr>
+          <a:lstStyle/>
+          <a:p>
+            <a:r>
+              <a:rPr lang="en-US" dirty="0"/>
+              <a:t>C Code Generation from XSTS Models</a:t>
+            </a:r>
+          </a:p>
+          <a:p>
+            <a:pPr lvl="1"/>
+            <a:r>
+              <a:rPr lang="en-US" dirty="0"/>
+              <a:t>Portability, accuracy, consistency, etc</a:t>
+            </a:r>
+            <a:r>
+              <a:rPr lang="hu-HU" dirty="0"/>
+              <a:t>..</a:t>
+            </a:r>
+            <a:endParaRPr lang="en-US" dirty="0"/>
+          </a:p>
+          <a:p>
+            <a:pPr lvl="1"/>
+            <a:r>
+              <a:rPr lang="en-US" dirty="0"/>
+              <a:t>Ensure platform independent code</a:t>
+            </a:r>
+          </a:p>
+          <a:p>
+            <a:r>
+              <a:rPr lang="en-US" dirty="0"/>
+              <a:t>Case Study: </a:t>
+            </a:r>
+            <a:r>
+              <a:rPr lang="en-US" dirty="0">
+                <a:solidFill>
+                  <a:schemeClr val="accent1"/>
+                </a:solidFill>
+              </a:rPr>
+              <a:t>The Crossroad Example</a:t>
+            </a:r>
+          </a:p>
+          <a:p>
+            <a:pPr lvl="1"/>
+            <a:endParaRPr lang="en-US" dirty="0">
+              <a:solidFill>
+                <a:schemeClr val="accent1"/>
+              </a:solidFill>
+            </a:endParaRPr>
+          </a:p>
+          <a:p>
+            <a:pPr marL="0" indent="0">
+              <a:buNone/>
+            </a:pPr>
+            <a:endParaRPr lang="hu-HU" dirty="0">
+              <a:solidFill>
+                <a:schemeClr val="accent1"/>
+              </a:solidFill>
+            </a:endParaRPr>
+          </a:p>
+          <a:p>
+            <a:pPr marL="0" indent="0">
+              <a:buNone/>
+            </a:pPr>
+            <a:endParaRPr lang="en-US" dirty="0"/>
+          </a:p>
+          <a:p>
+            <a:r>
+              <a:rPr lang="en-US" dirty="0">
+                <a:solidFill>
+                  <a:schemeClr val="accent1"/>
+                </a:solidFill>
+              </a:rPr>
+              <a:t>Future work</a:t>
+            </a:r>
+          </a:p>
+          <a:p>
+            <a:pPr lvl="1"/>
+            <a:r>
+              <a:rPr lang="en-US" dirty="0"/>
+              <a:t>Support more platforms</a:t>
+            </a:r>
+          </a:p>
+          <a:p>
+            <a:pPr lvl="1"/>
+            <a:r>
+              <a:rPr lang="en-US" dirty="0"/>
+              <a:t>Formal verification of the generated code using model-checkers</a:t>
+            </a:r>
+          </a:p>
+        </p:txBody>
+      </p:sp>
+      <p:sp>
+        <p:nvSpPr>
+          <p:cNvPr id="4" name="Title 3"/>
+          <p:cNvSpPr>
+            <a:spLocks noGrp="1"/>
+          </p:cNvSpPr>
+          <p:nvPr>
+            <p:ph type="title"/>
+          </p:nvPr>
+        </p:nvSpPr>
+        <p:spPr>
+          <a:xfrm>
+            <a:off x="574978" y="313299"/>
+            <a:ext cx="11021962" cy="722187"/>
+          </a:xfrm>
+        </p:spPr>
+        <p:txBody>
+          <a:bodyPr/>
+          <a:lstStyle/>
+          <a:p>
+            <a:r>
+              <a:rPr lang="en-US" dirty="0"/>
+              <a:t>Summary</a:t>
+            </a:r>
+          </a:p>
+        </p:txBody>
+      </p:sp>
+      <p:sp>
+        <p:nvSpPr>
+          <p:cNvPr id="5" name="Footer Placeholder 4"/>
+          <p:cNvSpPr>
+            <a:spLocks noGrp="1"/>
+          </p:cNvSpPr>
+          <p:nvPr>
+            <p:ph type="ftr" sz="quarter" idx="10"/>
+          </p:nvPr>
+        </p:nvSpPr>
+        <p:spPr/>
+        <p:txBody>
+          <a:bodyPr/>
+          <a:lstStyle/>
+          <a:p>
+            <a:pPr marL="0" marR="0" lvl="0" indent="0" algn="l" defTabSz="914400" rtl="0" eaLnBrk="1" fontAlgn="auto" latinLnBrk="0" hangingPunct="1">
+              <a:lnSpc>
+                <a:spcPct val="100000"/>
+              </a:lnSpc>
+              <a:spcBef>
+                <a:spcPts val="0"/>
+              </a:spcBef>
+              <a:spcAft>
+                <a:spcPts val="0"/>
+              </a:spcAft>
+              <a:buClrTx/>
+              <a:buSzTx/>
+              <a:buFontTx/>
+              <a:buNone/>
+              <a:tabLst/>
+              <a:defRPr/>
+            </a:pPr>
+            <a:r>
+              <a:rPr kumimoji="0" lang="en-US" sz="1200" b="0" i="0" u="none" strike="noStrike" kern="1200" cap="none" spc="0" normalizeH="0" baseline="0" noProof="0">
+                <a:ln>
+                  <a:noFill/>
+                </a:ln>
+                <a:solidFill>
+                  <a:srgbClr val="2F2D2E"/>
+                </a:solidFill>
+                <a:effectLst/>
+                <a:uLnTx/>
+                <a:uFillTx/>
+                <a:latin typeface="Open Sans"/>
+                <a:ea typeface="+mn-ea"/>
+                <a:cs typeface="+mn-cs"/>
+              </a:rPr>
+              <a:t>Software and Systems Verification (VIMIMA01)</a:t>
+            </a:r>
+            <a:endParaRPr kumimoji="0" lang="en-US" sz="1200" b="0" i="0" u="none" strike="noStrike" kern="1200" cap="none" spc="0" normalizeH="0" baseline="0" noProof="0" dirty="0">
+              <a:ln>
+                <a:noFill/>
+              </a:ln>
+              <a:solidFill>
+                <a:srgbClr val="2F2D2E"/>
+              </a:solidFill>
+              <a:effectLst/>
+              <a:uLnTx/>
+              <a:uFillTx/>
+              <a:latin typeface="Open Sans"/>
+              <a:ea typeface="+mn-ea"/>
+              <a:cs typeface="+mn-cs"/>
+            </a:endParaRPr>
+          </a:p>
+        </p:txBody>
+      </p:sp>
+      <p:sp>
+        <p:nvSpPr>
           <p:cNvPr id="27" name="Freeform 26"/>
           <p:cNvSpPr/>
           <p:nvPr/>
         </p:nvSpPr>
         <p:spPr>
           <a:xfrm>
-            <a:off x="1808613" y="3039490"/>
+            <a:off x="1808611" y="3234653"/>
             <a:ext cx="10383389" cy="876910"/>
           </a:xfrm>
           <a:custGeom>
@@ -7924,7 +9337,7 @@
                 <a:ea typeface="+mn-ea"/>
                 <a:cs typeface="+mn-cs"/>
               </a:rPr>
-              <a:t> code from gamma compositions</a:t>
+              <a:t> code from gamma statecharts and composite models</a:t>
             </a:r>
             <a:endParaRPr kumimoji="0" lang="en-US" sz="2400" b="0" i="0" u="none" strike="noStrike" kern="1200" cap="none" spc="0" normalizeH="0" baseline="0" dirty="0">
               <a:ln>
@@ -7951,13 +9364,13 @@
         </p:nvSpPr>
         <p:spPr>
           <a:xfrm>
-            <a:off x="221943" y="4082908"/>
+            <a:off x="3932810" y="4498529"/>
             <a:ext cx="6853560" cy="507956"/>
           </a:xfrm>
           <a:prstGeom prst="wedgeRectCallout">
             <a:avLst>
-              <a:gd name="adj1" fmla="val 10415"/>
-              <a:gd name="adj2" fmla="val -118938"/>
+              <a:gd name="adj1" fmla="val -42046"/>
+              <a:gd name="adj2" fmla="val -204577"/>
             </a:avLst>
           </a:prstGeom>
           <a:solidFill>
@@ -8089,13 +9502,13 @@
         </p:nvSpPr>
         <p:spPr>
           <a:xfrm>
-            <a:off x="7206624" y="4082907"/>
+            <a:off x="7504155" y="1201994"/>
             <a:ext cx="4390316" cy="1101651"/>
           </a:xfrm>
           <a:prstGeom prst="wedgeRectCallout">
             <a:avLst>
-              <a:gd name="adj1" fmla="val -60865"/>
-              <a:gd name="adj2" fmla="val -86286"/>
+              <a:gd name="adj1" fmla="val -64505"/>
+              <a:gd name="adj2" fmla="val 124848"/>
             </a:avLst>
           </a:prstGeom>
           <a:solidFill>
@@ -8198,7 +9611,7 @@
         </p:nvSpPr>
         <p:spPr>
           <a:xfrm>
-            <a:off x="1" y="3040048"/>
+            <a:off x="-20085" y="3235211"/>
             <a:ext cx="2036541" cy="876352"/>
           </a:xfrm>
           <a:custGeom>
@@ -8811,12 +10224,162 @@
           </a:bodyPr>
           <a:lstStyle/>
           <a:p>
-            <a:pPr>
+            <a:r>
+              <a:rPr lang="en-US" dirty="0">
+                <a:solidFill>
+                  <a:schemeClr val="accent1"/>
+                </a:solidFill>
+              </a:rPr>
+              <a:t>Eclipse </a:t>
+            </a:r>
+            <a:r>
+              <a:rPr lang="en-US" dirty="0"/>
+              <a:t>extension</a:t>
+            </a:r>
+          </a:p>
+          <a:p>
+            <a:r>
+              <a:rPr lang="en-US" dirty="0">
+                <a:solidFill>
+                  <a:schemeClr val="accent1"/>
+                </a:solidFill>
+              </a:rPr>
+              <a:t>Composite </a:t>
+            </a:r>
+            <a:r>
+              <a:rPr lang="en-US" dirty="0"/>
+              <a:t>Statecharts</a:t>
+            </a:r>
+          </a:p>
+          <a:p>
+            <a:pPr lvl="1">
               <a:spcAft>
-                <a:spcPts val="1500"/>
+                <a:spcPts val="600"/>
               </a:spcAft>
             </a:pPr>
-            <a:endParaRPr lang="en-US" dirty="0"/>
+            <a:r>
+              <a:rPr lang="en-US" dirty="0"/>
+              <a:t>From statecharts &amp; interfaces designed in </a:t>
+            </a:r>
+            <a:r>
+              <a:rPr lang="en-US" dirty="0">
+                <a:solidFill>
+                  <a:schemeClr val="accent1"/>
+                </a:solidFill>
+              </a:rPr>
+              <a:t>Yakindu</a:t>
+            </a:r>
+          </a:p>
+          <a:p>
+            <a:r>
+              <a:rPr lang="en-US" dirty="0">
+                <a:solidFill>
+                  <a:schemeClr val="accent1"/>
+                </a:solidFill>
+              </a:rPr>
+              <a:t>Formal Verification </a:t>
+            </a:r>
+            <a:r>
+              <a:rPr lang="en-US" dirty="0"/>
+              <a:t>of composite systems</a:t>
+            </a:r>
+          </a:p>
+          <a:p>
+            <a:pPr lvl="1">
+              <a:spcAft>
+                <a:spcPts val="600"/>
+              </a:spcAft>
+            </a:pPr>
+            <a:r>
+              <a:rPr lang="en-US" dirty="0"/>
+              <a:t>Through a model-checker, </a:t>
+            </a:r>
+            <a:r>
+              <a:rPr lang="en-US" dirty="0">
+                <a:solidFill>
+                  <a:schemeClr val="accent1"/>
+                </a:solidFill>
+              </a:rPr>
+              <a:t>UPPAAL</a:t>
+            </a:r>
+            <a:r>
+              <a:rPr lang="en-US" dirty="0"/>
+              <a:t>, </a:t>
+            </a:r>
+            <a:r>
+              <a:rPr lang="en-US" dirty="0">
+                <a:solidFill>
+                  <a:schemeClr val="accent1"/>
+                </a:solidFill>
+              </a:rPr>
+              <a:t>Theta</a:t>
+            </a:r>
+            <a:r>
+              <a:rPr lang="en-US" dirty="0"/>
+              <a:t>, </a:t>
+            </a:r>
+            <a:r>
+              <a:rPr lang="en-US" dirty="0">
+                <a:solidFill>
+                  <a:schemeClr val="accent1"/>
+                </a:solidFill>
+              </a:rPr>
+              <a:t>Spin</a:t>
+            </a:r>
+          </a:p>
+          <a:p>
+            <a:r>
+              <a:rPr lang="en-US" dirty="0">
+                <a:solidFill>
+                  <a:schemeClr val="accent1"/>
+                </a:solidFill>
+              </a:rPr>
+              <a:t>Code Generation </a:t>
+            </a:r>
+            <a:r>
+              <a:rPr lang="en-US" dirty="0"/>
+              <a:t>for various platforms</a:t>
+            </a:r>
+          </a:p>
+          <a:p>
+            <a:pPr lvl="1">
+              <a:spcAft>
+                <a:spcPts val="600"/>
+              </a:spcAft>
+            </a:pPr>
+            <a:r>
+              <a:rPr lang="en-US" dirty="0"/>
+              <a:t>Gamma contains a code generator for </a:t>
+            </a:r>
+            <a:r>
+              <a:rPr lang="en-US" dirty="0">
+                <a:solidFill>
+                  <a:schemeClr val="accent1"/>
+                </a:solidFill>
+              </a:rPr>
+              <a:t>java</a:t>
+            </a:r>
+          </a:p>
+          <a:p>
+            <a:r>
+              <a:rPr lang="en-US" dirty="0">
+                <a:solidFill>
+                  <a:schemeClr val="accent1"/>
+                </a:solidFill>
+              </a:rPr>
+              <a:t>Verification</a:t>
+            </a:r>
+            <a:r>
+              <a:rPr lang="en-US" dirty="0"/>
+              <a:t> of the generated code</a:t>
+            </a:r>
+          </a:p>
+          <a:p>
+            <a:pPr lvl="1"/>
+            <a:r>
+              <a:rPr lang="en-US" dirty="0"/>
+              <a:t>Unit tests based on a model-checker should cover the state space</a:t>
+            </a:r>
           </a:p>
         </p:txBody>
       </p:sp>
@@ -9190,6 +10753,42 @@
           </a:p>
         </p:txBody>
       </p:sp>
+      <p:pic>
+        <p:nvPicPr>
+          <p:cNvPr id="7" name="Kép 6" descr="A képen szöveg, képernyőkép, diagram, Betűtípus látható&#10;&#10;Automatikusan generált leírás">
+            <a:extLst>
+              <a:ext uri="{FF2B5EF4-FFF2-40B4-BE49-F238E27FC236}">
+                <a16:creationId xmlns:a16="http://schemas.microsoft.com/office/drawing/2014/main" id="{C354C432-7702-8245-5703-A7EB490CC495}"/>
+              </a:ext>
+            </a:extLst>
+          </p:cNvPr>
+          <p:cNvPicPr>
+            <a:picLocks noChangeAspect="1"/>
+          </p:cNvPicPr>
+          <p:nvPr/>
+        </p:nvPicPr>
+        <p:blipFill>
+          <a:blip r:embed="rId2">
+            <a:extLst>
+              <a:ext uri="{28A0092B-C50C-407E-A947-70E740481C1C}">
+                <a14:useLocalDpi xmlns:a14="http://schemas.microsoft.com/office/drawing/2010/main" val="0"/>
+              </a:ext>
+            </a:extLst>
+          </a:blip>
+          <a:stretch>
+            <a:fillRect/>
+          </a:stretch>
+        </p:blipFill>
+        <p:spPr>
+          <a:xfrm>
+            <a:off x="8025073" y="2592279"/>
+            <a:ext cx="4077269" cy="2849732"/>
+          </a:xfrm>
+          <a:prstGeom prst="rect">
+            <a:avLst/>
+          </a:prstGeom>
+        </p:spPr>
+      </p:pic>
     </p:spTree>
     <p:extLst>
       <p:ext uri="{BB962C8B-B14F-4D97-AF65-F5344CB8AC3E}">
@@ -9931,42 +11530,135 @@
           </a:bodyPr>
           <a:lstStyle/>
           <a:p>
-            <a:pPr>
+            <a:r>
+              <a:rPr lang="en-US" dirty="0">
+                <a:solidFill>
+                  <a:schemeClr val="accent1"/>
+                </a:solidFill>
+              </a:rPr>
+              <a:t>XSTS</a:t>
+            </a:r>
+            <a:r>
+              <a:rPr lang="en-US" dirty="0"/>
+              <a:t> language</a:t>
+            </a:r>
+          </a:p>
+          <a:p>
+            <a:pPr lvl="1">
+              <a:spcAft>
+                <a:spcPts val="600"/>
+              </a:spcAft>
+            </a:pPr>
+            <a:r>
+              <a:rPr lang="en-US" dirty="0"/>
+              <a:t>Intermediate representation of our model</a:t>
+            </a:r>
+          </a:p>
+          <a:p>
+            <a:r>
+              <a:rPr lang="en-US" dirty="0">
+                <a:solidFill>
+                  <a:schemeClr val="accent1"/>
+                </a:solidFill>
+              </a:rPr>
+              <a:t>Eclipse</a:t>
+            </a:r>
+          </a:p>
+          <a:p>
+            <a:pPr lvl="1">
+              <a:spcAft>
+                <a:spcPts val="600"/>
+              </a:spcAft>
+            </a:pPr>
+            <a:r>
+              <a:rPr lang="en-US" dirty="0"/>
+              <a:t>Gamma is an eclipse plugin</a:t>
+            </a:r>
+          </a:p>
+          <a:p>
+            <a:pPr lvl="1">
+              <a:spcAft>
+                <a:spcPts val="600"/>
+              </a:spcAft>
+            </a:pPr>
+            <a:r>
+              <a:rPr lang="en-US" dirty="0"/>
+              <a:t>The XSTS language is implemented using EMF, serialized to XML</a:t>
+            </a:r>
+          </a:p>
+          <a:p>
+            <a:pPr lvl="1">
+              <a:spcAft>
+                <a:spcPts val="600"/>
+              </a:spcAft>
+            </a:pPr>
+            <a:r>
+              <a:rPr lang="en-US" dirty="0"/>
+              <a:t>Dependencies integrated into Eclipse: </a:t>
+            </a:r>
+            <a:r>
+              <a:rPr lang="en-US" dirty="0">
+                <a:solidFill>
+                  <a:schemeClr val="accent1"/>
+                </a:solidFill>
+              </a:rPr>
+              <a:t>Yakindu</a:t>
+            </a:r>
+            <a:r>
+              <a:rPr lang="en-US" dirty="0"/>
+              <a:t>, </a:t>
+            </a:r>
+            <a:r>
+              <a:rPr lang="en-US" dirty="0">
+                <a:solidFill>
+                  <a:schemeClr val="accent1"/>
+                </a:solidFill>
+              </a:rPr>
+              <a:t>PlantUML</a:t>
+            </a:r>
+            <a:r>
+              <a:rPr lang="en-US" dirty="0"/>
+              <a:t>, etc.. </a:t>
+            </a:r>
+          </a:p>
+          <a:p>
+            <a:r>
+              <a:rPr lang="en-US" dirty="0">
+                <a:solidFill>
+                  <a:schemeClr val="accent1"/>
+                </a:solidFill>
+              </a:rPr>
+              <a:t>Xtend</a:t>
+            </a:r>
+          </a:p>
+          <a:p>
+            <a:pPr lvl="1">
+              <a:spcAft>
+                <a:spcPts val="600"/>
+              </a:spcAft>
+            </a:pPr>
+            <a:r>
+              <a:rPr lang="en-US" dirty="0"/>
+              <a:t>Java dialect, java code is being generated in the background</a:t>
+            </a:r>
+          </a:p>
+          <a:p>
+            <a:pPr lvl="1">
+              <a:spcAft>
+                <a:spcPts val="600"/>
+              </a:spcAft>
+            </a:pPr>
+            <a:r>
+              <a:rPr lang="en-US" dirty="0"/>
+              <a:t>Commonly used in code generators, serializers instead of instanceof</a:t>
+            </a:r>
+          </a:p>
+          <a:p>
+            <a:pPr lvl="1">
               <a:spcAft>
                 <a:spcPts val="1500"/>
               </a:spcAft>
             </a:pPr>
-            <a:r>
-              <a:rPr lang="hu-HU" dirty="0"/>
-              <a:t>The XSTS </a:t>
-            </a:r>
-            <a:r>
-              <a:rPr lang="hu-HU" dirty="0" err="1"/>
-              <a:t>language</a:t>
-            </a:r>
-            <a:endParaRPr lang="hu-HU" dirty="0"/>
-          </a:p>
-          <a:p>
-            <a:pPr>
-              <a:spcAft>
-                <a:spcPts val="1500"/>
-              </a:spcAft>
-            </a:pPr>
-            <a:r>
-              <a:rPr lang="hu-HU" dirty="0"/>
-              <a:t>Eclipse EMF</a:t>
-            </a:r>
-          </a:p>
-          <a:p>
-            <a:pPr>
-              <a:spcAft>
-                <a:spcPts val="1500"/>
-              </a:spcAft>
-            </a:pPr>
-            <a:r>
-              <a:rPr lang="hu-HU" dirty="0" err="1"/>
-              <a:t>Xtend</a:t>
-            </a:r>
             <a:endParaRPr lang="en-US" dirty="0"/>
           </a:p>
         </p:txBody>
@@ -10329,6 +12021,42 @@
           </a:p>
         </p:txBody>
       </p:sp>
+      <p:pic>
+        <p:nvPicPr>
+          <p:cNvPr id="7" name="Kép 6" descr="A képen szöveg, képernyőkép, diagram, Téglalap látható&#10;&#10;Automatikusan generált leírás">
+            <a:extLst>
+              <a:ext uri="{FF2B5EF4-FFF2-40B4-BE49-F238E27FC236}">
+                <a16:creationId xmlns:a16="http://schemas.microsoft.com/office/drawing/2014/main" id="{3832E829-430A-EBE4-CFD5-788BA7506841}"/>
+              </a:ext>
+            </a:extLst>
+          </p:cNvPr>
+          <p:cNvPicPr>
+            <a:picLocks noChangeAspect="1"/>
+          </p:cNvPicPr>
+          <p:nvPr/>
+        </p:nvPicPr>
+        <p:blipFill>
+          <a:blip r:embed="rId2">
+            <a:extLst>
+              <a:ext uri="{28A0092B-C50C-407E-A947-70E740481C1C}">
+                <a14:useLocalDpi xmlns:a14="http://schemas.microsoft.com/office/drawing/2010/main" val="0"/>
+              </a:ext>
+            </a:extLst>
+          </a:blip>
+          <a:stretch>
+            <a:fillRect/>
+          </a:stretch>
+        </p:blipFill>
+        <p:spPr>
+          <a:xfrm>
+            <a:off x="7830757" y="1077491"/>
+            <a:ext cx="3419952" cy="2124371"/>
+          </a:xfrm>
+          <a:prstGeom prst="rect">
+            <a:avLst/>
+          </a:prstGeom>
+        </p:spPr>
+      </p:pic>
     </p:spTree>
     <p:extLst>
       <p:ext uri="{BB962C8B-B14F-4D97-AF65-F5344CB8AC3E}">
@@ -10444,6 +12172,124 @@
       </p:sp>
       <p:sp>
         <p:nvSpPr>
+          <p:cNvPr id="3" name="Content Placeholder 2"/>
+          <p:cNvSpPr>
+            <a:spLocks noGrp="1"/>
+          </p:cNvSpPr>
+          <p:nvPr>
+            <p:ph sz="quarter" idx="12"/>
+          </p:nvPr>
+        </p:nvSpPr>
+        <p:spPr/>
+        <p:txBody>
+          <a:bodyPr>
+            <a:normAutofit/>
+          </a:bodyPr>
+          <a:lstStyle/>
+          <a:p>
+            <a:r>
+              <a:rPr lang="en-US" dirty="0">
+                <a:solidFill>
+                  <a:schemeClr val="accent1"/>
+                </a:solidFill>
+              </a:rPr>
+              <a:t>Declarations</a:t>
+            </a:r>
+          </a:p>
+          <a:p>
+            <a:pPr lvl="1">
+              <a:spcAft>
+                <a:spcPts val="600"/>
+              </a:spcAft>
+            </a:pPr>
+            <a:r>
+              <a:rPr lang="en-US" dirty="0"/>
+              <a:t>Type, Variable declarations</a:t>
+            </a:r>
+          </a:p>
+          <a:p>
+            <a:pPr lvl="1">
+              <a:spcAft>
+                <a:spcPts val="600"/>
+              </a:spcAft>
+            </a:pPr>
+            <a:r>
+              <a:rPr lang="en-US" dirty="0"/>
+              <a:t>Variable groups, annotations, e.g.: input groups, clock variables</a:t>
+            </a:r>
+          </a:p>
+          <a:p>
+            <a:r>
+              <a:rPr lang="en-US" dirty="0">
+                <a:solidFill>
+                  <a:schemeClr val="accent1"/>
+                </a:solidFill>
+              </a:rPr>
+              <a:t>Initializations</a:t>
+            </a:r>
+          </a:p>
+          <a:p>
+            <a:pPr lvl="1">
+              <a:spcAft>
+                <a:spcPts val="600"/>
+              </a:spcAft>
+            </a:pPr>
+            <a:r>
+              <a:rPr lang="en-US" dirty="0"/>
+              <a:t>Initial values, initialize the component</a:t>
+            </a:r>
+          </a:p>
+          <a:p>
+            <a:pPr lvl="1">
+              <a:spcAft>
+                <a:spcPts val="600"/>
+              </a:spcAft>
+            </a:pPr>
+            <a:r>
+              <a:rPr lang="en-US" dirty="0"/>
+              <a:t>Reset inputs, outputs between cycles</a:t>
+            </a:r>
+          </a:p>
+          <a:p>
+            <a:r>
+              <a:rPr lang="en-US" dirty="0">
+                <a:solidFill>
+                  <a:schemeClr val="accent1"/>
+                </a:solidFill>
+              </a:rPr>
+              <a:t>Transitions</a:t>
+            </a:r>
+            <a:r>
+              <a:rPr lang="en-US" dirty="0"/>
+              <a:t> - the internal mechanism of the model</a:t>
+            </a:r>
+          </a:p>
+          <a:p>
+            <a:r>
+              <a:rPr lang="en-US" dirty="0">
+                <a:solidFill>
+                  <a:schemeClr val="accent1"/>
+                </a:solidFill>
+              </a:rPr>
+              <a:t>Consists of..</a:t>
+            </a:r>
+          </a:p>
+          <a:p>
+            <a:pPr marL="457200" lvl="1" indent="0">
+              <a:spcAft>
+                <a:spcPts val="600"/>
+              </a:spcAft>
+              <a:buNone/>
+            </a:pPr>
+            <a:r>
+              <a:rPr lang="en-US" dirty="0"/>
+              <a:t>Actions, Expressions</a:t>
+            </a:r>
+          </a:p>
+        </p:txBody>
+      </p:sp>
+      <p:sp>
+        <p:nvSpPr>
           <p:cNvPr id="4" name="Title 3"/>
           <p:cNvSpPr>
             <a:spLocks noGrp="1"/>
@@ -10466,7 +12312,7 @@
           <a:p>
             <a:r>
               <a:rPr lang="en-US" dirty="0"/>
-              <a:t>Model Transformation</a:t>
+              <a:t>The XSTS Language</a:t>
             </a:r>
           </a:p>
         </p:txBody>
@@ -10758,8 +12604,8 @@
         </p:nvSpPr>
         <p:spPr>
           <a:xfrm>
-            <a:off x="10257585" y="456325"/>
-            <a:ext cx="2678708" cy="400110"/>
+            <a:off x="9911355" y="489725"/>
+            <a:ext cx="2678708" cy="369332"/>
           </a:xfrm>
           <a:prstGeom prst="rect">
             <a:avLst/>
@@ -10773,381 +12619,958 @@
           <a:lstStyle/>
           <a:p>
             <a:r>
-              <a:rPr lang="en-US" sz="2000" dirty="0">
+              <a:rPr lang="en-US" dirty="0">
                 <a:solidFill>
                   <a:schemeClr val="accent1"/>
                 </a:solidFill>
               </a:rPr>
-              <a:t>From where</a:t>
-            </a:r>
-            <a:r>
-              <a:rPr lang="en-US" sz="2000" dirty="0"/>
+              <a:t>What </a:t>
+            </a:r>
+            <a:r>
+              <a:rPr lang="en-US" dirty="0"/>
+              <a:t>technologies</a:t>
+            </a:r>
+            <a:r>
+              <a:rPr lang="hu-HU" dirty="0"/>
               <a:t>?</a:t>
             </a:r>
-          </a:p>
-        </p:txBody>
-      </p:sp>
-      <p:sp>
-        <p:nvSpPr>
-          <p:cNvPr id="12" name="Content Placeholder 2">
+            <a:r>
+              <a:rPr lang="en-US" dirty="0">
+                <a:solidFill>
+                  <a:schemeClr val="accent1"/>
+                </a:solidFill>
+              </a:rPr>
+              <a:t> </a:t>
+            </a:r>
+            <a:endParaRPr lang="en-US" dirty="0"/>
+          </a:p>
+        </p:txBody>
+      </p:sp>
+      <p:sp>
+        <p:nvSpPr>
+          <p:cNvPr id="6" name="Szövegdoboz 5">
             <a:extLst>
               <a:ext uri="{FF2B5EF4-FFF2-40B4-BE49-F238E27FC236}">
-                <a16:creationId xmlns:a16="http://schemas.microsoft.com/office/drawing/2014/main" id="{C6A49D0A-C941-AFE1-FB7E-C11B8D8FACD1}"/>
+                <a16:creationId xmlns:a16="http://schemas.microsoft.com/office/drawing/2014/main" id="{A34D57CF-5202-5A3C-ACD4-8732003BD50B}"/>
               </a:ext>
             </a:extLst>
           </p:cNvPr>
-          <p:cNvSpPr txBox="1">
-            <a:spLocks/>
-          </p:cNvSpPr>
+          <p:cNvSpPr txBox="1"/>
           <p:nvPr/>
         </p:nvSpPr>
         <p:spPr>
           <a:xfrm>
-            <a:off x="574979" y="1201994"/>
-            <a:ext cx="5793036" cy="5051321"/>
+            <a:off x="5485215" y="1497192"/>
+            <a:ext cx="6131807" cy="646331"/>
           </a:xfrm>
           <a:prstGeom prst="rect">
             <a:avLst/>
           </a:prstGeom>
+          <a:solidFill>
+            <a:schemeClr val="tx1">
+              <a:lumMod val="85000"/>
+              <a:lumOff val="15000"/>
+            </a:schemeClr>
+          </a:solidFill>
         </p:spPr>
         <p:txBody>
-          <a:bodyPr vert="horz" lIns="91440" tIns="45720" rIns="91440" bIns="45720" rtlCol="0">
-            <a:normAutofit lnSpcReduction="10000"/>
+          <a:bodyPr wrap="none" rtlCol="0">
+            <a:spAutoFit/>
           </a:bodyPr>
-          <a:lstStyle>
-            <a:lvl1pPr marL="228600" indent="-228600" algn="l" defTabSz="914400" rtl="0" eaLnBrk="1" latinLnBrk="0" hangingPunct="1">
+          <a:lstStyle/>
+          <a:p>
+            <a:r>
+              <a:rPr lang="en-GB" sz="1200" dirty="0">
+                <a:solidFill>
+                  <a:schemeClr val="accent4"/>
+                </a:solidFill>
+                <a:effectLst/>
+                <a:latin typeface="Consolas" panose="020B0609020204030204" pitchFamily="49" charset="0"/>
+              </a:rPr>
+              <a:t>type</a:t>
+            </a:r>
+            <a:r>
+              <a:rPr lang="en-GB" sz="1200" dirty="0">
+                <a:solidFill>
+                  <a:srgbClr val="000000"/>
+                </a:solidFill>
+                <a:effectLst/>
+                <a:latin typeface="Consolas" panose="020B0609020204030204" pitchFamily="49" charset="0"/>
+              </a:rPr>
+              <a:t> </a:t>
+            </a:r>
+            <a:r>
+              <a:rPr lang="en-GB" sz="1200" dirty="0">
+                <a:solidFill>
+                  <a:schemeClr val="bg1"/>
+                </a:solidFill>
+                <a:effectLst/>
+                <a:latin typeface="Consolas" panose="020B0609020204030204" pitchFamily="49" charset="0"/>
+              </a:rPr>
+              <a:t>Main_region_Controller : </a:t>
+            </a:r>
+            <a:r>
+              <a:rPr lang="en-GB" sz="1200" dirty="0">
+                <a:solidFill>
+                  <a:schemeClr val="accent4"/>
+                </a:solidFill>
+                <a:effectLst/>
+                <a:latin typeface="Consolas" panose="020B0609020204030204" pitchFamily="49" charset="0"/>
+              </a:rPr>
+              <a:t>{</a:t>
+            </a:r>
+            <a:r>
+              <a:rPr lang="en-GB" sz="1200" dirty="0">
+                <a:solidFill>
+                  <a:srgbClr val="000000"/>
+                </a:solidFill>
+                <a:effectLst/>
+                <a:latin typeface="Consolas" panose="020B0609020204030204" pitchFamily="49" charset="0"/>
+              </a:rPr>
+              <a:t> </a:t>
+            </a:r>
+            <a:r>
+              <a:rPr lang="en-GB" sz="1200" dirty="0">
+                <a:solidFill>
+                  <a:schemeClr val="bg1"/>
+                </a:solidFill>
+                <a:effectLst/>
+                <a:latin typeface="Consolas" panose="020B0609020204030204" pitchFamily="49" charset="0"/>
+              </a:rPr>
+              <a:t>__Inactive__, Operating, Interrupted </a:t>
+            </a:r>
+            <a:r>
+              <a:rPr lang="en-GB" sz="1200" dirty="0">
+                <a:solidFill>
+                  <a:schemeClr val="accent4"/>
+                </a:solidFill>
+                <a:effectLst/>
+                <a:latin typeface="Consolas" panose="020B0609020204030204" pitchFamily="49" charset="0"/>
+              </a:rPr>
+              <a:t>}</a:t>
+            </a:r>
+          </a:p>
+          <a:p>
+            <a:r>
+              <a:rPr lang="en-GB" sz="1200" dirty="0">
+                <a:solidFill>
+                  <a:schemeClr val="accent4"/>
+                </a:solidFill>
+                <a:effectLst/>
+                <a:latin typeface="Consolas" panose="020B0609020204030204" pitchFamily="49" charset="0"/>
+              </a:rPr>
+              <a:t>var</a:t>
+            </a:r>
+            <a:r>
+              <a:rPr lang="en-GB" sz="1200" dirty="0">
+                <a:solidFill>
+                  <a:srgbClr val="000000"/>
+                </a:solidFill>
+                <a:effectLst/>
+                <a:latin typeface="Consolas" panose="020B0609020204030204" pitchFamily="49" charset="0"/>
+              </a:rPr>
+              <a:t> </a:t>
+            </a:r>
+            <a:r>
+              <a:rPr lang="en-GB" sz="1200" dirty="0">
+                <a:solidFill>
+                  <a:schemeClr val="bg1"/>
+                </a:solidFill>
+                <a:effectLst/>
+                <a:latin typeface="Consolas" panose="020B0609020204030204" pitchFamily="49" charset="0"/>
+              </a:rPr>
+              <a:t>PoliceInterrupt_police_In_controller : </a:t>
+            </a:r>
+            <a:r>
+              <a:rPr lang="en-GB" sz="1200" dirty="0">
+                <a:solidFill>
+                  <a:schemeClr val="accent4"/>
+                </a:solidFill>
+                <a:effectLst/>
+                <a:latin typeface="Consolas" panose="020B0609020204030204" pitchFamily="49" charset="0"/>
+              </a:rPr>
+              <a:t>boolean</a:t>
+            </a:r>
+            <a:r>
+              <a:rPr lang="en-GB" sz="1200" dirty="0">
+                <a:solidFill>
+                  <a:srgbClr val="000000"/>
+                </a:solidFill>
+                <a:effectLst/>
+                <a:latin typeface="Consolas" panose="020B0609020204030204" pitchFamily="49" charset="0"/>
+              </a:rPr>
+              <a:t> </a:t>
+            </a:r>
+            <a:r>
+              <a:rPr lang="en-GB" sz="1200" dirty="0">
+                <a:solidFill>
+                  <a:schemeClr val="bg1"/>
+                </a:solidFill>
+                <a:effectLst/>
+                <a:latin typeface="Consolas" panose="020B0609020204030204" pitchFamily="49" charset="0"/>
+              </a:rPr>
+              <a:t>=</a:t>
+            </a:r>
+            <a:r>
+              <a:rPr lang="en-GB" sz="1200" dirty="0">
+                <a:solidFill>
+                  <a:srgbClr val="000000"/>
+                </a:solidFill>
+                <a:effectLst/>
+                <a:latin typeface="Consolas" panose="020B0609020204030204" pitchFamily="49" charset="0"/>
+              </a:rPr>
+              <a:t> </a:t>
+            </a:r>
+            <a:r>
+              <a:rPr lang="en-GB" sz="1200" dirty="0">
+                <a:solidFill>
+                  <a:schemeClr val="accent4"/>
+                </a:solidFill>
+                <a:effectLst/>
+                <a:latin typeface="Consolas" panose="020B0609020204030204" pitchFamily="49" charset="0"/>
+              </a:rPr>
+              <a:t>false</a:t>
+            </a:r>
+          </a:p>
+          <a:p>
+            <a:r>
+              <a:rPr lang="en-GB" sz="1200" dirty="0">
+                <a:solidFill>
+                  <a:schemeClr val="accent4"/>
+                </a:solidFill>
+                <a:effectLst/>
+                <a:latin typeface="Consolas" panose="020B0609020204030204" pitchFamily="49" charset="0"/>
+              </a:rPr>
+              <a:t>var</a:t>
+            </a:r>
+            <a:r>
+              <a:rPr lang="en-GB" sz="1200" dirty="0">
+                <a:solidFill>
+                  <a:srgbClr val="000000"/>
+                </a:solidFill>
+                <a:effectLst/>
+                <a:latin typeface="Consolas" panose="020B0609020204030204" pitchFamily="49" charset="0"/>
+              </a:rPr>
+              <a:t> </a:t>
+            </a:r>
+            <a:r>
+              <a:rPr lang="en-GB" sz="1200" dirty="0">
+                <a:solidFill>
+                  <a:schemeClr val="bg1"/>
+                </a:solidFill>
+                <a:effectLst/>
+                <a:latin typeface="Consolas" panose="020B0609020204030204" pitchFamily="49" charset="0"/>
+              </a:rPr>
+              <a:t>BlinkingYellowTimeout3_secondary : </a:t>
+            </a:r>
+            <a:r>
+              <a:rPr lang="en-GB" sz="1200" dirty="0">
+                <a:solidFill>
+                  <a:schemeClr val="accent4"/>
+                </a:solidFill>
+                <a:effectLst/>
+                <a:latin typeface="Consolas" panose="020B0609020204030204" pitchFamily="49" charset="0"/>
+              </a:rPr>
+              <a:t>integer</a:t>
+            </a:r>
+            <a:r>
+              <a:rPr lang="en-GB" sz="1200" dirty="0">
+                <a:solidFill>
+                  <a:srgbClr val="000000"/>
+                </a:solidFill>
+                <a:effectLst/>
+                <a:latin typeface="Consolas" panose="020B0609020204030204" pitchFamily="49" charset="0"/>
+              </a:rPr>
+              <a:t> </a:t>
+            </a:r>
+            <a:r>
+              <a:rPr lang="en-GB" sz="1200" dirty="0">
+                <a:solidFill>
+                  <a:schemeClr val="bg1"/>
+                </a:solidFill>
+                <a:effectLst/>
+                <a:latin typeface="Consolas" panose="020B0609020204030204" pitchFamily="49" charset="0"/>
+              </a:rPr>
+              <a:t>=</a:t>
+            </a:r>
+            <a:r>
+              <a:rPr lang="en-GB" sz="1200" dirty="0">
+                <a:solidFill>
+                  <a:srgbClr val="000000"/>
+                </a:solidFill>
+                <a:effectLst/>
+                <a:latin typeface="Consolas" panose="020B0609020204030204" pitchFamily="49" charset="0"/>
+              </a:rPr>
+              <a:t> </a:t>
+            </a:r>
+            <a:r>
+              <a:rPr lang="en-GB" sz="1200" dirty="0">
+                <a:solidFill>
+                  <a:schemeClr val="accent2">
+                    <a:lumMod val="60000"/>
+                    <a:lumOff val="40000"/>
+                  </a:schemeClr>
+                </a:solidFill>
+                <a:effectLst/>
+                <a:latin typeface="Consolas" panose="020B0609020204030204" pitchFamily="49" charset="0"/>
+              </a:rPr>
+              <a:t>0</a:t>
+            </a:r>
+          </a:p>
+        </p:txBody>
+      </p:sp>
+      <p:sp>
+        <p:nvSpPr>
+          <p:cNvPr id="7" name="Szövegdoboz 6">
+            <a:extLst>
+              <a:ext uri="{FF2B5EF4-FFF2-40B4-BE49-F238E27FC236}">
+                <a16:creationId xmlns:a16="http://schemas.microsoft.com/office/drawing/2014/main" id="{D2A15324-11C3-BE87-962A-43D523280402}"/>
+              </a:ext>
+            </a:extLst>
+          </p:cNvPr>
+          <p:cNvSpPr txBox="1"/>
+          <p:nvPr/>
+        </p:nvSpPr>
+        <p:spPr>
+          <a:xfrm>
+            <a:off x="6817261" y="2813423"/>
+            <a:ext cx="5232902" cy="1384995"/>
+          </a:xfrm>
+          <a:prstGeom prst="rect">
+            <a:avLst/>
+          </a:prstGeom>
+          <a:solidFill>
+            <a:schemeClr val="tx1">
+              <a:lumMod val="85000"/>
+              <a:lumOff val="15000"/>
+            </a:schemeClr>
+          </a:solidFill>
+        </p:spPr>
+        <p:txBody>
+          <a:bodyPr wrap="square" rtlCol="0">
+            <a:spAutoFit/>
+          </a:bodyPr>
+          <a:lstStyle/>
+          <a:p>
+            <a:pPr marL="0" marR="0">
+              <a:spcBef>
+                <a:spcPts val="0"/>
+              </a:spcBef>
+              <a:spcAft>
+                <a:spcPts val="0"/>
+              </a:spcAft>
+            </a:pPr>
+            <a:r>
+              <a:rPr lang="en-GB" sz="1200" dirty="0">
+                <a:solidFill>
+                  <a:schemeClr val="bg1"/>
+                </a:solidFill>
+                <a:effectLst/>
+                <a:latin typeface="Consolas" panose="020B0609020204030204" pitchFamily="49" charset="0"/>
+              </a:rPr>
+              <a:t>&lt;</a:t>
+            </a:r>
+            <a:r>
+              <a:rPr lang="en-GB" sz="1200" dirty="0">
+                <a:solidFill>
+                  <a:schemeClr val="accent4"/>
+                </a:solidFill>
+                <a:effectLst/>
+                <a:latin typeface="Consolas" panose="020B0609020204030204" pitchFamily="49" charset="0"/>
+              </a:rPr>
+              <a:t>typeDeclarations</a:t>
+            </a:r>
+            <a:r>
+              <a:rPr lang="en-GB" sz="1200" dirty="0">
+                <a:solidFill>
+                  <a:schemeClr val="bg1"/>
+                </a:solidFill>
+                <a:effectLst/>
+                <a:latin typeface="Consolas" panose="020B0609020204030204" pitchFamily="49" charset="0"/>
+              </a:rPr>
+              <a:t> name=</a:t>
+            </a:r>
+            <a:r>
+              <a:rPr lang="en-GB" sz="1200" dirty="0">
+                <a:solidFill>
+                  <a:srgbClr val="92D050"/>
+                </a:solidFill>
+                <a:effectLst/>
+                <a:latin typeface="Consolas" panose="020B0609020204030204" pitchFamily="49" charset="0"/>
+              </a:rPr>
+              <a:t>"Main_region_Controller"</a:t>
+            </a:r>
+            <a:r>
+              <a:rPr lang="en-GB" sz="1200" dirty="0">
+                <a:solidFill>
+                  <a:schemeClr val="bg1"/>
+                </a:solidFill>
+                <a:effectLst/>
+                <a:latin typeface="Consolas" panose="020B0609020204030204" pitchFamily="49" charset="0"/>
+              </a:rPr>
+              <a:t>&gt;</a:t>
+            </a:r>
+          </a:p>
+          <a:p>
+            <a:pPr marL="0" marR="0">
+              <a:spcBef>
+                <a:spcPts val="0"/>
+              </a:spcBef>
+              <a:spcAft>
+                <a:spcPts val="0"/>
+              </a:spcAft>
+            </a:pPr>
+            <a:r>
+              <a:rPr lang="hu-HU" sz="1200" dirty="0">
+                <a:solidFill>
+                  <a:schemeClr val="bg1"/>
+                </a:solidFill>
+                <a:effectLst/>
+                <a:latin typeface="Consolas" panose="020B0609020204030204" pitchFamily="49" charset="0"/>
+              </a:rPr>
+              <a:t>   </a:t>
+            </a:r>
+            <a:r>
+              <a:rPr lang="en-GB" sz="1200" dirty="0">
+                <a:solidFill>
+                  <a:schemeClr val="bg1"/>
+                </a:solidFill>
+                <a:effectLst/>
+                <a:latin typeface="Consolas" panose="020B0609020204030204" pitchFamily="49" charset="0"/>
+              </a:rPr>
+              <a:t>&lt;</a:t>
+            </a:r>
+            <a:r>
+              <a:rPr lang="en-GB" sz="1200" dirty="0">
+                <a:solidFill>
+                  <a:schemeClr val="accent4"/>
+                </a:solidFill>
+                <a:effectLst/>
+                <a:latin typeface="Consolas" panose="020B0609020204030204" pitchFamily="49" charset="0"/>
+              </a:rPr>
+              <a:t>type</a:t>
+            </a:r>
+            <a:r>
+              <a:rPr lang="hu-HU" sz="1200" dirty="0">
+                <a:solidFill>
+                  <a:schemeClr val="bg1"/>
+                </a:solidFill>
+                <a:effectLst/>
+                <a:latin typeface="Consolas" panose="020B0609020204030204" pitchFamily="49" charset="0"/>
+              </a:rPr>
+              <a:t> </a:t>
+            </a:r>
+            <a:r>
+              <a:rPr lang="en-GB" sz="1200" dirty="0">
+                <a:solidFill>
+                  <a:schemeClr val="bg1"/>
+                </a:solidFill>
+                <a:effectLst/>
+                <a:latin typeface="Consolas" panose="020B0609020204030204" pitchFamily="49" charset="0"/>
+              </a:rPr>
+              <a:t>xsi:type=</a:t>
+            </a:r>
+            <a:r>
+              <a:rPr lang="en-GB" sz="1200" dirty="0">
+                <a:solidFill>
+                  <a:schemeClr val="accent2">
+                    <a:lumMod val="60000"/>
+                    <a:lumOff val="40000"/>
+                  </a:schemeClr>
+                </a:solidFill>
+                <a:effectLst/>
+                <a:latin typeface="Consolas" panose="020B0609020204030204" pitchFamily="49" charset="0"/>
+              </a:rPr>
+              <a:t>"</a:t>
+            </a:r>
+            <a:r>
+              <a:rPr lang="hu-HU" sz="1200" dirty="0">
+                <a:solidFill>
+                  <a:schemeClr val="accent2">
+                    <a:lumMod val="60000"/>
+                    <a:lumOff val="40000"/>
+                  </a:schemeClr>
+                </a:solidFill>
+                <a:effectLst/>
+                <a:latin typeface="Consolas" panose="020B0609020204030204" pitchFamily="49" charset="0"/>
+              </a:rPr>
+              <a:t>..</a:t>
+            </a:r>
+            <a:r>
+              <a:rPr lang="en-GB" sz="1200" dirty="0">
+                <a:solidFill>
+                  <a:schemeClr val="accent2">
+                    <a:lumMod val="60000"/>
+                    <a:lumOff val="40000"/>
+                  </a:schemeClr>
+                </a:solidFill>
+                <a:effectLst/>
+                <a:latin typeface="Consolas" panose="020B0609020204030204" pitchFamily="49" charset="0"/>
+              </a:rPr>
+              <a:t>.expression:EnumerationTypeDefinition"</a:t>
+            </a:r>
+            <a:r>
+              <a:rPr lang="en-GB" sz="1200" dirty="0">
+                <a:solidFill>
+                  <a:schemeClr val="bg1"/>
+                </a:solidFill>
+                <a:effectLst/>
+                <a:latin typeface="Consolas" panose="020B0609020204030204" pitchFamily="49" charset="0"/>
+              </a:rPr>
+              <a:t>&gt;</a:t>
+            </a:r>
+          </a:p>
+          <a:p>
+            <a:pPr marL="0" marR="0">
+              <a:spcBef>
+                <a:spcPts val="0"/>
+              </a:spcBef>
+              <a:spcAft>
+                <a:spcPts val="0"/>
+              </a:spcAft>
+            </a:pPr>
+            <a:r>
+              <a:rPr lang="hu-HU" sz="1200" dirty="0">
+                <a:solidFill>
+                  <a:schemeClr val="bg1"/>
+                </a:solidFill>
+                <a:effectLst/>
+                <a:latin typeface="Consolas" panose="020B0609020204030204" pitchFamily="49" charset="0"/>
+              </a:rPr>
+              <a:t>      </a:t>
+            </a:r>
+            <a:r>
+              <a:rPr lang="en-GB" sz="1200" dirty="0">
+                <a:solidFill>
+                  <a:schemeClr val="bg1"/>
+                </a:solidFill>
+                <a:effectLst/>
+                <a:latin typeface="Consolas" panose="020B0609020204030204" pitchFamily="49" charset="0"/>
+              </a:rPr>
+              <a:t>&lt;</a:t>
+            </a:r>
+            <a:r>
+              <a:rPr lang="en-GB" sz="1200" dirty="0">
+                <a:solidFill>
+                  <a:schemeClr val="accent4"/>
+                </a:solidFill>
+                <a:effectLst/>
+                <a:latin typeface="Consolas" panose="020B0609020204030204" pitchFamily="49" charset="0"/>
+              </a:rPr>
+              <a:t>literals</a:t>
+            </a:r>
+            <a:r>
+              <a:rPr lang="en-GB" sz="1200" dirty="0">
+                <a:solidFill>
+                  <a:schemeClr val="bg1"/>
+                </a:solidFill>
+                <a:effectLst/>
+                <a:latin typeface="Consolas" panose="020B0609020204030204" pitchFamily="49" charset="0"/>
+              </a:rPr>
+              <a:t> name=</a:t>
+            </a:r>
+            <a:r>
+              <a:rPr lang="en-GB" sz="1200" dirty="0">
+                <a:solidFill>
+                  <a:srgbClr val="92D050"/>
+                </a:solidFill>
+                <a:effectLst/>
+                <a:latin typeface="Consolas" panose="020B0609020204030204" pitchFamily="49" charset="0"/>
+              </a:rPr>
+              <a:t>"__Inactive__"</a:t>
+            </a:r>
+            <a:r>
+              <a:rPr lang="en-GB" sz="1200" dirty="0">
+                <a:solidFill>
+                  <a:schemeClr val="bg1"/>
+                </a:solidFill>
+                <a:effectLst/>
+                <a:latin typeface="Consolas" panose="020B0609020204030204" pitchFamily="49" charset="0"/>
+              </a:rPr>
+              <a:t>/&gt;</a:t>
+            </a:r>
+          </a:p>
+          <a:p>
+            <a:pPr marL="0" marR="0">
+              <a:spcBef>
+                <a:spcPts val="0"/>
+              </a:spcBef>
+              <a:spcAft>
+                <a:spcPts val="0"/>
+              </a:spcAft>
+            </a:pPr>
+            <a:r>
+              <a:rPr lang="hu-HU" sz="1200" dirty="0">
+                <a:solidFill>
+                  <a:schemeClr val="bg1"/>
+                </a:solidFill>
+                <a:effectLst/>
+                <a:latin typeface="Consolas" panose="020B0609020204030204" pitchFamily="49" charset="0"/>
+              </a:rPr>
+              <a:t>      </a:t>
+            </a:r>
+            <a:r>
+              <a:rPr lang="en-GB" sz="1200" dirty="0">
+                <a:solidFill>
+                  <a:schemeClr val="bg1"/>
+                </a:solidFill>
+                <a:effectLst/>
+                <a:latin typeface="Consolas" panose="020B0609020204030204" pitchFamily="49" charset="0"/>
+              </a:rPr>
+              <a:t>&lt;</a:t>
+            </a:r>
+            <a:r>
+              <a:rPr lang="en-GB" sz="1200" dirty="0">
+                <a:solidFill>
+                  <a:schemeClr val="accent4"/>
+                </a:solidFill>
+                <a:effectLst/>
+                <a:latin typeface="Consolas" panose="020B0609020204030204" pitchFamily="49" charset="0"/>
+              </a:rPr>
+              <a:t>literals</a:t>
+            </a:r>
+            <a:r>
+              <a:rPr lang="en-GB" sz="1200" dirty="0">
+                <a:solidFill>
+                  <a:schemeClr val="bg1"/>
+                </a:solidFill>
+                <a:effectLst/>
+                <a:latin typeface="Consolas" panose="020B0609020204030204" pitchFamily="49" charset="0"/>
+              </a:rPr>
+              <a:t> name=</a:t>
+            </a:r>
+            <a:r>
+              <a:rPr lang="en-GB" sz="1200" dirty="0">
+                <a:solidFill>
+                  <a:srgbClr val="92D050"/>
+                </a:solidFill>
+                <a:effectLst/>
+                <a:latin typeface="Consolas" panose="020B0609020204030204" pitchFamily="49" charset="0"/>
+              </a:rPr>
+              <a:t>"Operating"</a:t>
+            </a:r>
+            <a:r>
+              <a:rPr lang="en-GB" sz="1200" dirty="0">
+                <a:solidFill>
+                  <a:schemeClr val="bg1"/>
+                </a:solidFill>
+                <a:effectLst/>
+                <a:latin typeface="Consolas" panose="020B0609020204030204" pitchFamily="49" charset="0"/>
+              </a:rPr>
+              <a:t>/&gt;</a:t>
+            </a:r>
+          </a:p>
+          <a:p>
+            <a:pPr marL="0" marR="0">
+              <a:spcBef>
+                <a:spcPts val="0"/>
+              </a:spcBef>
+              <a:spcAft>
+                <a:spcPts val="0"/>
+              </a:spcAft>
+            </a:pPr>
+            <a:r>
+              <a:rPr lang="hu-HU" sz="1200" dirty="0">
+                <a:solidFill>
+                  <a:schemeClr val="bg1"/>
+                </a:solidFill>
+                <a:effectLst/>
+                <a:latin typeface="Consolas" panose="020B0609020204030204" pitchFamily="49" charset="0"/>
+              </a:rPr>
+              <a:t>      </a:t>
+            </a:r>
+            <a:r>
+              <a:rPr lang="en-GB" sz="1200" dirty="0">
+                <a:solidFill>
+                  <a:schemeClr val="bg1"/>
+                </a:solidFill>
+                <a:effectLst/>
+                <a:latin typeface="Consolas" panose="020B0609020204030204" pitchFamily="49" charset="0"/>
+              </a:rPr>
+              <a:t>&lt;</a:t>
+            </a:r>
+            <a:r>
+              <a:rPr lang="en-GB" sz="1200" dirty="0">
+                <a:solidFill>
+                  <a:schemeClr val="accent4"/>
+                </a:solidFill>
+                <a:effectLst/>
+                <a:latin typeface="Consolas" panose="020B0609020204030204" pitchFamily="49" charset="0"/>
+              </a:rPr>
+              <a:t>literals</a:t>
+            </a:r>
+            <a:r>
+              <a:rPr lang="en-GB" sz="1200" dirty="0">
+                <a:solidFill>
+                  <a:schemeClr val="bg1"/>
+                </a:solidFill>
+                <a:effectLst/>
+                <a:latin typeface="Consolas" panose="020B0609020204030204" pitchFamily="49" charset="0"/>
+              </a:rPr>
+              <a:t> name=</a:t>
+            </a:r>
+            <a:r>
+              <a:rPr lang="en-GB" sz="1200" dirty="0">
+                <a:solidFill>
+                  <a:srgbClr val="92D050"/>
+                </a:solidFill>
+                <a:effectLst/>
+                <a:latin typeface="Consolas" panose="020B0609020204030204" pitchFamily="49" charset="0"/>
+              </a:rPr>
+              <a:t>"Interrupted"</a:t>
+            </a:r>
+            <a:r>
+              <a:rPr lang="en-GB" sz="1200" dirty="0">
+                <a:solidFill>
+                  <a:schemeClr val="bg1"/>
+                </a:solidFill>
+                <a:effectLst/>
+                <a:latin typeface="Consolas" panose="020B0609020204030204" pitchFamily="49" charset="0"/>
+              </a:rPr>
+              <a:t>/&gt;</a:t>
+            </a:r>
+          </a:p>
+          <a:p>
+            <a:pPr marL="0" marR="0">
+              <a:spcBef>
+                <a:spcPts val="0"/>
+              </a:spcBef>
+              <a:spcAft>
+                <a:spcPts val="0"/>
+              </a:spcAft>
+            </a:pPr>
+            <a:r>
+              <a:rPr lang="hu-HU" sz="1200" dirty="0">
+                <a:solidFill>
+                  <a:schemeClr val="bg1"/>
+                </a:solidFill>
+                <a:effectLst/>
+                <a:latin typeface="Consolas" panose="020B0609020204030204" pitchFamily="49" charset="0"/>
+              </a:rPr>
+              <a:t>   </a:t>
+            </a:r>
+            <a:r>
+              <a:rPr lang="en-GB" sz="1200" dirty="0">
+                <a:solidFill>
+                  <a:schemeClr val="bg1"/>
+                </a:solidFill>
+                <a:effectLst/>
+                <a:latin typeface="Consolas" panose="020B0609020204030204" pitchFamily="49" charset="0"/>
+              </a:rPr>
+              <a:t>&lt;/</a:t>
+            </a:r>
+            <a:r>
+              <a:rPr lang="en-GB" sz="1200" dirty="0">
+                <a:solidFill>
+                  <a:schemeClr val="accent4"/>
+                </a:solidFill>
+                <a:effectLst/>
+                <a:latin typeface="Consolas" panose="020B0609020204030204" pitchFamily="49" charset="0"/>
+              </a:rPr>
+              <a:t>type</a:t>
+            </a:r>
+            <a:r>
+              <a:rPr lang="en-GB" sz="1200" dirty="0">
+                <a:solidFill>
+                  <a:schemeClr val="bg1"/>
+                </a:solidFill>
+                <a:effectLst/>
+                <a:latin typeface="Consolas" panose="020B0609020204030204" pitchFamily="49" charset="0"/>
+              </a:rPr>
+              <a:t>&gt;</a:t>
+            </a:r>
+          </a:p>
+          <a:p>
+            <a:pPr marL="0" marR="0">
+              <a:spcBef>
+                <a:spcPts val="0"/>
+              </a:spcBef>
+              <a:spcAft>
+                <a:spcPts val="0"/>
+              </a:spcAft>
+            </a:pPr>
+            <a:r>
+              <a:rPr lang="en-GB" sz="1200" dirty="0">
+                <a:solidFill>
+                  <a:schemeClr val="bg1"/>
+                </a:solidFill>
+                <a:effectLst/>
+                <a:latin typeface="Consolas" panose="020B0609020204030204" pitchFamily="49" charset="0"/>
+              </a:rPr>
+              <a:t>&lt;/</a:t>
+            </a:r>
+            <a:r>
+              <a:rPr lang="en-GB" sz="1200" dirty="0">
+                <a:solidFill>
+                  <a:schemeClr val="accent4"/>
+                </a:solidFill>
+                <a:effectLst/>
+                <a:latin typeface="Consolas" panose="020B0609020204030204" pitchFamily="49" charset="0"/>
+              </a:rPr>
+              <a:t>typeDeclarations</a:t>
+            </a:r>
+            <a:r>
+              <a:rPr lang="en-GB" sz="1200" dirty="0">
+                <a:solidFill>
+                  <a:schemeClr val="bg1"/>
+                </a:solidFill>
+                <a:effectLst/>
+                <a:latin typeface="Consolas" panose="020B0609020204030204" pitchFamily="49" charset="0"/>
+              </a:rPr>
+              <a:t>&gt;</a:t>
+            </a:r>
+            <a:r>
+              <a:rPr lang="hu-HU" sz="1200" dirty="0">
+                <a:solidFill>
+                  <a:schemeClr val="bg1"/>
+                </a:solidFill>
+                <a:effectLst/>
+                <a:latin typeface="Consolas" panose="020B0609020204030204" pitchFamily="49" charset="0"/>
+              </a:rPr>
+              <a:t>  </a:t>
+            </a:r>
+            <a:endParaRPr lang="en-GB" sz="1200" dirty="0">
+              <a:solidFill>
+                <a:schemeClr val="bg1"/>
+              </a:solidFill>
+              <a:effectLst/>
+              <a:latin typeface="Consolas" panose="020B0609020204030204" pitchFamily="49" charset="0"/>
+            </a:endParaRPr>
+          </a:p>
+        </p:txBody>
+      </p:sp>
+      <p:sp>
+        <p:nvSpPr>
+          <p:cNvPr id="10" name="Rectangular Callout 17">
+            <a:extLst>
+              <a:ext uri="{FF2B5EF4-FFF2-40B4-BE49-F238E27FC236}">
+                <a16:creationId xmlns:a16="http://schemas.microsoft.com/office/drawing/2014/main" id="{F723E254-21DC-FAE5-E89A-7BEFD9333774}"/>
+              </a:ext>
+            </a:extLst>
+          </p:cNvPr>
+          <p:cNvSpPr/>
+          <p:nvPr/>
+        </p:nvSpPr>
+        <p:spPr>
+          <a:xfrm>
+            <a:off x="6166817" y="439294"/>
+            <a:ext cx="2787588" cy="507956"/>
+          </a:xfrm>
+          <a:prstGeom prst="wedgeRectCallout">
+            <a:avLst>
+              <a:gd name="adj1" fmla="val 44318"/>
+              <a:gd name="adj2" fmla="val 129688"/>
+            </a:avLst>
+          </a:prstGeom>
+          <a:solidFill>
+            <a:schemeClr val="bg1"/>
+          </a:solidFill>
+          <a:ln w="28575">
+            <a:solidFill>
+              <a:schemeClr val="tx2"/>
+            </a:solidFill>
+          </a:ln>
+          <a:effectLst>
+            <a:outerShdw blurRad="50800" dist="38100" dir="5400000" algn="t" rotWithShape="0">
+              <a:prstClr val="black">
+                <a:alpha val="40000"/>
+              </a:prstClr>
+            </a:outerShdw>
+          </a:effectLst>
+        </p:spPr>
+        <p:style>
+          <a:lnRef idx="2">
+            <a:schemeClr val="accent1">
+              <a:shade val="50000"/>
+            </a:schemeClr>
+          </a:lnRef>
+          <a:fillRef idx="1">
+            <a:schemeClr val="accent1"/>
+          </a:fillRef>
+          <a:effectRef idx="0">
+            <a:schemeClr val="accent1"/>
+          </a:effectRef>
+          <a:fontRef idx="minor">
+            <a:schemeClr val="lt1"/>
+          </a:fontRef>
+        </p:style>
+        <p:txBody>
+          <a:bodyPr rtlCol="0" anchor="ctr"/>
+          <a:lstStyle/>
+          <a:p>
+            <a:pPr marL="0" marR="0" lvl="0" indent="0" algn="ctr" defTabSz="914400" rtl="0" eaLnBrk="1" fontAlgn="auto" latinLnBrk="0" hangingPunct="1">
               <a:lnSpc>
                 <a:spcPct val="100000"/>
               </a:lnSpc>
               <a:spcBef>
-                <a:spcPts val="1000"/>
-              </a:spcBef>
-              <a:buFont typeface="Arial" panose="020B0604020202020204" pitchFamily="34" charset="0"/>
-              <a:buChar char="•"/>
-              <a:defRPr lang="en-US" sz="2800" kern="1200" smtClean="0">
-                <a:solidFill>
-                  <a:schemeClr val="tx1"/>
-                </a:solidFill>
-                <a:latin typeface="+mn-lt"/>
-                <a:ea typeface="+mn-ea"/>
-                <a:cs typeface="+mn-cs"/>
-              </a:defRPr>
-            </a:lvl1pPr>
-            <a:lvl2pPr marL="685800" indent="-228600" algn="l" defTabSz="914400" rtl="0" eaLnBrk="1" latinLnBrk="0" hangingPunct="1">
-              <a:lnSpc>
-                <a:spcPct val="100000"/>
-              </a:lnSpc>
-              <a:spcBef>
-                <a:spcPts val="500"/>
-              </a:spcBef>
-              <a:buFont typeface="Open Sans" panose="020B0606030504020204" pitchFamily="34" charset="0"/>
-              <a:buChar char="–"/>
-              <a:defRPr lang="en-US" sz="2400" kern="1200" smtClean="0">
-                <a:solidFill>
-                  <a:schemeClr val="tx1"/>
-                </a:solidFill>
-                <a:latin typeface="+mn-lt"/>
-                <a:ea typeface="+mn-ea"/>
-                <a:cs typeface="+mn-cs"/>
-              </a:defRPr>
-            </a:lvl2pPr>
-            <a:lvl3pPr marL="1143000" indent="-228600" algn="l" defTabSz="914400" rtl="0" eaLnBrk="1" latinLnBrk="0" hangingPunct="1">
-              <a:lnSpc>
-                <a:spcPct val="100000"/>
-              </a:lnSpc>
-              <a:spcBef>
-                <a:spcPts val="500"/>
-              </a:spcBef>
-              <a:buFont typeface="Open Sans" panose="020B0606030504020204" pitchFamily="34" charset="0"/>
-              <a:buChar char="–"/>
-              <a:defRPr lang="en-US" sz="2000" kern="1200" smtClean="0">
-                <a:solidFill>
-                  <a:schemeClr val="tx1"/>
-                </a:solidFill>
-                <a:latin typeface="+mn-lt"/>
-                <a:ea typeface="+mn-ea"/>
-                <a:cs typeface="+mn-cs"/>
-              </a:defRPr>
-            </a:lvl3pPr>
-            <a:lvl4pPr marL="1600200" indent="-228600" algn="l" defTabSz="914400" rtl="0" eaLnBrk="1" latinLnBrk="0" hangingPunct="1">
-              <a:lnSpc>
-                <a:spcPct val="100000"/>
-              </a:lnSpc>
-              <a:spcBef>
-                <a:spcPts val="500"/>
-              </a:spcBef>
-              <a:buFont typeface="Open Sans" panose="020B0606030504020204" pitchFamily="34" charset="0"/>
-              <a:buChar char="–"/>
-              <a:defRPr lang="en-US" sz="1800" kern="1200" smtClean="0">
-                <a:solidFill>
-                  <a:schemeClr val="tx1"/>
-                </a:solidFill>
-                <a:latin typeface="+mn-lt"/>
-                <a:ea typeface="+mn-ea"/>
-                <a:cs typeface="+mn-cs"/>
-              </a:defRPr>
-            </a:lvl4pPr>
-            <a:lvl5pPr marL="2057400" indent="-228600" algn="l" defTabSz="914400" rtl="0" eaLnBrk="1" latinLnBrk="0" hangingPunct="1">
-              <a:lnSpc>
-                <a:spcPct val="100000"/>
-              </a:lnSpc>
-              <a:spcBef>
-                <a:spcPts val="500"/>
-              </a:spcBef>
-              <a:buFont typeface="Open Sans" panose="020B0606030504020204" pitchFamily="34" charset="0"/>
-              <a:buChar char="–"/>
-              <a:defRPr lang="en-US" sz="1800" kern="1200">
-                <a:solidFill>
-                  <a:schemeClr val="tx1"/>
-                </a:solidFill>
-                <a:latin typeface="+mn-lt"/>
-                <a:ea typeface="+mn-ea"/>
-                <a:cs typeface="+mn-cs"/>
-              </a:defRPr>
-            </a:lvl5pPr>
-            <a:lvl6pPr marL="2514600" indent="-228600" algn="l" defTabSz="914400" rtl="0" eaLnBrk="1" latinLnBrk="0" hangingPunct="1">
-              <a:lnSpc>
-                <a:spcPct val="90000"/>
-              </a:lnSpc>
-              <a:spcBef>
-                <a:spcPts val="500"/>
-              </a:spcBef>
-              <a:buFont typeface="Arial" panose="020B0604020202020204" pitchFamily="34" charset="0"/>
-              <a:buChar char="•"/>
-              <a:defRPr sz="1800" kern="1200">
-                <a:solidFill>
-                  <a:schemeClr val="tx1"/>
-                </a:solidFill>
-                <a:latin typeface="+mn-lt"/>
-                <a:ea typeface="+mn-ea"/>
-                <a:cs typeface="+mn-cs"/>
-              </a:defRPr>
-            </a:lvl6pPr>
-            <a:lvl7pPr marL="2971800" indent="-228600" algn="l" defTabSz="914400" rtl="0" eaLnBrk="1" latinLnBrk="0" hangingPunct="1">
-              <a:lnSpc>
-                <a:spcPct val="90000"/>
-              </a:lnSpc>
-              <a:spcBef>
-                <a:spcPts val="500"/>
-              </a:spcBef>
-              <a:buFont typeface="Arial" panose="020B0604020202020204" pitchFamily="34" charset="0"/>
-              <a:buChar char="•"/>
-              <a:defRPr sz="1800" kern="1200">
-                <a:solidFill>
-                  <a:schemeClr val="tx1"/>
-                </a:solidFill>
-                <a:latin typeface="+mn-lt"/>
-                <a:ea typeface="+mn-ea"/>
-                <a:cs typeface="+mn-cs"/>
-              </a:defRPr>
-            </a:lvl7pPr>
-            <a:lvl8pPr marL="3429000" indent="-228600" algn="l" defTabSz="914400" rtl="0" eaLnBrk="1" latinLnBrk="0" hangingPunct="1">
-              <a:lnSpc>
-                <a:spcPct val="90000"/>
-              </a:lnSpc>
-              <a:spcBef>
-                <a:spcPts val="500"/>
-              </a:spcBef>
-              <a:buFont typeface="Arial" panose="020B0604020202020204" pitchFamily="34" charset="0"/>
-              <a:buChar char="•"/>
-              <a:defRPr sz="1800" kern="1200">
-                <a:solidFill>
-                  <a:schemeClr val="tx1"/>
-                </a:solidFill>
-                <a:latin typeface="+mn-lt"/>
-                <a:ea typeface="+mn-ea"/>
-                <a:cs typeface="+mn-cs"/>
-              </a:defRPr>
-            </a:lvl8pPr>
-            <a:lvl9pPr marL="3886200" indent="-228600" algn="l" defTabSz="914400" rtl="0" eaLnBrk="1" latinLnBrk="0" hangingPunct="1">
-              <a:lnSpc>
-                <a:spcPct val="90000"/>
-              </a:lnSpc>
-              <a:spcBef>
-                <a:spcPts val="500"/>
-              </a:spcBef>
-              <a:buFont typeface="Arial" panose="020B0604020202020204" pitchFamily="34" charset="0"/>
-              <a:buChar char="•"/>
-              <a:defRPr sz="1800" kern="1200">
-                <a:solidFill>
-                  <a:schemeClr val="tx1"/>
-                </a:solidFill>
-                <a:latin typeface="+mn-lt"/>
-                <a:ea typeface="+mn-ea"/>
-                <a:cs typeface="+mn-cs"/>
-              </a:defRPr>
-            </a:lvl9pPr>
-          </a:lstStyle>
-          <a:p>
-            <a:pPr>
-              <a:spcAft>
-                <a:spcPts val="600"/>
-              </a:spcAft>
-            </a:pPr>
-            <a:r>
-              <a:rPr lang="en-US" dirty="0">
-                <a:solidFill>
-                  <a:schemeClr val="accent1"/>
-                </a:solidFill>
-              </a:rPr>
-              <a:t>Yakindu</a:t>
-            </a:r>
-            <a:r>
-              <a:rPr lang="en-US" dirty="0"/>
-              <a:t> Statecharts</a:t>
-            </a:r>
-          </a:p>
-          <a:p>
-            <a:pPr lvl="1">
-              <a:spcBef>
                 <a:spcPts val="0"/>
               </a:spcBef>
               <a:spcAft>
-                <a:spcPts val="1500"/>
+                <a:spcPts val="0"/>
               </a:spcAft>
+              <a:buClrTx/>
+              <a:buSzTx/>
+              <a:buFontTx/>
+              <a:buNone/>
+              <a:tabLst/>
+              <a:defRPr/>
             </a:pPr>
             <a:r>
-              <a:rPr lang="en-US" dirty="0"/>
-              <a:t>Transformed into </a:t>
-            </a:r>
-            <a:r>
-              <a:rPr lang="en-US" i="1" dirty="0"/>
-              <a:t>gamma composite definition </a:t>
-            </a:r>
-            <a:r>
-              <a:rPr lang="en-US" dirty="0"/>
-              <a:t>language.</a:t>
-            </a:r>
-          </a:p>
-          <a:p>
-            <a:pPr>
-              <a:spcAft>
-                <a:spcPts val="600"/>
-              </a:spcAft>
-            </a:pPr>
-            <a:r>
-              <a:rPr lang="en-US" dirty="0">
-                <a:solidFill>
-                  <a:schemeClr val="accent1"/>
-                </a:solidFill>
-              </a:rPr>
-              <a:t>Gamma </a:t>
-            </a:r>
-            <a:r>
-              <a:rPr lang="en-US" dirty="0"/>
-              <a:t>Components</a:t>
-            </a:r>
-          </a:p>
-          <a:p>
-            <a:pPr lvl="1">
-              <a:spcBef>
-                <a:spcPts val="0"/>
-              </a:spcBef>
-              <a:spcAft>
-                <a:spcPts val="1500"/>
-              </a:spcAft>
-            </a:pPr>
-            <a:r>
-              <a:rPr lang="en-US" dirty="0"/>
-              <a:t>Transformed into XSTS with an extra intermediate step.</a:t>
-            </a:r>
-          </a:p>
-          <a:p>
-            <a:pPr>
-              <a:spcAft>
-                <a:spcPts val="600"/>
-              </a:spcAft>
-            </a:pPr>
-            <a:r>
-              <a:rPr lang="en-US" dirty="0">
-                <a:solidFill>
-                  <a:schemeClr val="accent1"/>
-                </a:solidFill>
-              </a:rPr>
-              <a:t>XSTS </a:t>
-            </a:r>
-            <a:r>
-              <a:rPr lang="en-US" dirty="0"/>
-              <a:t>Model</a:t>
-            </a:r>
-          </a:p>
-          <a:p>
-            <a:pPr lvl="1">
-              <a:spcBef>
-                <a:spcPts val="0"/>
-              </a:spcBef>
-              <a:spcAft>
-                <a:spcPts val="600"/>
-              </a:spcAft>
-            </a:pPr>
-            <a:r>
-              <a:rPr lang="en-US" dirty="0"/>
-              <a:t>Used to generate C code.</a:t>
-            </a:r>
-          </a:p>
-          <a:p>
-            <a:pPr lvl="1">
-              <a:spcBef>
-                <a:spcPts val="0"/>
-              </a:spcBef>
-              <a:spcAft>
-                <a:spcPts val="1500"/>
-              </a:spcAft>
-            </a:pPr>
-            <a:r>
-              <a:rPr lang="en-US" dirty="0"/>
-              <a:t>Can be used to formally verify the component.</a:t>
-            </a:r>
-          </a:p>
-          <a:p>
-            <a:pPr>
-              <a:spcAft>
-                <a:spcPts val="1500"/>
-              </a:spcAft>
-            </a:pPr>
-            <a:endParaRPr lang="en-US" dirty="0"/>
-          </a:p>
-        </p:txBody>
-      </p:sp>
-      <p:pic>
-        <p:nvPicPr>
-          <p:cNvPr id="16" name="Tartalom helye 15" descr="A képen szöveg, képernyőkép, Betűtípus, tervezés látható&#10;&#10;Automatikusan generált leírás">
-            <a:extLst>
-              <a:ext uri="{FF2B5EF4-FFF2-40B4-BE49-F238E27FC236}">
-                <a16:creationId xmlns:a16="http://schemas.microsoft.com/office/drawing/2014/main" id="{06BA7656-864C-0E9A-1C59-D59D5370D81B}"/>
-              </a:ext>
-            </a:extLst>
-          </p:cNvPr>
-          <p:cNvPicPr>
-            <a:picLocks noGrp="1" noChangeAspect="1"/>
-          </p:cNvPicPr>
-          <p:nvPr>
-            <p:ph sz="quarter" idx="12"/>
-          </p:nvPr>
-        </p:nvPicPr>
-        <p:blipFill>
-          <a:blip r:embed="rId2">
-            <a:extLst>
-              <a:ext uri="{28A0092B-C50C-407E-A947-70E740481C1C}">
-                <a14:useLocalDpi xmlns:a14="http://schemas.microsoft.com/office/drawing/2010/main" val="0"/>
-              </a:ext>
-            </a:extLst>
-          </a:blip>
-          <a:stretch>
-            <a:fillRect/>
-          </a:stretch>
-        </p:blipFill>
-        <p:spPr>
-          <a:xfrm>
-            <a:off x="6368014" y="1546163"/>
-            <a:ext cx="5249008" cy="4391638"/>
-          </a:xfrm>
-        </p:spPr>
-      </p:pic>
+              <a:rPr kumimoji="0" lang="hu-HU" sz="2400" b="0" i="0" u="none" strike="noStrike" kern="1200" cap="none" spc="0" normalizeH="0" baseline="0" dirty="0">
+                <a:ln>
+                  <a:noFill/>
+                </a:ln>
+                <a:solidFill>
+                  <a:srgbClr val="1446A0"/>
+                </a:solidFill>
+                <a:effectLst/>
+                <a:uLnTx/>
+                <a:uFillTx/>
+                <a:latin typeface="Open Sans"/>
+                <a:ea typeface="+mn-ea"/>
+                <a:cs typeface="+mn-cs"/>
+              </a:rPr>
+              <a:t>XSTS</a:t>
+            </a:r>
+            <a:r>
+              <a:rPr lang="en-US" sz="2400" dirty="0">
+                <a:solidFill>
+                  <a:srgbClr val="1446A0"/>
+                </a:solidFill>
+                <a:latin typeface="Open Sans"/>
+              </a:rPr>
+              <a:t> </a:t>
+            </a:r>
+            <a:r>
+              <a:rPr lang="hu-HU" sz="2400" dirty="0">
+                <a:solidFill>
+                  <a:schemeClr val="tx1"/>
+                </a:solidFill>
+                <a:latin typeface="Open Sans"/>
+              </a:rPr>
+              <a:t>definitions</a:t>
+            </a:r>
+            <a:endParaRPr kumimoji="0" lang="en-US" sz="2400" b="0" i="0" u="none" strike="noStrike" kern="1200" cap="none" spc="0" normalizeH="0" baseline="0" dirty="0">
+              <a:ln>
+                <a:noFill/>
+              </a:ln>
+              <a:solidFill>
+                <a:srgbClr val="000000"/>
+              </a:solidFill>
+              <a:effectLst/>
+              <a:uLnTx/>
+              <a:uFillTx/>
+              <a:latin typeface="Open Sans"/>
+              <a:ea typeface="+mn-ea"/>
+              <a:cs typeface="+mn-cs"/>
+            </a:endParaRPr>
+          </a:p>
+        </p:txBody>
+      </p:sp>
     </p:spTree>
     <p:extLst>
       <p:ext uri="{BB962C8B-B14F-4D97-AF65-F5344CB8AC3E}">
-        <p14:creationId xmlns:p14="http://schemas.microsoft.com/office/powerpoint/2010/main" val="3335020898"/>
+        <p14:creationId xmlns:p14="http://schemas.microsoft.com/office/powerpoint/2010/main" val="51618708"/>
       </p:ext>
     </p:extLst>
   </p:cSld>
@@ -11259,188 +13682,6 @@
       </p:sp>
       <p:sp>
         <p:nvSpPr>
-          <p:cNvPr id="3" name="Content Placeholder 2"/>
-          <p:cNvSpPr>
-            <a:spLocks noGrp="1"/>
-          </p:cNvSpPr>
-          <p:nvPr>
-            <p:ph sz="quarter" idx="12"/>
-          </p:nvPr>
-        </p:nvSpPr>
-        <p:spPr/>
-        <p:txBody>
-          <a:bodyPr>
-            <a:normAutofit lnSpcReduction="10000"/>
-          </a:bodyPr>
-          <a:lstStyle/>
-          <a:p>
-            <a:pPr>
-              <a:spcBef>
-                <a:spcPts val="1800"/>
-              </a:spcBef>
-              <a:spcAft>
-                <a:spcPts val="600"/>
-              </a:spcAft>
-            </a:pPr>
-            <a:r>
-              <a:rPr lang="en-US" dirty="0">
-                <a:solidFill>
-                  <a:schemeClr val="accent1"/>
-                </a:solidFill>
-              </a:rPr>
-              <a:t>For </a:t>
-            </a:r>
-            <a:r>
-              <a:rPr lang="en-US" dirty="0"/>
-              <a:t>each component..</a:t>
-            </a:r>
-          </a:p>
-          <a:p>
-            <a:pPr lvl="1">
-              <a:spcBef>
-                <a:spcPts val="0"/>
-              </a:spcBef>
-              <a:spcAft>
-                <a:spcPts val="600"/>
-              </a:spcAft>
-            </a:pPr>
-            <a:r>
-              <a:rPr lang="en-US" dirty="0"/>
-              <a:t>2 source &amp; 2 header files are being generated</a:t>
-            </a:r>
-          </a:p>
-          <a:p>
-            <a:pPr>
-              <a:spcBef>
-                <a:spcPts val="1800"/>
-              </a:spcBef>
-              <a:spcAft>
-                <a:spcPts val="600"/>
-              </a:spcAft>
-            </a:pPr>
-            <a:r>
-              <a:rPr lang="en-US" dirty="0">
-                <a:solidFill>
-                  <a:schemeClr val="accent1"/>
-                </a:solidFill>
-              </a:rPr>
-              <a:t>Statechart</a:t>
-            </a:r>
-            <a:r>
-              <a:rPr lang="en-US" dirty="0"/>
-              <a:t> component</a:t>
-            </a:r>
-          </a:p>
-          <a:p>
-            <a:pPr lvl="1">
-              <a:spcBef>
-                <a:spcPts val="0"/>
-              </a:spcBef>
-              <a:spcAft>
-                <a:spcPts val="600"/>
-              </a:spcAft>
-            </a:pPr>
-            <a:r>
-              <a:rPr lang="en-US" dirty="0"/>
-              <a:t>Implements the behavior of its model</a:t>
-            </a:r>
-          </a:p>
-          <a:p>
-            <a:pPr lvl="1">
-              <a:spcBef>
-                <a:spcPts val="0"/>
-              </a:spcBef>
-              <a:spcAft>
-                <a:spcPts val="600"/>
-              </a:spcAft>
-            </a:pPr>
-            <a:r>
-              <a:rPr lang="en-US" dirty="0"/>
-              <a:t>Resets in-, outputs between cycles</a:t>
-            </a:r>
-          </a:p>
-          <a:p>
-            <a:pPr lvl="1">
-              <a:spcBef>
-                <a:spcPts val="0"/>
-              </a:spcBef>
-              <a:spcAft>
-                <a:spcPts val="600"/>
-              </a:spcAft>
-            </a:pPr>
-            <a:r>
-              <a:rPr lang="en-US" dirty="0"/>
-              <a:t>Declares all required structure</a:t>
-            </a:r>
-          </a:p>
-          <a:p>
-            <a:pPr>
-              <a:spcBef>
-                <a:spcPts val="1800"/>
-              </a:spcBef>
-              <a:spcAft>
-                <a:spcPts val="600"/>
-              </a:spcAft>
-            </a:pPr>
-            <a:r>
-              <a:rPr lang="en-US" dirty="0">
-                <a:solidFill>
-                  <a:schemeClr val="accent1"/>
-                </a:solidFill>
-              </a:rPr>
-              <a:t>Wrapper </a:t>
-            </a:r>
-            <a:r>
-              <a:rPr lang="en-US" dirty="0"/>
-              <a:t>component</a:t>
-            </a:r>
-          </a:p>
-          <a:p>
-            <a:pPr lvl="1">
-              <a:spcBef>
-                <a:spcPts val="0"/>
-              </a:spcBef>
-              <a:spcAft>
-                <a:spcPts val="600"/>
-              </a:spcAft>
-            </a:pPr>
-            <a:r>
-              <a:rPr lang="en-US" dirty="0"/>
-              <a:t>Handles timing</a:t>
-            </a:r>
-          </a:p>
-          <a:p>
-            <a:pPr lvl="1">
-              <a:spcBef>
-                <a:spcPts val="0"/>
-              </a:spcBef>
-              <a:spcAft>
-                <a:spcPts val="600"/>
-              </a:spcAft>
-            </a:pPr>
-            <a:r>
-              <a:rPr lang="en-US" dirty="0"/>
-              <a:t>Hides the internal mechanism</a:t>
-            </a:r>
-          </a:p>
-          <a:p>
-            <a:pPr lvl="1">
-              <a:spcBef>
-                <a:spcPts val="0"/>
-              </a:spcBef>
-              <a:spcAft>
-                <a:spcPts val="600"/>
-              </a:spcAft>
-            </a:pPr>
-            <a:r>
-              <a:rPr lang="en-US" dirty="0"/>
-              <a:t>Provides Ports (in the form of setters/getters)</a:t>
-            </a:r>
-          </a:p>
-        </p:txBody>
-      </p:sp>
-      <p:sp>
-        <p:nvSpPr>
           <p:cNvPr id="4" name="Title 3"/>
           <p:cNvSpPr>
             <a:spLocks noGrp="1"/>
@@ -11463,7 +13704,7 @@
           <a:p>
             <a:r>
               <a:rPr lang="en-US" dirty="0"/>
-              <a:t>Implementation</a:t>
+              <a:t>Model Transformation</a:t>
             </a:r>
           </a:p>
         </p:txBody>
@@ -11755,8 +13996,8 @@
         </p:nvSpPr>
         <p:spPr>
           <a:xfrm>
-            <a:off x="9911355" y="489725"/>
-            <a:ext cx="2678708" cy="369332"/>
+            <a:off x="10257585" y="456325"/>
+            <a:ext cx="2678708" cy="400110"/>
           </a:xfrm>
           <a:prstGeom prst="rect">
             <a:avLst/>
@@ -11770,37 +14011,386 @@
           <a:lstStyle/>
           <a:p>
             <a:r>
+              <a:rPr lang="en-US" sz="2000" dirty="0">
+                <a:solidFill>
+                  <a:schemeClr val="accent1"/>
+                </a:solidFill>
+              </a:rPr>
+              <a:t>From where</a:t>
+            </a:r>
+            <a:r>
+              <a:rPr lang="en-US" sz="2000" dirty="0"/>
+              <a:t>?</a:t>
+            </a:r>
+          </a:p>
+        </p:txBody>
+      </p:sp>
+      <p:sp>
+        <p:nvSpPr>
+          <p:cNvPr id="12" name="Content Placeholder 2">
+            <a:extLst>
+              <a:ext uri="{FF2B5EF4-FFF2-40B4-BE49-F238E27FC236}">
+                <a16:creationId xmlns:a16="http://schemas.microsoft.com/office/drawing/2014/main" id="{C6A49D0A-C941-AFE1-FB7E-C11B8D8FACD1}"/>
+              </a:ext>
+            </a:extLst>
+          </p:cNvPr>
+          <p:cNvSpPr txBox="1">
+            <a:spLocks/>
+          </p:cNvSpPr>
+          <p:nvPr/>
+        </p:nvSpPr>
+        <p:spPr>
+          <a:xfrm>
+            <a:off x="574979" y="1201994"/>
+            <a:ext cx="5793036" cy="5051321"/>
+          </a:xfrm>
+          <a:prstGeom prst="rect">
+            <a:avLst/>
+          </a:prstGeom>
+        </p:spPr>
+        <p:txBody>
+          <a:bodyPr vert="horz" lIns="91440" tIns="45720" rIns="91440" bIns="45720" rtlCol="0">
+            <a:normAutofit lnSpcReduction="10000"/>
+          </a:bodyPr>
+          <a:lstStyle>
+            <a:lvl1pPr marL="228600" indent="-228600" algn="l" defTabSz="914400" rtl="0" eaLnBrk="1" latinLnBrk="0" hangingPunct="1">
+              <a:lnSpc>
+                <a:spcPct val="100000"/>
+              </a:lnSpc>
+              <a:spcBef>
+                <a:spcPts val="1000"/>
+              </a:spcBef>
+              <a:buFont typeface="Arial" panose="020B0604020202020204" pitchFamily="34" charset="0"/>
+              <a:buChar char="•"/>
+              <a:defRPr lang="en-US" sz="2800" kern="1200" smtClean="0">
+                <a:solidFill>
+                  <a:schemeClr val="tx1"/>
+                </a:solidFill>
+                <a:latin typeface="+mn-lt"/>
+                <a:ea typeface="+mn-ea"/>
+                <a:cs typeface="+mn-cs"/>
+              </a:defRPr>
+            </a:lvl1pPr>
+            <a:lvl2pPr marL="685800" indent="-228600" algn="l" defTabSz="914400" rtl="0" eaLnBrk="1" latinLnBrk="0" hangingPunct="1">
+              <a:lnSpc>
+                <a:spcPct val="100000"/>
+              </a:lnSpc>
+              <a:spcBef>
+                <a:spcPts val="500"/>
+              </a:spcBef>
+              <a:buFont typeface="Open Sans" panose="020B0606030504020204" pitchFamily="34" charset="0"/>
+              <a:buChar char="–"/>
+              <a:defRPr lang="en-US" sz="2400" kern="1200" smtClean="0">
+                <a:solidFill>
+                  <a:schemeClr val="tx1"/>
+                </a:solidFill>
+                <a:latin typeface="+mn-lt"/>
+                <a:ea typeface="+mn-ea"/>
+                <a:cs typeface="+mn-cs"/>
+              </a:defRPr>
+            </a:lvl2pPr>
+            <a:lvl3pPr marL="1143000" indent="-228600" algn="l" defTabSz="914400" rtl="0" eaLnBrk="1" latinLnBrk="0" hangingPunct="1">
+              <a:lnSpc>
+                <a:spcPct val="100000"/>
+              </a:lnSpc>
+              <a:spcBef>
+                <a:spcPts val="500"/>
+              </a:spcBef>
+              <a:buFont typeface="Open Sans" panose="020B0606030504020204" pitchFamily="34" charset="0"/>
+              <a:buChar char="–"/>
+              <a:defRPr lang="en-US" sz="2000" kern="1200" smtClean="0">
+                <a:solidFill>
+                  <a:schemeClr val="tx1"/>
+                </a:solidFill>
+                <a:latin typeface="+mn-lt"/>
+                <a:ea typeface="+mn-ea"/>
+                <a:cs typeface="+mn-cs"/>
+              </a:defRPr>
+            </a:lvl3pPr>
+            <a:lvl4pPr marL="1600200" indent="-228600" algn="l" defTabSz="914400" rtl="0" eaLnBrk="1" latinLnBrk="0" hangingPunct="1">
+              <a:lnSpc>
+                <a:spcPct val="100000"/>
+              </a:lnSpc>
+              <a:spcBef>
+                <a:spcPts val="500"/>
+              </a:spcBef>
+              <a:buFont typeface="Open Sans" panose="020B0606030504020204" pitchFamily="34" charset="0"/>
+              <a:buChar char="–"/>
+              <a:defRPr lang="en-US" sz="1800" kern="1200" smtClean="0">
+                <a:solidFill>
+                  <a:schemeClr val="tx1"/>
+                </a:solidFill>
+                <a:latin typeface="+mn-lt"/>
+                <a:ea typeface="+mn-ea"/>
+                <a:cs typeface="+mn-cs"/>
+              </a:defRPr>
+            </a:lvl4pPr>
+            <a:lvl5pPr marL="2057400" indent="-228600" algn="l" defTabSz="914400" rtl="0" eaLnBrk="1" latinLnBrk="0" hangingPunct="1">
+              <a:lnSpc>
+                <a:spcPct val="100000"/>
+              </a:lnSpc>
+              <a:spcBef>
+                <a:spcPts val="500"/>
+              </a:spcBef>
+              <a:buFont typeface="Open Sans" panose="020B0606030504020204" pitchFamily="34" charset="0"/>
+              <a:buChar char="–"/>
+              <a:defRPr lang="en-US" sz="1800" kern="1200">
+                <a:solidFill>
+                  <a:schemeClr val="tx1"/>
+                </a:solidFill>
+                <a:latin typeface="+mn-lt"/>
+                <a:ea typeface="+mn-ea"/>
+                <a:cs typeface="+mn-cs"/>
+              </a:defRPr>
+            </a:lvl5pPr>
+            <a:lvl6pPr marL="2514600" indent="-228600" algn="l" defTabSz="914400" rtl="0" eaLnBrk="1" latinLnBrk="0" hangingPunct="1">
+              <a:lnSpc>
+                <a:spcPct val="90000"/>
+              </a:lnSpc>
+              <a:spcBef>
+                <a:spcPts val="500"/>
+              </a:spcBef>
+              <a:buFont typeface="Arial" panose="020B0604020202020204" pitchFamily="34" charset="0"/>
+              <a:buChar char="•"/>
+              <a:defRPr sz="1800" kern="1200">
+                <a:solidFill>
+                  <a:schemeClr val="tx1"/>
+                </a:solidFill>
+                <a:latin typeface="+mn-lt"/>
+                <a:ea typeface="+mn-ea"/>
+                <a:cs typeface="+mn-cs"/>
+              </a:defRPr>
+            </a:lvl6pPr>
+            <a:lvl7pPr marL="2971800" indent="-228600" algn="l" defTabSz="914400" rtl="0" eaLnBrk="1" latinLnBrk="0" hangingPunct="1">
+              <a:lnSpc>
+                <a:spcPct val="90000"/>
+              </a:lnSpc>
+              <a:spcBef>
+                <a:spcPts val="500"/>
+              </a:spcBef>
+              <a:buFont typeface="Arial" panose="020B0604020202020204" pitchFamily="34" charset="0"/>
+              <a:buChar char="•"/>
+              <a:defRPr sz="1800" kern="1200">
+                <a:solidFill>
+                  <a:schemeClr val="tx1"/>
+                </a:solidFill>
+                <a:latin typeface="+mn-lt"/>
+                <a:ea typeface="+mn-ea"/>
+                <a:cs typeface="+mn-cs"/>
+              </a:defRPr>
+            </a:lvl7pPr>
+            <a:lvl8pPr marL="3429000" indent="-228600" algn="l" defTabSz="914400" rtl="0" eaLnBrk="1" latinLnBrk="0" hangingPunct="1">
+              <a:lnSpc>
+                <a:spcPct val="90000"/>
+              </a:lnSpc>
+              <a:spcBef>
+                <a:spcPts val="500"/>
+              </a:spcBef>
+              <a:buFont typeface="Arial" panose="020B0604020202020204" pitchFamily="34" charset="0"/>
+              <a:buChar char="•"/>
+              <a:defRPr sz="1800" kern="1200">
+                <a:solidFill>
+                  <a:schemeClr val="tx1"/>
+                </a:solidFill>
+                <a:latin typeface="+mn-lt"/>
+                <a:ea typeface="+mn-ea"/>
+                <a:cs typeface="+mn-cs"/>
+              </a:defRPr>
+            </a:lvl8pPr>
+            <a:lvl9pPr marL="3886200" indent="-228600" algn="l" defTabSz="914400" rtl="0" eaLnBrk="1" latinLnBrk="0" hangingPunct="1">
+              <a:lnSpc>
+                <a:spcPct val="90000"/>
+              </a:lnSpc>
+              <a:spcBef>
+                <a:spcPts val="500"/>
+              </a:spcBef>
+              <a:buFont typeface="Arial" panose="020B0604020202020204" pitchFamily="34" charset="0"/>
+              <a:buChar char="•"/>
+              <a:defRPr sz="1800" kern="1200">
+                <a:solidFill>
+                  <a:schemeClr val="tx1"/>
+                </a:solidFill>
+                <a:latin typeface="+mn-lt"/>
+                <a:ea typeface="+mn-ea"/>
+                <a:cs typeface="+mn-cs"/>
+              </a:defRPr>
+            </a:lvl9pPr>
+          </a:lstStyle>
+          <a:p>
+            <a:pPr>
+              <a:spcAft>
+                <a:spcPts val="600"/>
+              </a:spcAft>
+            </a:pPr>
+            <a:r>
+              <a:rPr lang="hu-HU" dirty="0">
+                <a:solidFill>
+                  <a:schemeClr val="accent1"/>
+                </a:solidFill>
+              </a:rPr>
+              <a:t>UML</a:t>
+            </a:r>
+            <a:r>
+              <a:rPr lang="en-US" dirty="0"/>
+              <a:t> Statecharts</a:t>
+            </a:r>
+          </a:p>
+          <a:p>
+            <a:pPr lvl="1">
+              <a:spcBef>
+                <a:spcPts val="0"/>
+              </a:spcBef>
+              <a:spcAft>
+                <a:spcPts val="1500"/>
+              </a:spcAft>
+            </a:pPr>
+            <a:r>
+              <a:rPr lang="en-US" dirty="0"/>
+              <a:t>Transformed to </a:t>
+            </a:r>
+            <a:r>
+              <a:rPr lang="en-US" i="1" dirty="0"/>
+              <a:t>gamma </a:t>
+            </a:r>
+            <a:r>
+              <a:rPr lang="hu-HU" i="1" dirty="0"/>
+              <a:t>statechart </a:t>
+            </a:r>
+            <a:r>
+              <a:rPr lang="en-US" i="1" dirty="0"/>
+              <a:t>language</a:t>
+            </a:r>
+            <a:endParaRPr lang="en-US" dirty="0"/>
+          </a:p>
+          <a:p>
+            <a:pPr>
+              <a:spcAft>
+                <a:spcPts val="600"/>
+              </a:spcAft>
+            </a:pPr>
+            <a:r>
               <a:rPr lang="en-US" dirty="0">
                 <a:solidFill>
                   <a:schemeClr val="accent1"/>
                 </a:solidFill>
               </a:rPr>
-              <a:t>What </a:t>
+              <a:t>Gamma </a:t>
             </a:r>
             <a:r>
               <a:rPr lang="en-US" dirty="0"/>
-              <a:t>technologies</a:t>
-            </a:r>
-            <a:r>
-              <a:rPr lang="hu-HU" dirty="0"/>
-              <a:t>?</a:t>
-            </a:r>
+              <a:t>Components</a:t>
+            </a:r>
+          </a:p>
+          <a:p>
+            <a:pPr lvl="1">
+              <a:spcBef>
+                <a:spcPts val="0"/>
+              </a:spcBef>
+              <a:spcAft>
+                <a:spcPts val="1500"/>
+              </a:spcAft>
+            </a:pPr>
+            <a:r>
+              <a:rPr lang="en-US" dirty="0"/>
+              <a:t>Transformed into XSTS with an extra intermediate step</a:t>
+            </a:r>
+          </a:p>
+          <a:p>
+            <a:pPr>
+              <a:spcAft>
+                <a:spcPts val="600"/>
+              </a:spcAft>
+            </a:pPr>
             <a:r>
               <a:rPr lang="en-US" dirty="0">
                 <a:solidFill>
                   <a:schemeClr val="accent1"/>
                 </a:solidFill>
               </a:rPr>
-              <a:t> </a:t>
-            </a:r>
+              <a:t>XSTS </a:t>
+            </a:r>
+            <a:r>
+              <a:rPr lang="en-US" dirty="0"/>
+              <a:t>Model</a:t>
+            </a:r>
+          </a:p>
+          <a:p>
+            <a:pPr lvl="1">
+              <a:spcBef>
+                <a:spcPts val="0"/>
+              </a:spcBef>
+              <a:spcAft>
+                <a:spcPts val="600"/>
+              </a:spcAft>
+            </a:pPr>
+            <a:r>
+              <a:rPr lang="en-US" dirty="0"/>
+              <a:t>Used to generate C code</a:t>
+            </a:r>
+          </a:p>
+          <a:p>
+            <a:pPr lvl="1">
+              <a:spcBef>
+                <a:spcPts val="0"/>
+              </a:spcBef>
+              <a:spcAft>
+                <a:spcPts val="1500"/>
+              </a:spcAft>
+            </a:pPr>
+            <a:r>
+              <a:rPr lang="en-US" dirty="0"/>
+              <a:t>Can be used to formally verify the component</a:t>
+            </a:r>
+          </a:p>
+          <a:p>
+            <a:pPr>
+              <a:spcAft>
+                <a:spcPts val="1500"/>
+              </a:spcAft>
+            </a:pPr>
             <a:endParaRPr lang="en-US" dirty="0"/>
           </a:p>
         </p:txBody>
       </p:sp>
+      <p:pic>
+        <p:nvPicPr>
+          <p:cNvPr id="10" name="Tartalom helye 9" descr="A képen szöveg, képernyőkép, Betűtípus, tervezés látható&#10;&#10;Automatikusan generált leírás">
+            <a:extLst>
+              <a:ext uri="{FF2B5EF4-FFF2-40B4-BE49-F238E27FC236}">
+                <a16:creationId xmlns:a16="http://schemas.microsoft.com/office/drawing/2014/main" id="{AB3890E9-D7A5-8C8E-2B9E-BB024183C3FA}"/>
+              </a:ext>
+            </a:extLst>
+          </p:cNvPr>
+          <p:cNvPicPr>
+            <a:picLocks noGrp="1" noChangeAspect="1"/>
+          </p:cNvPicPr>
+          <p:nvPr>
+            <p:ph sz="quarter" idx="12"/>
+          </p:nvPr>
+        </p:nvPicPr>
+        <p:blipFill>
+          <a:blip r:embed="rId2">
+            <a:extLst>
+              <a:ext uri="{28A0092B-C50C-407E-A947-70E740481C1C}">
+                <a14:useLocalDpi xmlns:a14="http://schemas.microsoft.com/office/drawing/2010/main" val="0"/>
+              </a:ext>
+            </a:extLst>
+          </a:blip>
+          <a:stretch>
+            <a:fillRect/>
+          </a:stretch>
+        </p:blipFill>
+        <p:spPr>
+          <a:xfrm>
+            <a:off x="6368015" y="1230649"/>
+            <a:ext cx="5285714" cy="4390476"/>
+          </a:xfrm>
+        </p:spPr>
+      </p:pic>
     </p:spTree>
     <p:extLst>
       <p:ext uri="{BB962C8B-B14F-4D97-AF65-F5344CB8AC3E}">
-        <p14:creationId xmlns:p14="http://schemas.microsoft.com/office/powerpoint/2010/main" val="614272114"/>
+        <p14:creationId xmlns:p14="http://schemas.microsoft.com/office/powerpoint/2010/main" val="3335020898"/>
       </p:ext>
     </p:extLst>
   </p:cSld>
@@ -11923,11 +14513,14 @@
         <p:spPr/>
         <p:txBody>
           <a:bodyPr>
-            <a:normAutofit/>
+            <a:normAutofit lnSpcReduction="10000"/>
           </a:bodyPr>
           <a:lstStyle/>
           <a:p>
             <a:pPr>
+              <a:spcBef>
+                <a:spcPts val="1800"/>
+              </a:spcBef>
               <a:spcAft>
                 <a:spcPts val="600"/>
               </a:spcAft>
@@ -11938,11 +14531,11 @@
                   <a:schemeClr val="accent1"/>
                 </a:solidFill>
               </a:rPr>
-              <a:t>ISO Standard</a:t>
+              <a:t>For </a:t>
             </a:r>
             <a:r>
               <a:rPr lang="en-US" dirty="0"/>
-              <a:t> - standards for the C programming language</a:t>
+              <a:t>each component..</a:t>
             </a:r>
           </a:p>
           <a:p>
@@ -11951,16 +14544,19 @@
                 <a:spcPts val="0"/>
               </a:spcBef>
               <a:spcAft>
-                <a:spcPts val="1500"/>
+                <a:spcPts val="600"/>
               </a:spcAft>
             </a:pPr>
             <a:r>
               <a:rPr lang="en-US" dirty="0"/>
-              <a:t>Extensive support from compilers.</a:t>
+              <a:t>2 source &amp; 2 header files are being generated</a:t>
             </a:r>
           </a:p>
           <a:p>
             <a:pPr>
+              <a:spcBef>
+                <a:spcPts val="1800"/>
+              </a:spcBef>
               <a:spcAft>
                 <a:spcPts val="600"/>
               </a:spcAft>
@@ -11971,11 +14567,11 @@
                   <a:schemeClr val="accent1"/>
                 </a:solidFill>
               </a:rPr>
-              <a:t>Timing</a:t>
+              <a:t>Statechart</a:t>
             </a:r>
             <a:r>
               <a:rPr lang="en-US" dirty="0"/>
-              <a:t> - measure time elapsed</a:t>
+              <a:t> component</a:t>
             </a:r>
           </a:p>
           <a:p>
@@ -11984,38 +14580,12 @@
                 <a:spcPts val="0"/>
               </a:spcBef>
               <a:spcAft>
-                <a:spcPts val="1500"/>
+                <a:spcPts val="600"/>
               </a:spcAft>
             </a:pPr>
             <a:r>
               <a:rPr lang="en-US" dirty="0"/>
-              <a:t>Little-to-no overlap between platforms.</a:t>
-            </a:r>
-          </a:p>
-          <a:p>
-            <a:pPr marL="457200" lvl="1" indent="0">
-              <a:spcBef>
-                <a:spcPts val="0"/>
-              </a:spcBef>
-              <a:spcAft>
-                <a:spcPts val="1500"/>
-              </a:spcAft>
-              <a:buNone/>
-            </a:pPr>
-            <a:endParaRPr lang="en-US" dirty="0"/>
-          </a:p>
-          <a:p>
-            <a:pPr lvl="1">
-              <a:spcBef>
-                <a:spcPts val="3000"/>
-              </a:spcBef>
-              <a:spcAft>
-                <a:spcPts val="1500"/>
-              </a:spcAft>
-            </a:pPr>
-            <a:r>
-              <a:rPr lang="en-US" dirty="0"/>
-              <a:t>Similar structure between platforms</a:t>
+              <a:t>Implements the behavior of its model</a:t>
             </a:r>
           </a:p>
           <a:p>
@@ -12024,12 +14594,12 @@
                 <a:spcPts val="0"/>
               </a:spcBef>
               <a:spcAft>
-                <a:spcPts val="1500"/>
+                <a:spcPts val="600"/>
               </a:spcAft>
             </a:pPr>
             <a:r>
               <a:rPr lang="en-US" dirty="0"/>
-              <a:t>One class for each platform, contains the implementation</a:t>
+              <a:t>Resets in-, outputs between cycles</a:t>
             </a:r>
           </a:p>
           <a:p>
@@ -12038,12 +14608,76 @@
                 <a:spcPts val="0"/>
               </a:spcBef>
               <a:spcAft>
-                <a:spcPts val="1500"/>
+                <a:spcPts val="600"/>
               </a:spcAft>
             </a:pPr>
             <a:r>
               <a:rPr lang="en-US" dirty="0"/>
-              <a:t>Central platform manager</a:t>
+              <a:t>Declares all required structure</a:t>
+            </a:r>
+          </a:p>
+          <a:p>
+            <a:pPr>
+              <a:spcBef>
+                <a:spcPts val="1800"/>
+              </a:spcBef>
+              <a:spcAft>
+                <a:spcPts val="600"/>
+              </a:spcAft>
+            </a:pPr>
+            <a:r>
+              <a:rPr lang="en-US" dirty="0">
+                <a:solidFill>
+                  <a:schemeClr val="accent1"/>
+                </a:solidFill>
+              </a:rPr>
+              <a:t>Wrapper </a:t>
+            </a:r>
+            <a:r>
+              <a:rPr lang="en-US" dirty="0"/>
+              <a:t>component</a:t>
+            </a:r>
+          </a:p>
+          <a:p>
+            <a:pPr lvl="1">
+              <a:spcBef>
+                <a:spcPts val="0"/>
+              </a:spcBef>
+              <a:spcAft>
+                <a:spcPts val="600"/>
+              </a:spcAft>
+            </a:pPr>
+            <a:r>
+              <a:rPr lang="en-US" dirty="0"/>
+              <a:t>Handles timing</a:t>
+            </a:r>
+          </a:p>
+          <a:p>
+            <a:pPr lvl="1">
+              <a:spcBef>
+                <a:spcPts val="0"/>
+              </a:spcBef>
+              <a:spcAft>
+                <a:spcPts val="600"/>
+              </a:spcAft>
+            </a:pPr>
+            <a:r>
+              <a:rPr lang="en-US" dirty="0"/>
+              <a:t>Hides the internal mechanism</a:t>
+            </a:r>
+          </a:p>
+          <a:p>
+            <a:pPr lvl="1">
+              <a:spcBef>
+                <a:spcPts val="0"/>
+              </a:spcBef>
+              <a:spcAft>
+                <a:spcPts val="600"/>
+              </a:spcAft>
+            </a:pPr>
+            <a:r>
+              <a:rPr lang="en-US" dirty="0"/>
+              <a:t>Provides Ports (in the form of setters/getters)</a:t>
             </a:r>
           </a:p>
         </p:txBody>
@@ -12072,7 +14706,7 @@
           <a:p>
             <a:r>
               <a:rPr lang="en-US" dirty="0"/>
-              <a:t>Platform independence</a:t>
+              <a:t>Implementation</a:t>
             </a:r>
           </a:p>
         </p:txBody>
@@ -12384,6 +15018,1286 @@
                   <a:schemeClr val="accent1"/>
                 </a:solidFill>
               </a:rPr>
+              <a:t>What </a:t>
+            </a:r>
+            <a:r>
+              <a:rPr lang="en-US" dirty="0"/>
+              <a:t>technologies</a:t>
+            </a:r>
+            <a:r>
+              <a:rPr lang="hu-HU" dirty="0"/>
+              <a:t>?</a:t>
+            </a:r>
+            <a:r>
+              <a:rPr lang="en-US" dirty="0">
+                <a:solidFill>
+                  <a:schemeClr val="accent1"/>
+                </a:solidFill>
+              </a:rPr>
+              <a:t> </a:t>
+            </a:r>
+            <a:endParaRPr lang="en-US" dirty="0"/>
+          </a:p>
+        </p:txBody>
+      </p:sp>
+      <p:sp>
+        <p:nvSpPr>
+          <p:cNvPr id="6" name="Szövegdoboz 5">
+            <a:extLst>
+              <a:ext uri="{FF2B5EF4-FFF2-40B4-BE49-F238E27FC236}">
+                <a16:creationId xmlns:a16="http://schemas.microsoft.com/office/drawing/2014/main" id="{0B530D06-EEB1-24B3-F4EB-2F732DE1940A}"/>
+              </a:ext>
+            </a:extLst>
+          </p:cNvPr>
+          <p:cNvSpPr txBox="1"/>
+          <p:nvPr/>
+        </p:nvSpPr>
+        <p:spPr>
+          <a:xfrm>
+            <a:off x="8375518" y="1342121"/>
+            <a:ext cx="3071674" cy="1015663"/>
+          </a:xfrm>
+          <a:prstGeom prst="rect">
+            <a:avLst/>
+          </a:prstGeom>
+          <a:solidFill>
+            <a:schemeClr val="tx1">
+              <a:lumMod val="85000"/>
+              <a:lumOff val="15000"/>
+            </a:schemeClr>
+          </a:solidFill>
+        </p:spPr>
+        <p:txBody>
+          <a:bodyPr wrap="square" rtlCol="0">
+            <a:spAutoFit/>
+          </a:bodyPr>
+          <a:lstStyle/>
+          <a:p>
+            <a:r>
+              <a:rPr lang="en-GB" sz="1200" dirty="0">
+                <a:solidFill>
+                  <a:schemeClr val="accent4"/>
+                </a:solidFill>
+              </a:rPr>
+              <a:t>enum</a:t>
+            </a:r>
+            <a:r>
+              <a:rPr lang="en-GB" sz="1200" dirty="0"/>
+              <a:t> </a:t>
+            </a:r>
+            <a:r>
+              <a:rPr lang="en-GB" sz="1200" dirty="0">
+                <a:solidFill>
+                  <a:schemeClr val="bg1"/>
+                </a:solidFill>
+              </a:rPr>
+              <a:t>Main_Region_Controller </a:t>
+            </a:r>
+            <a:r>
+              <a:rPr lang="en-GB" sz="1200" dirty="0">
+                <a:solidFill>
+                  <a:schemeClr val="accent4"/>
+                </a:solidFill>
+              </a:rPr>
+              <a:t>{</a:t>
+            </a:r>
+          </a:p>
+          <a:p>
+            <a:r>
+              <a:rPr lang="hu-HU" sz="1200" dirty="0">
+                <a:solidFill>
+                  <a:schemeClr val="bg1"/>
+                </a:solidFill>
+              </a:rPr>
+              <a:t>      </a:t>
+            </a:r>
+            <a:r>
+              <a:rPr lang="en-GB" sz="1200" dirty="0">
+                <a:solidFill>
+                  <a:schemeClr val="bg1"/>
+                </a:solidFill>
+              </a:rPr>
+              <a:t>__Inactive___main_region_controller,</a:t>
+            </a:r>
+          </a:p>
+          <a:p>
+            <a:r>
+              <a:rPr lang="hu-HU" sz="1200" dirty="0">
+                <a:solidFill>
+                  <a:schemeClr val="bg1"/>
+                </a:solidFill>
+              </a:rPr>
+              <a:t>      </a:t>
+            </a:r>
+            <a:r>
+              <a:rPr lang="en-GB" sz="1200" dirty="0">
+                <a:solidFill>
+                  <a:schemeClr val="bg1"/>
+                </a:solidFill>
+              </a:rPr>
+              <a:t>Operating_main_region_controller,</a:t>
+            </a:r>
+          </a:p>
+          <a:p>
+            <a:r>
+              <a:rPr lang="hu-HU" sz="1200" dirty="0">
+                <a:solidFill>
+                  <a:schemeClr val="bg1"/>
+                </a:solidFill>
+              </a:rPr>
+              <a:t>      </a:t>
+            </a:r>
+            <a:r>
+              <a:rPr lang="en-GB" sz="1200" dirty="0">
+                <a:solidFill>
+                  <a:schemeClr val="bg1"/>
+                </a:solidFill>
+              </a:rPr>
+              <a:t>Interrupted_main_region_controller</a:t>
+            </a:r>
+          </a:p>
+          <a:p>
+            <a:r>
+              <a:rPr lang="en-GB" sz="1200" dirty="0">
+                <a:solidFill>
+                  <a:schemeClr val="accent4"/>
+                </a:solidFill>
+              </a:rPr>
+              <a:t>}</a:t>
+            </a:r>
+            <a:r>
+              <a:rPr lang="en-GB" sz="1200" dirty="0"/>
+              <a:t> </a:t>
+            </a:r>
+            <a:r>
+              <a:rPr lang="en-GB" sz="1200" dirty="0">
+                <a:solidFill>
+                  <a:schemeClr val="bg1"/>
+                </a:solidFill>
+              </a:rPr>
+              <a:t>main_region_controller;</a:t>
+            </a:r>
+            <a:endParaRPr lang="en-US" sz="1200" dirty="0">
+              <a:solidFill>
+                <a:schemeClr val="bg1"/>
+              </a:solidFill>
+            </a:endParaRPr>
+          </a:p>
+        </p:txBody>
+      </p:sp>
+      <p:sp>
+        <p:nvSpPr>
+          <p:cNvPr id="7" name="Szövegdoboz 6">
+            <a:extLst>
+              <a:ext uri="{FF2B5EF4-FFF2-40B4-BE49-F238E27FC236}">
+                <a16:creationId xmlns:a16="http://schemas.microsoft.com/office/drawing/2014/main" id="{714A12D6-026D-D7D0-D233-B9CAEAC35D28}"/>
+              </a:ext>
+            </a:extLst>
+          </p:cNvPr>
+          <p:cNvSpPr txBox="1"/>
+          <p:nvPr/>
+        </p:nvSpPr>
+        <p:spPr>
+          <a:xfrm>
+            <a:off x="6943512" y="2886011"/>
+            <a:ext cx="4379393" cy="1754326"/>
+          </a:xfrm>
+          <a:prstGeom prst="rect">
+            <a:avLst/>
+          </a:prstGeom>
+          <a:solidFill>
+            <a:schemeClr val="tx1">
+              <a:lumMod val="85000"/>
+              <a:lumOff val="15000"/>
+            </a:schemeClr>
+          </a:solidFill>
+        </p:spPr>
+        <p:txBody>
+          <a:bodyPr wrap="square" rtlCol="0">
+            <a:spAutoFit/>
+          </a:bodyPr>
+          <a:lstStyle/>
+          <a:p>
+            <a:r>
+              <a:rPr lang="en-US" sz="1200" dirty="0">
+                <a:solidFill>
+                  <a:schemeClr val="accent4"/>
+                </a:solidFill>
+              </a:rPr>
+              <a:t>typedef</a:t>
+            </a:r>
+            <a:r>
+              <a:rPr lang="en-US" sz="1200" dirty="0"/>
+              <a:t> </a:t>
+            </a:r>
+            <a:r>
+              <a:rPr lang="en-US" sz="1200" dirty="0">
+                <a:solidFill>
+                  <a:schemeClr val="bg1"/>
+                </a:solidFill>
+              </a:rPr>
+              <a:t>struct</a:t>
+            </a:r>
+            <a:r>
+              <a:rPr lang="en-US" sz="1200" dirty="0"/>
+              <a:t> </a:t>
+            </a:r>
+            <a:r>
+              <a:rPr lang="en-US" sz="1200" dirty="0">
+                <a:solidFill>
+                  <a:schemeClr val="accent4"/>
+                </a:solidFill>
+              </a:rPr>
+              <a:t>{</a:t>
+            </a:r>
+          </a:p>
+          <a:p>
+            <a:r>
+              <a:rPr lang="hu-HU" sz="1200" dirty="0"/>
+              <a:t>      </a:t>
+            </a:r>
+            <a:r>
+              <a:rPr lang="en-US" sz="1200" dirty="0">
+                <a:solidFill>
+                  <a:schemeClr val="accent4"/>
+                </a:solidFill>
+              </a:rPr>
+              <a:t>bool</a:t>
+            </a:r>
+            <a:r>
+              <a:rPr lang="en-US" sz="1200" dirty="0"/>
+              <a:t> </a:t>
+            </a:r>
+            <a:r>
+              <a:rPr lang="en-US" sz="1200" dirty="0">
+                <a:solidFill>
+                  <a:schemeClr val="bg1"/>
+                </a:solidFill>
+              </a:rPr>
+              <a:t>PoliceInterrupt_police_In_controller;</a:t>
+            </a:r>
+            <a:endParaRPr lang="hu-HU" sz="1200" dirty="0">
+              <a:solidFill>
+                <a:schemeClr val="bg1"/>
+              </a:solidFill>
+            </a:endParaRPr>
+          </a:p>
+          <a:p>
+            <a:r>
+              <a:rPr lang="hu-HU" sz="1200" dirty="0">
+                <a:solidFill>
+                  <a:schemeClr val="bg1"/>
+                </a:solidFill>
+              </a:rPr>
+              <a:t>      </a:t>
+            </a:r>
+            <a:r>
+              <a:rPr lang="en-US" sz="1200" dirty="0">
+                <a:solidFill>
+                  <a:schemeClr val="accent4"/>
+                </a:solidFill>
+              </a:rPr>
+              <a:t>enum</a:t>
+            </a:r>
+            <a:r>
+              <a:rPr lang="en-US" sz="1200" dirty="0">
+                <a:solidFill>
+                  <a:schemeClr val="bg1"/>
+                </a:solidFill>
+              </a:rPr>
+              <a:t> Main_Region_Controller main_region_controller;</a:t>
+            </a:r>
+          </a:p>
+          <a:p>
+            <a:r>
+              <a:rPr lang="hu-HU" sz="1200" dirty="0">
+                <a:solidFill>
+                  <a:schemeClr val="bg1"/>
+                </a:solidFill>
+              </a:rPr>
+              <a:t>      </a:t>
+            </a:r>
+            <a:r>
+              <a:rPr lang="en-US" sz="1200" dirty="0">
+                <a:solidFill>
+                  <a:schemeClr val="accent4"/>
+                </a:solidFill>
+              </a:rPr>
+              <a:t>enum</a:t>
+            </a:r>
+            <a:r>
+              <a:rPr lang="en-US" sz="1200" dirty="0">
+                <a:solidFill>
+                  <a:schemeClr val="bg1"/>
+                </a:solidFill>
+              </a:rPr>
+              <a:t> Operating_Controller operating_controller;</a:t>
+            </a:r>
+            <a:endParaRPr lang="hu-HU" sz="1200" dirty="0">
+              <a:solidFill>
+                <a:schemeClr val="bg1"/>
+              </a:solidFill>
+            </a:endParaRPr>
+          </a:p>
+          <a:p>
+            <a:r>
+              <a:rPr lang="hu-HU" sz="1200" dirty="0"/>
+              <a:t>      </a:t>
+            </a:r>
+            <a:r>
+              <a:rPr lang="hu-HU" sz="1200" dirty="0">
+                <a:solidFill>
+                  <a:srgbClr val="92D050"/>
+                </a:solidFill>
+              </a:rPr>
+              <a:t>/* … */</a:t>
+            </a:r>
+          </a:p>
+          <a:p>
+            <a:r>
+              <a:rPr lang="hu-HU" sz="1200" dirty="0"/>
+              <a:t>      </a:t>
+            </a:r>
+            <a:r>
+              <a:rPr lang="en-GB" sz="1200" dirty="0">
+                <a:solidFill>
+                  <a:schemeClr val="accent4"/>
+                </a:solidFill>
+              </a:rPr>
+              <a:t>bool</a:t>
+            </a:r>
+            <a:r>
+              <a:rPr lang="en-GB" sz="1200" dirty="0"/>
+              <a:t> </a:t>
+            </a:r>
+            <a:r>
+              <a:rPr lang="en-GB" sz="1200" dirty="0">
+                <a:solidFill>
+                  <a:schemeClr val="bg1"/>
+                </a:solidFill>
+              </a:rPr>
+              <a:t>__id_Green_9_Yellow__secondary;</a:t>
+            </a:r>
+            <a:endParaRPr lang="en-US" sz="1200" dirty="0">
+              <a:solidFill>
+                <a:schemeClr val="bg1"/>
+              </a:solidFill>
+            </a:endParaRPr>
+          </a:p>
+          <a:p>
+            <a:r>
+              <a:rPr lang="hu-HU" sz="1200" dirty="0"/>
+              <a:t>      </a:t>
+            </a:r>
+            <a:r>
+              <a:rPr lang="en-US" sz="1200" dirty="0">
+                <a:solidFill>
+                  <a:schemeClr val="accent4"/>
+                </a:solidFill>
+              </a:rPr>
+              <a:t>bool</a:t>
+            </a:r>
+            <a:r>
+              <a:rPr lang="en-US" sz="1200" dirty="0"/>
+              <a:t> </a:t>
+            </a:r>
+            <a:r>
+              <a:rPr lang="en-US" sz="1200" dirty="0">
+                <a:solidFill>
+                  <a:schemeClr val="bg1"/>
+                </a:solidFill>
+              </a:rPr>
+              <a:t>__id_Normal_18_Interrupted__secondary;</a:t>
+            </a:r>
+          </a:p>
+          <a:p>
+            <a:r>
+              <a:rPr lang="hu-HU" sz="1200" dirty="0"/>
+              <a:t>      </a:t>
+            </a:r>
+            <a:r>
+              <a:rPr lang="en-US" sz="1200" dirty="0">
+                <a:solidFill>
+                  <a:schemeClr val="accent4"/>
+                </a:solidFill>
+              </a:rPr>
+              <a:t>unsigned</a:t>
+            </a:r>
+            <a:r>
+              <a:rPr lang="en-US" sz="1200" dirty="0"/>
+              <a:t> </a:t>
+            </a:r>
+            <a:r>
+              <a:rPr lang="en-US" sz="1200" dirty="0">
+                <a:solidFill>
+                  <a:schemeClr val="accent4"/>
+                </a:solidFill>
+              </a:rPr>
+              <a:t>int</a:t>
+            </a:r>
+            <a:r>
+              <a:rPr lang="en-US" sz="1200" dirty="0"/>
+              <a:t> </a:t>
+            </a:r>
+            <a:r>
+              <a:rPr lang="en-US" sz="1200" dirty="0">
+                <a:solidFill>
+                  <a:schemeClr val="bg1"/>
+                </a:solidFill>
+              </a:rPr>
+              <a:t>BlinkingYellowTimeout3_secondary;</a:t>
+            </a:r>
+          </a:p>
+          <a:p>
+            <a:r>
+              <a:rPr lang="en-US" sz="1200" dirty="0">
+                <a:solidFill>
+                  <a:schemeClr val="accent4"/>
+                </a:solidFill>
+              </a:rPr>
+              <a:t>}</a:t>
+            </a:r>
+            <a:r>
+              <a:rPr lang="en-US" sz="1200" dirty="0"/>
+              <a:t> </a:t>
+            </a:r>
+            <a:r>
+              <a:rPr lang="en-US" sz="1200" dirty="0">
+                <a:solidFill>
+                  <a:schemeClr val="bg1"/>
+                </a:solidFill>
+              </a:rPr>
+              <a:t>CrossroadStatechart;</a:t>
+            </a:r>
+          </a:p>
+        </p:txBody>
+      </p:sp>
+      <p:sp>
+        <p:nvSpPr>
+          <p:cNvPr id="10" name="Rectangular Callout 17">
+            <a:extLst>
+              <a:ext uri="{FF2B5EF4-FFF2-40B4-BE49-F238E27FC236}">
+                <a16:creationId xmlns:a16="http://schemas.microsoft.com/office/drawing/2014/main" id="{F61F6AF3-270D-6469-3F2D-B30995C086D8}"/>
+              </a:ext>
+            </a:extLst>
+          </p:cNvPr>
+          <p:cNvSpPr/>
+          <p:nvPr/>
+        </p:nvSpPr>
+        <p:spPr>
+          <a:xfrm>
+            <a:off x="5415379" y="694038"/>
+            <a:ext cx="2787588" cy="507956"/>
+          </a:xfrm>
+          <a:prstGeom prst="wedgeRectCallout">
+            <a:avLst>
+              <a:gd name="adj1" fmla="val 49514"/>
+              <a:gd name="adj2" fmla="val 106518"/>
+            </a:avLst>
+          </a:prstGeom>
+          <a:solidFill>
+            <a:schemeClr val="bg1"/>
+          </a:solidFill>
+          <a:ln w="28575">
+            <a:solidFill>
+              <a:schemeClr val="tx2"/>
+            </a:solidFill>
+          </a:ln>
+          <a:effectLst>
+            <a:outerShdw blurRad="50800" dist="38100" dir="5400000" algn="t" rotWithShape="0">
+              <a:prstClr val="black">
+                <a:alpha val="40000"/>
+              </a:prstClr>
+            </a:outerShdw>
+          </a:effectLst>
+        </p:spPr>
+        <p:style>
+          <a:lnRef idx="2">
+            <a:schemeClr val="accent1">
+              <a:shade val="50000"/>
+            </a:schemeClr>
+          </a:lnRef>
+          <a:fillRef idx="1">
+            <a:schemeClr val="accent1"/>
+          </a:fillRef>
+          <a:effectRef idx="0">
+            <a:schemeClr val="accent1"/>
+          </a:effectRef>
+          <a:fontRef idx="minor">
+            <a:schemeClr val="lt1"/>
+          </a:fontRef>
+        </p:style>
+        <p:txBody>
+          <a:bodyPr rtlCol="0" anchor="ctr"/>
+          <a:lstStyle/>
+          <a:p>
+            <a:pPr marL="0" marR="0" lvl="0" indent="0" algn="ctr" defTabSz="914400" rtl="0" eaLnBrk="1" fontAlgn="auto" latinLnBrk="0" hangingPunct="1">
+              <a:lnSpc>
+                <a:spcPct val="100000"/>
+              </a:lnSpc>
+              <a:spcBef>
+                <a:spcPts val="0"/>
+              </a:spcBef>
+              <a:spcAft>
+                <a:spcPts val="0"/>
+              </a:spcAft>
+              <a:buClrTx/>
+              <a:buSzTx/>
+              <a:buFontTx/>
+              <a:buNone/>
+              <a:tabLst/>
+              <a:defRPr/>
+            </a:pPr>
+            <a:r>
+              <a:rPr kumimoji="0" lang="hu-HU" sz="2400" b="0" i="0" u="none" strike="noStrike" kern="1200" cap="none" spc="0" normalizeH="0" baseline="0" dirty="0">
+                <a:ln>
+                  <a:noFill/>
+                </a:ln>
+                <a:solidFill>
+                  <a:srgbClr val="1446A0"/>
+                </a:solidFill>
+                <a:effectLst/>
+                <a:uLnTx/>
+                <a:uFillTx/>
+                <a:latin typeface="Open Sans"/>
+                <a:ea typeface="+mn-ea"/>
+                <a:cs typeface="+mn-cs"/>
+              </a:rPr>
+              <a:t>Regions</a:t>
+            </a:r>
+            <a:r>
+              <a:rPr lang="en-US" sz="2400" dirty="0">
+                <a:solidFill>
+                  <a:srgbClr val="1446A0"/>
+                </a:solidFill>
+                <a:latin typeface="Open Sans"/>
+              </a:rPr>
+              <a:t> </a:t>
+            </a:r>
+            <a:r>
+              <a:rPr lang="en-US" sz="2400" dirty="0">
+                <a:solidFill>
+                  <a:schemeClr val="tx1"/>
+                </a:solidFill>
+                <a:latin typeface="Open Sans"/>
+              </a:rPr>
+              <a:t>as enums</a:t>
+            </a:r>
+            <a:endParaRPr kumimoji="0" lang="en-US" sz="2400" b="0" i="0" u="none" strike="noStrike" kern="1200" cap="none" spc="0" normalizeH="0" baseline="0" dirty="0">
+              <a:ln>
+                <a:noFill/>
+              </a:ln>
+              <a:solidFill>
+                <a:srgbClr val="000000"/>
+              </a:solidFill>
+              <a:effectLst/>
+              <a:uLnTx/>
+              <a:uFillTx/>
+              <a:latin typeface="Open Sans"/>
+              <a:ea typeface="+mn-ea"/>
+              <a:cs typeface="+mn-cs"/>
+            </a:endParaRPr>
+          </a:p>
+        </p:txBody>
+      </p:sp>
+      <p:sp>
+        <p:nvSpPr>
+          <p:cNvPr id="11" name="Rectangular Callout 17">
+            <a:extLst>
+              <a:ext uri="{FF2B5EF4-FFF2-40B4-BE49-F238E27FC236}">
+                <a16:creationId xmlns:a16="http://schemas.microsoft.com/office/drawing/2014/main" id="{5E0D9362-1873-AD11-21BC-EC7C0345F07F}"/>
+              </a:ext>
+            </a:extLst>
+          </p:cNvPr>
+          <p:cNvSpPr/>
+          <p:nvPr/>
+        </p:nvSpPr>
+        <p:spPr>
+          <a:xfrm>
+            <a:off x="8202967" y="5261901"/>
+            <a:ext cx="3622087" cy="507956"/>
+          </a:xfrm>
+          <a:prstGeom prst="wedgeRectCallout">
+            <a:avLst>
+              <a:gd name="adj1" fmla="val -45232"/>
+              <a:gd name="adj2" fmla="val -141659"/>
+            </a:avLst>
+          </a:prstGeom>
+          <a:solidFill>
+            <a:schemeClr val="bg1"/>
+          </a:solidFill>
+          <a:ln w="28575">
+            <a:solidFill>
+              <a:schemeClr val="tx2"/>
+            </a:solidFill>
+          </a:ln>
+          <a:effectLst>
+            <a:outerShdw blurRad="50800" dist="38100" dir="5400000" algn="t" rotWithShape="0">
+              <a:prstClr val="black">
+                <a:alpha val="40000"/>
+              </a:prstClr>
+            </a:outerShdw>
+          </a:effectLst>
+        </p:spPr>
+        <p:style>
+          <a:lnRef idx="2">
+            <a:schemeClr val="accent1">
+              <a:shade val="50000"/>
+            </a:schemeClr>
+          </a:lnRef>
+          <a:fillRef idx="1">
+            <a:schemeClr val="accent1"/>
+          </a:fillRef>
+          <a:effectRef idx="0">
+            <a:schemeClr val="accent1"/>
+          </a:effectRef>
+          <a:fontRef idx="minor">
+            <a:schemeClr val="lt1"/>
+          </a:fontRef>
+        </p:style>
+        <p:txBody>
+          <a:bodyPr rtlCol="0" anchor="ctr"/>
+          <a:lstStyle/>
+          <a:p>
+            <a:pPr marL="0" marR="0" lvl="0" indent="0" algn="ctr" defTabSz="914400" rtl="0" eaLnBrk="1" fontAlgn="auto" latinLnBrk="0" hangingPunct="1">
+              <a:lnSpc>
+                <a:spcPct val="100000"/>
+              </a:lnSpc>
+              <a:spcBef>
+                <a:spcPts val="0"/>
+              </a:spcBef>
+              <a:spcAft>
+                <a:spcPts val="0"/>
+              </a:spcAft>
+              <a:buClrTx/>
+              <a:buSzTx/>
+              <a:buFontTx/>
+              <a:buNone/>
+              <a:tabLst/>
+              <a:defRPr/>
+            </a:pPr>
+            <a:r>
+              <a:rPr lang="en-US" sz="2400" dirty="0">
+                <a:solidFill>
+                  <a:srgbClr val="1446A0"/>
+                </a:solidFill>
+                <a:latin typeface="Open Sans"/>
+              </a:rPr>
+              <a:t>Components </a:t>
+            </a:r>
+            <a:r>
+              <a:rPr lang="en-US" sz="2400" dirty="0">
+                <a:solidFill>
+                  <a:schemeClr val="tx1"/>
+                </a:solidFill>
+                <a:latin typeface="Open Sans"/>
+              </a:rPr>
+              <a:t>as structs</a:t>
+            </a:r>
+            <a:endParaRPr kumimoji="0" lang="en-US" sz="2400" b="0" i="0" u="none" strike="noStrike" kern="1200" cap="none" spc="0" normalizeH="0" baseline="0" dirty="0">
+              <a:ln>
+                <a:noFill/>
+              </a:ln>
+              <a:solidFill>
+                <a:srgbClr val="000000"/>
+              </a:solidFill>
+              <a:effectLst/>
+              <a:uLnTx/>
+              <a:uFillTx/>
+              <a:latin typeface="Open Sans"/>
+              <a:ea typeface="+mn-ea"/>
+              <a:cs typeface="+mn-cs"/>
+            </a:endParaRPr>
+          </a:p>
+        </p:txBody>
+      </p:sp>
+    </p:spTree>
+    <p:extLst>
+      <p:ext uri="{BB962C8B-B14F-4D97-AF65-F5344CB8AC3E}">
+        <p14:creationId xmlns:p14="http://schemas.microsoft.com/office/powerpoint/2010/main" val="614272114"/>
+      </p:ext>
+    </p:extLst>
+  </p:cSld>
+  <p:clrMapOvr>
+    <a:masterClrMapping/>
+  </p:clrMapOvr>
+</p:sld>
+</file>
+
+<file path=ppt/slides/slide9.xml><?xml version="1.0" encoding="utf-8"?>
+<p:sld xmlns:a="http://schemas.openxmlformats.org/drawingml/2006/main" xmlns:r="http://schemas.openxmlformats.org/officeDocument/2006/relationships" xmlns:p="http://schemas.openxmlformats.org/presentationml/2006/main">
+  <p:cSld>
+    <p:spTree>
+      <p:nvGrpSpPr>
+        <p:cNvPr id="1" name=""/>
+        <p:cNvGrpSpPr/>
+        <p:nvPr/>
+      </p:nvGrpSpPr>
+      <p:grpSpPr>
+        <a:xfrm>
+          <a:off x="0" y="0"/>
+          <a:ext cx="0" cy="0"/>
+          <a:chOff x="0" y="0"/>
+          <a:chExt cx="0" cy="0"/>
+        </a:xfrm>
+      </p:grpSpPr>
+      <p:sp>
+        <p:nvSpPr>
+          <p:cNvPr id="2" name="Slide Number Placeholder 1"/>
+          <p:cNvSpPr>
+            <a:spLocks noGrp="1"/>
+          </p:cNvSpPr>
+          <p:nvPr>
+            <p:ph type="sldNum" sz="quarter" idx="11"/>
+          </p:nvPr>
+        </p:nvSpPr>
+        <p:spPr/>
+        <p:txBody>
+          <a:bodyPr/>
+          <a:lstStyle/>
+          <a:p>
+            <a:pPr marL="0" marR="0" lvl="0" indent="0" algn="ctr" defTabSz="914400" rtl="0" eaLnBrk="1" fontAlgn="auto" latinLnBrk="0" hangingPunct="1">
+              <a:lnSpc>
+                <a:spcPct val="100000"/>
+              </a:lnSpc>
+              <a:spcBef>
+                <a:spcPts val="0"/>
+              </a:spcBef>
+              <a:spcAft>
+                <a:spcPts val="0"/>
+              </a:spcAft>
+              <a:buClrTx/>
+              <a:buSzTx/>
+              <a:buFontTx/>
+              <a:buNone/>
+              <a:tabLst/>
+              <a:defRPr/>
+            </a:pPr>
+            <a:fld id="{9BA28B9B-0C36-4B0C-9E4A-C3A158CBB1F1}" type="slidenum">
+              <a:rPr kumimoji="0" lang="en-US" sz="1200" b="0" i="0" u="none" strike="noStrike" kern="1200" cap="none" spc="0" normalizeH="0" baseline="0" noProof="0" smtClean="0">
+                <a:ln>
+                  <a:noFill/>
+                </a:ln>
+                <a:solidFill>
+                  <a:srgbClr val="2F2D2E"/>
+                </a:solidFill>
+                <a:effectLst/>
+                <a:uLnTx/>
+                <a:uFillTx/>
+                <a:latin typeface="Open Sans"/>
+                <a:ea typeface="+mn-ea"/>
+                <a:cs typeface="+mn-cs"/>
+              </a:rPr>
+              <a:pPr marL="0" marR="0" lvl="0" indent="0" algn="ctr" defTabSz="914400" rtl="0" eaLnBrk="1" fontAlgn="auto" latinLnBrk="0" hangingPunct="1">
+                <a:lnSpc>
+                  <a:spcPct val="100000"/>
+                </a:lnSpc>
+                <a:spcBef>
+                  <a:spcPts val="0"/>
+                </a:spcBef>
+                <a:spcAft>
+                  <a:spcPts val="0"/>
+                </a:spcAft>
+                <a:buClrTx/>
+                <a:buSzTx/>
+                <a:buFontTx/>
+                <a:buNone/>
+                <a:tabLst/>
+                <a:defRPr/>
+              </a:pPr>
+              <a:t>9</a:t>
+            </a:fld>
+            <a:endParaRPr kumimoji="0" lang="en-US" sz="1200" b="0" i="0" u="none" strike="noStrike" kern="1200" cap="none" spc="0" normalizeH="0" baseline="0" noProof="0" dirty="0">
+              <a:ln>
+                <a:noFill/>
+              </a:ln>
+              <a:solidFill>
+                <a:srgbClr val="2F2D2E"/>
+              </a:solidFill>
+              <a:effectLst/>
+              <a:uLnTx/>
+              <a:uFillTx/>
+              <a:latin typeface="Open Sans"/>
+              <a:ea typeface="+mn-ea"/>
+              <a:cs typeface="+mn-cs"/>
+            </a:endParaRPr>
+          </a:p>
+        </p:txBody>
+      </p:sp>
+      <p:sp>
+        <p:nvSpPr>
+          <p:cNvPr id="3" name="Content Placeholder 2"/>
+          <p:cNvSpPr>
+            <a:spLocks noGrp="1"/>
+          </p:cNvSpPr>
+          <p:nvPr>
+            <p:ph sz="quarter" idx="12"/>
+          </p:nvPr>
+        </p:nvSpPr>
+        <p:spPr/>
+        <p:txBody>
+          <a:bodyPr>
+            <a:normAutofit/>
+          </a:bodyPr>
+          <a:lstStyle/>
+          <a:p>
+            <a:pPr>
+              <a:spcAft>
+                <a:spcPts val="600"/>
+              </a:spcAft>
+            </a:pPr>
+            <a:r>
+              <a:rPr lang="en-US" dirty="0">
+                <a:solidFill>
+                  <a:schemeClr val="accent1"/>
+                </a:solidFill>
+              </a:rPr>
+              <a:t>ISO Standard</a:t>
+            </a:r>
+            <a:r>
+              <a:rPr lang="en-US" dirty="0"/>
+              <a:t> - standards for the C programming language</a:t>
+            </a:r>
+          </a:p>
+          <a:p>
+            <a:pPr lvl="1">
+              <a:spcBef>
+                <a:spcPts val="0"/>
+              </a:spcBef>
+              <a:spcAft>
+                <a:spcPts val="1500"/>
+              </a:spcAft>
+            </a:pPr>
+            <a:r>
+              <a:rPr lang="en-US" dirty="0"/>
+              <a:t>Extensive support from compilers</a:t>
+            </a:r>
+          </a:p>
+          <a:p>
+            <a:pPr>
+              <a:spcAft>
+                <a:spcPts val="600"/>
+              </a:spcAft>
+            </a:pPr>
+            <a:r>
+              <a:rPr lang="en-US" dirty="0">
+                <a:solidFill>
+                  <a:schemeClr val="accent1"/>
+                </a:solidFill>
+              </a:rPr>
+              <a:t>Timing</a:t>
+            </a:r>
+            <a:r>
+              <a:rPr lang="en-US" dirty="0"/>
+              <a:t> - measure time elapsed</a:t>
+            </a:r>
+          </a:p>
+          <a:p>
+            <a:pPr lvl="1">
+              <a:spcBef>
+                <a:spcPts val="0"/>
+              </a:spcBef>
+              <a:spcAft>
+                <a:spcPts val="1500"/>
+              </a:spcAft>
+            </a:pPr>
+            <a:r>
+              <a:rPr lang="en-US" dirty="0"/>
+              <a:t>Little-to-no overlap between platforms</a:t>
+            </a:r>
+          </a:p>
+          <a:p>
+            <a:pPr marL="457200" lvl="1" indent="0">
+              <a:spcBef>
+                <a:spcPts val="0"/>
+              </a:spcBef>
+              <a:spcAft>
+                <a:spcPts val="1500"/>
+              </a:spcAft>
+              <a:buNone/>
+            </a:pPr>
+            <a:endParaRPr lang="en-US" dirty="0"/>
+          </a:p>
+          <a:p>
+            <a:pPr lvl="1">
+              <a:spcBef>
+                <a:spcPts val="3000"/>
+              </a:spcBef>
+              <a:spcAft>
+                <a:spcPts val="1500"/>
+              </a:spcAft>
+            </a:pPr>
+            <a:r>
+              <a:rPr lang="en-US" dirty="0"/>
+              <a:t>Similar structure between platforms</a:t>
+            </a:r>
+          </a:p>
+          <a:p>
+            <a:pPr lvl="1">
+              <a:spcBef>
+                <a:spcPts val="0"/>
+              </a:spcBef>
+              <a:spcAft>
+                <a:spcPts val="1500"/>
+              </a:spcAft>
+            </a:pPr>
+            <a:r>
+              <a:rPr lang="en-US" dirty="0"/>
+              <a:t>One class for each platform, contains the implementation</a:t>
+            </a:r>
+          </a:p>
+          <a:p>
+            <a:pPr lvl="1">
+              <a:spcBef>
+                <a:spcPts val="0"/>
+              </a:spcBef>
+              <a:spcAft>
+                <a:spcPts val="1500"/>
+              </a:spcAft>
+            </a:pPr>
+            <a:r>
+              <a:rPr lang="en-US" dirty="0"/>
+              <a:t>Central platform manager</a:t>
+            </a:r>
+          </a:p>
+        </p:txBody>
+      </p:sp>
+      <p:sp>
+        <p:nvSpPr>
+          <p:cNvPr id="4" name="Title 3"/>
+          <p:cNvSpPr>
+            <a:spLocks noGrp="1"/>
+          </p:cNvSpPr>
+          <p:nvPr>
+            <p:ph type="title"/>
+          </p:nvPr>
+        </p:nvSpPr>
+        <p:spPr>
+          <a:xfrm>
+            <a:off x="574978" y="313299"/>
+            <a:ext cx="11021962" cy="722187"/>
+          </a:xfrm>
+        </p:spPr>
+        <p:txBody>
+          <a:bodyPr>
+            <a:normAutofit/>
+          </a:bodyPr>
+          <a:lstStyle/>
+          <a:p>
+            <a:r>
+              <a:rPr lang="en-US" dirty="0"/>
+              <a:t>Platform independence</a:t>
+            </a:r>
+          </a:p>
+        </p:txBody>
+      </p:sp>
+      <p:sp>
+        <p:nvSpPr>
+          <p:cNvPr id="5" name="Footer Placeholder 4"/>
+          <p:cNvSpPr>
+            <a:spLocks noGrp="1"/>
+          </p:cNvSpPr>
+          <p:nvPr>
+            <p:ph type="ftr" sz="quarter" idx="10"/>
+          </p:nvPr>
+        </p:nvSpPr>
+        <p:spPr/>
+        <p:txBody>
+          <a:bodyPr/>
+          <a:lstStyle/>
+          <a:p>
+            <a:pPr marL="0" marR="0" lvl="0" indent="0" algn="l" defTabSz="914400" rtl="0" eaLnBrk="1" fontAlgn="auto" latinLnBrk="0" hangingPunct="1">
+              <a:lnSpc>
+                <a:spcPct val="100000"/>
+              </a:lnSpc>
+              <a:spcBef>
+                <a:spcPts val="0"/>
+              </a:spcBef>
+              <a:spcAft>
+                <a:spcPts val="0"/>
+              </a:spcAft>
+              <a:buClrTx/>
+              <a:buSzTx/>
+              <a:buFontTx/>
+              <a:buNone/>
+              <a:tabLst/>
+              <a:defRPr/>
+            </a:pPr>
+            <a:r>
+              <a:rPr kumimoji="0" lang="en-GB" sz="1200" b="0" i="0" u="none" strike="noStrike" kern="1200" cap="none" spc="0" normalizeH="0" baseline="0" noProof="0" dirty="0">
+                <a:ln>
+                  <a:noFill/>
+                </a:ln>
+                <a:solidFill>
+                  <a:srgbClr val="2F2D2E"/>
+                </a:solidFill>
+                <a:effectLst/>
+                <a:uLnTx/>
+                <a:uFillTx/>
+                <a:latin typeface="Open Sans"/>
+                <a:ea typeface="+mn-ea"/>
+                <a:cs typeface="+mn-cs"/>
+              </a:rPr>
+              <a:t>BSc Project Laboratory 1. (VIMIAL01)</a:t>
+            </a:r>
+          </a:p>
+        </p:txBody>
+      </p:sp>
+      <p:sp>
+        <p:nvSpPr>
+          <p:cNvPr id="8" name="Freeform 12">
+            <a:extLst>
+              <a:ext uri="{FF2B5EF4-FFF2-40B4-BE49-F238E27FC236}">
+                <a16:creationId xmlns:a16="http://schemas.microsoft.com/office/drawing/2014/main" id="{74CB7F96-F7F1-3726-0148-1C911B4257BD}"/>
+              </a:ext>
+            </a:extLst>
+          </p:cNvPr>
+          <p:cNvSpPr/>
+          <p:nvPr/>
+        </p:nvSpPr>
+        <p:spPr>
+          <a:xfrm>
+            <a:off x="9694416" y="355304"/>
+            <a:ext cx="2497584" cy="638175"/>
+          </a:xfrm>
+          <a:custGeom>
+            <a:avLst/>
+            <a:gdLst>
+              <a:gd name="connsiteX0" fmla="*/ 344624 w 3740988"/>
+              <a:gd name="connsiteY0" fmla="*/ 0 h 876910"/>
+              <a:gd name="connsiteX1" fmla="*/ 3740988 w 3740988"/>
+              <a:gd name="connsiteY1" fmla="*/ 0 h 876910"/>
+              <a:gd name="connsiteX2" fmla="*/ 3740988 w 3740988"/>
+              <a:gd name="connsiteY2" fmla="*/ 31293 h 876910"/>
+              <a:gd name="connsiteX3" fmla="*/ 366715 w 3740988"/>
+              <a:gd name="connsiteY3" fmla="*/ 31293 h 876910"/>
+              <a:gd name="connsiteX4" fmla="*/ 46687 w 3740988"/>
+              <a:gd name="connsiteY4" fmla="*/ 845617 h 876910"/>
+              <a:gd name="connsiteX5" fmla="*/ 3740988 w 3740988"/>
+              <a:gd name="connsiteY5" fmla="*/ 845617 h 876910"/>
+              <a:gd name="connsiteX6" fmla="*/ 3740988 w 3740988"/>
+              <a:gd name="connsiteY6" fmla="*/ 876910 h 876910"/>
+              <a:gd name="connsiteX7" fmla="*/ 0 w 3740988"/>
+              <a:gd name="connsiteY7" fmla="*/ 876910 h 876910"/>
+            </a:gdLst>
+            <a:ahLst/>
+            <a:cxnLst>
+              <a:cxn ang="0">
+                <a:pos x="connsiteX0" y="connsiteY0"/>
+              </a:cxn>
+              <a:cxn ang="0">
+                <a:pos x="connsiteX1" y="connsiteY1"/>
+              </a:cxn>
+              <a:cxn ang="0">
+                <a:pos x="connsiteX2" y="connsiteY2"/>
+              </a:cxn>
+              <a:cxn ang="0">
+                <a:pos x="connsiteX3" y="connsiteY3"/>
+              </a:cxn>
+              <a:cxn ang="0">
+                <a:pos x="connsiteX4" y="connsiteY4"/>
+              </a:cxn>
+              <a:cxn ang="0">
+                <a:pos x="connsiteX5" y="connsiteY5"/>
+              </a:cxn>
+              <a:cxn ang="0">
+                <a:pos x="connsiteX6" y="connsiteY6"/>
+              </a:cxn>
+              <a:cxn ang="0">
+                <a:pos x="connsiteX7" y="connsiteY7"/>
+              </a:cxn>
+            </a:cxnLst>
+            <a:rect l="l" t="t" r="r" b="b"/>
+            <a:pathLst>
+              <a:path w="3740988" h="876910">
+                <a:moveTo>
+                  <a:pt x="344624" y="0"/>
+                </a:moveTo>
+                <a:lnTo>
+                  <a:pt x="3740988" y="0"/>
+                </a:lnTo>
+                <a:lnTo>
+                  <a:pt x="3740988" y="31293"/>
+                </a:lnTo>
+                <a:lnTo>
+                  <a:pt x="366715" y="31293"/>
+                </a:lnTo>
+                <a:lnTo>
+                  <a:pt x="46687" y="845617"/>
+                </a:lnTo>
+                <a:lnTo>
+                  <a:pt x="3740988" y="845617"/>
+                </a:lnTo>
+                <a:lnTo>
+                  <a:pt x="3740988" y="876910"/>
+                </a:lnTo>
+                <a:lnTo>
+                  <a:pt x="0" y="876910"/>
+                </a:lnTo>
+                <a:close/>
+              </a:path>
+            </a:pathLst>
+          </a:custGeom>
+          <a:solidFill>
+            <a:schemeClr val="bg2"/>
+          </a:solidFill>
+          <a:ln>
+            <a:noFill/>
+          </a:ln>
+        </p:spPr>
+        <p:style>
+          <a:lnRef idx="2">
+            <a:schemeClr val="accent1">
+              <a:shade val="50000"/>
+            </a:schemeClr>
+          </a:lnRef>
+          <a:fillRef idx="1">
+            <a:schemeClr val="accent1"/>
+          </a:fillRef>
+          <a:effectRef idx="0">
+            <a:schemeClr val="accent1"/>
+          </a:effectRef>
+          <a:fontRef idx="minor">
+            <a:schemeClr val="lt1"/>
+          </a:fontRef>
+        </p:style>
+        <p:txBody>
+          <a:bodyPr rtlCol="0" anchor="ctr"/>
+          <a:lstStyle>
+            <a:defPPr>
+              <a:defRPr lang="en-US"/>
+            </a:defPPr>
+            <a:lvl1pPr marL="0" algn="l" defTabSz="914400" rtl="0" eaLnBrk="1" latinLnBrk="0" hangingPunct="1">
+              <a:defRPr sz="1800" kern="1200">
+                <a:solidFill>
+                  <a:schemeClr val="lt1"/>
+                </a:solidFill>
+                <a:latin typeface="+mn-lt"/>
+                <a:ea typeface="+mn-ea"/>
+                <a:cs typeface="+mn-cs"/>
+              </a:defRPr>
+            </a:lvl1pPr>
+            <a:lvl2pPr marL="457200" algn="l" defTabSz="914400" rtl="0" eaLnBrk="1" latinLnBrk="0" hangingPunct="1">
+              <a:defRPr sz="1800" kern="1200">
+                <a:solidFill>
+                  <a:schemeClr val="lt1"/>
+                </a:solidFill>
+                <a:latin typeface="+mn-lt"/>
+                <a:ea typeface="+mn-ea"/>
+                <a:cs typeface="+mn-cs"/>
+              </a:defRPr>
+            </a:lvl2pPr>
+            <a:lvl3pPr marL="914400" algn="l" defTabSz="914400" rtl="0" eaLnBrk="1" latinLnBrk="0" hangingPunct="1">
+              <a:defRPr sz="1800" kern="1200">
+                <a:solidFill>
+                  <a:schemeClr val="lt1"/>
+                </a:solidFill>
+                <a:latin typeface="+mn-lt"/>
+                <a:ea typeface="+mn-ea"/>
+                <a:cs typeface="+mn-cs"/>
+              </a:defRPr>
+            </a:lvl3pPr>
+            <a:lvl4pPr marL="1371600" algn="l" defTabSz="914400" rtl="0" eaLnBrk="1" latinLnBrk="0" hangingPunct="1">
+              <a:defRPr sz="1800" kern="1200">
+                <a:solidFill>
+                  <a:schemeClr val="lt1"/>
+                </a:solidFill>
+                <a:latin typeface="+mn-lt"/>
+                <a:ea typeface="+mn-ea"/>
+                <a:cs typeface="+mn-cs"/>
+              </a:defRPr>
+            </a:lvl4pPr>
+            <a:lvl5pPr marL="1828800" algn="l" defTabSz="914400" rtl="0" eaLnBrk="1" latinLnBrk="0" hangingPunct="1">
+              <a:defRPr sz="1800" kern="1200">
+                <a:solidFill>
+                  <a:schemeClr val="lt1"/>
+                </a:solidFill>
+                <a:latin typeface="+mn-lt"/>
+                <a:ea typeface="+mn-ea"/>
+                <a:cs typeface="+mn-cs"/>
+              </a:defRPr>
+            </a:lvl5pPr>
+            <a:lvl6pPr marL="2286000" algn="l" defTabSz="914400" rtl="0" eaLnBrk="1" latinLnBrk="0" hangingPunct="1">
+              <a:defRPr sz="1800" kern="1200">
+                <a:solidFill>
+                  <a:schemeClr val="lt1"/>
+                </a:solidFill>
+                <a:latin typeface="+mn-lt"/>
+                <a:ea typeface="+mn-ea"/>
+                <a:cs typeface="+mn-cs"/>
+              </a:defRPr>
+            </a:lvl6pPr>
+            <a:lvl7pPr marL="2743200" algn="l" defTabSz="914400" rtl="0" eaLnBrk="1" latinLnBrk="0" hangingPunct="1">
+              <a:defRPr sz="1800" kern="1200">
+                <a:solidFill>
+                  <a:schemeClr val="lt1"/>
+                </a:solidFill>
+                <a:latin typeface="+mn-lt"/>
+                <a:ea typeface="+mn-ea"/>
+                <a:cs typeface="+mn-cs"/>
+              </a:defRPr>
+            </a:lvl7pPr>
+            <a:lvl8pPr marL="3200400" algn="l" defTabSz="914400" rtl="0" eaLnBrk="1" latinLnBrk="0" hangingPunct="1">
+              <a:defRPr sz="1800" kern="1200">
+                <a:solidFill>
+                  <a:schemeClr val="lt1"/>
+                </a:solidFill>
+                <a:latin typeface="+mn-lt"/>
+                <a:ea typeface="+mn-ea"/>
+                <a:cs typeface="+mn-cs"/>
+              </a:defRPr>
+            </a:lvl8pPr>
+            <a:lvl9pPr marL="3657600" algn="l" defTabSz="914400" rtl="0" eaLnBrk="1" latinLnBrk="0" hangingPunct="1">
+              <a:defRPr sz="1800" kern="1200">
+                <a:solidFill>
+                  <a:schemeClr val="lt1"/>
+                </a:solidFill>
+                <a:latin typeface="+mn-lt"/>
+                <a:ea typeface="+mn-ea"/>
+                <a:cs typeface="+mn-cs"/>
+              </a:defRPr>
+            </a:lvl9pPr>
+          </a:lstStyle>
+          <a:p>
+            <a:pPr algn="ctr"/>
+            <a:endParaRPr lang="en-US" dirty="0"/>
+          </a:p>
+        </p:txBody>
+      </p:sp>
+      <p:sp>
+        <p:nvSpPr>
+          <p:cNvPr id="9" name="Szövegdoboz 8">
+            <a:extLst>
+              <a:ext uri="{FF2B5EF4-FFF2-40B4-BE49-F238E27FC236}">
+                <a16:creationId xmlns:a16="http://schemas.microsoft.com/office/drawing/2014/main" id="{C1A42E72-3404-24A8-AA1E-B14138765CF7}"/>
+              </a:ext>
+            </a:extLst>
+          </p:cNvPr>
+          <p:cNvSpPr txBox="1"/>
+          <p:nvPr/>
+        </p:nvSpPr>
+        <p:spPr>
+          <a:xfrm>
+            <a:off x="9911355" y="489725"/>
+            <a:ext cx="2678708" cy="369332"/>
+          </a:xfrm>
+          <a:prstGeom prst="rect">
+            <a:avLst/>
+          </a:prstGeom>
+          <a:noFill/>
+        </p:spPr>
+        <p:txBody>
+          <a:bodyPr wrap="square">
+            <a:spAutoFit/>
+          </a:bodyPr>
+          <a:lstStyle/>
+          <a:p>
+            <a:r>
+              <a:rPr lang="en-US" dirty="0">
+                <a:solidFill>
+                  <a:schemeClr val="accent1"/>
+                </a:solidFill>
+              </a:rPr>
               <a:t>How </a:t>
             </a:r>
             <a:r>
@@ -12622,7 +16536,7 @@
                   <a:schemeClr val="tx1"/>
                 </a:solidFill>
               </a:rPr>
-              <a:t>timing handling.</a:t>
+              <a:t>timing handling</a:t>
             </a:r>
           </a:p>
         </p:txBody>
@@ -12841,479 +16755,6 @@
     <p:extLst>
       <p:ext uri="{BB962C8B-B14F-4D97-AF65-F5344CB8AC3E}">
         <p14:creationId xmlns:p14="http://schemas.microsoft.com/office/powerpoint/2010/main" val="3727655869"/>
-      </p:ext>
-    </p:extLst>
-  </p:cSld>
-  <p:clrMapOvr>
-    <a:masterClrMapping/>
-  </p:clrMapOvr>
-</p:sld>
-</file>
-
-<file path=ppt/slides/slide9.xml><?xml version="1.0" encoding="utf-8"?>
-<p:sld xmlns:a="http://schemas.openxmlformats.org/drawingml/2006/main" xmlns:r="http://schemas.openxmlformats.org/officeDocument/2006/relationships" xmlns:p="http://schemas.openxmlformats.org/presentationml/2006/main">
-  <p:cSld>
-    <p:spTree>
-      <p:nvGrpSpPr>
-        <p:cNvPr id="1" name=""/>
-        <p:cNvGrpSpPr/>
-        <p:nvPr/>
-      </p:nvGrpSpPr>
-      <p:grpSpPr>
-        <a:xfrm>
-          <a:off x="0" y="0"/>
-          <a:ext cx="0" cy="0"/>
-          <a:chOff x="0" y="0"/>
-          <a:chExt cx="0" cy="0"/>
-        </a:xfrm>
-      </p:grpSpPr>
-      <p:sp>
-        <p:nvSpPr>
-          <p:cNvPr id="6" name="Title 5"/>
-          <p:cNvSpPr>
-            <a:spLocks noGrp="1"/>
-          </p:cNvSpPr>
-          <p:nvPr>
-            <p:ph type="title"/>
-          </p:nvPr>
-        </p:nvSpPr>
-        <p:spPr>
-          <a:xfrm>
-            <a:off x="574979" y="2083665"/>
-            <a:ext cx="5156748" cy="1445919"/>
-          </a:xfrm>
-        </p:spPr>
-        <p:txBody>
-          <a:bodyPr/>
-          <a:lstStyle/>
-          <a:p>
-            <a:r>
-              <a:rPr lang="en-US" dirty="0"/>
-              <a:t>Case Study</a:t>
-            </a:r>
-          </a:p>
-        </p:txBody>
-      </p:sp>
-      <p:sp>
-        <p:nvSpPr>
-          <p:cNvPr id="2" name="Footer Placeholder 1"/>
-          <p:cNvSpPr>
-            <a:spLocks noGrp="1"/>
-          </p:cNvSpPr>
-          <p:nvPr>
-            <p:ph type="ftr" sz="quarter" idx="10"/>
-          </p:nvPr>
-        </p:nvSpPr>
-        <p:spPr/>
-        <p:txBody>
-          <a:bodyPr/>
-          <a:lstStyle/>
-          <a:p>
-            <a:pPr marL="0" marR="0" lvl="0" indent="0" algn="l" defTabSz="914400" rtl="0" eaLnBrk="1" fontAlgn="auto" latinLnBrk="0" hangingPunct="1">
-              <a:lnSpc>
-                <a:spcPct val="100000"/>
-              </a:lnSpc>
-              <a:spcBef>
-                <a:spcPts val="0"/>
-              </a:spcBef>
-              <a:spcAft>
-                <a:spcPts val="0"/>
-              </a:spcAft>
-              <a:buClrTx/>
-              <a:buSzTx/>
-              <a:buFontTx/>
-              <a:buNone/>
-              <a:tabLst/>
-              <a:defRPr/>
-            </a:pPr>
-            <a:r>
-              <a:rPr kumimoji="0" lang="en-GB" sz="1200" b="0" i="0" u="none" strike="noStrike" kern="1200" cap="none" spc="0" normalizeH="0" baseline="0" noProof="0" dirty="0">
-                <a:ln>
-                  <a:noFill/>
-                </a:ln>
-                <a:solidFill>
-                  <a:srgbClr val="2F2D2E"/>
-                </a:solidFill>
-                <a:effectLst/>
-                <a:uLnTx/>
-                <a:uFillTx/>
-                <a:latin typeface="Open Sans"/>
-                <a:ea typeface="+mn-ea"/>
-                <a:cs typeface="+mn-cs"/>
-              </a:rPr>
-              <a:t>BSc Project Laboratory 1. (VIMIAL01)</a:t>
-            </a:r>
-          </a:p>
-        </p:txBody>
-      </p:sp>
-      <p:sp>
-        <p:nvSpPr>
-          <p:cNvPr id="3" name="Slide Number Placeholder 2"/>
-          <p:cNvSpPr>
-            <a:spLocks noGrp="1"/>
-          </p:cNvSpPr>
-          <p:nvPr>
-            <p:ph type="sldNum" sz="quarter" idx="11"/>
-          </p:nvPr>
-        </p:nvSpPr>
-        <p:spPr/>
-        <p:txBody>
-          <a:bodyPr/>
-          <a:lstStyle/>
-          <a:p>
-            <a:pPr marL="0" marR="0" lvl="0" indent="0" algn="ctr" defTabSz="914400" rtl="0" eaLnBrk="1" fontAlgn="auto" latinLnBrk="0" hangingPunct="1">
-              <a:lnSpc>
-                <a:spcPct val="100000"/>
-              </a:lnSpc>
-              <a:spcBef>
-                <a:spcPts val="0"/>
-              </a:spcBef>
-              <a:spcAft>
-                <a:spcPts val="0"/>
-              </a:spcAft>
-              <a:buClrTx/>
-              <a:buSzTx/>
-              <a:buFontTx/>
-              <a:buNone/>
-              <a:tabLst/>
-              <a:defRPr/>
-            </a:pPr>
-            <a:fld id="{9BA28B9B-0C36-4B0C-9E4A-C3A158CBB1F1}" type="slidenum">
-              <a:rPr kumimoji="0" lang="en-US" sz="1200" b="0" i="0" u="none" strike="noStrike" kern="1200" cap="none" spc="0" normalizeH="0" baseline="0" noProof="0" smtClean="0">
-                <a:ln>
-                  <a:noFill/>
-                </a:ln>
-                <a:solidFill>
-                  <a:srgbClr val="000000"/>
-                </a:solidFill>
-                <a:effectLst/>
-                <a:uLnTx/>
-                <a:uFillTx/>
-                <a:latin typeface="Open Sans"/>
-                <a:ea typeface="+mn-ea"/>
-                <a:cs typeface="+mn-cs"/>
-              </a:rPr>
-              <a:pPr marL="0" marR="0" lvl="0" indent="0" algn="ctr" defTabSz="914400" rtl="0" eaLnBrk="1" fontAlgn="auto" latinLnBrk="0" hangingPunct="1">
-                <a:lnSpc>
-                  <a:spcPct val="100000"/>
-                </a:lnSpc>
-                <a:spcBef>
-                  <a:spcPts val="0"/>
-                </a:spcBef>
-                <a:spcAft>
-                  <a:spcPts val="0"/>
-                </a:spcAft>
-                <a:buClrTx/>
-                <a:buSzTx/>
-                <a:buFontTx/>
-                <a:buNone/>
-                <a:tabLst/>
-                <a:defRPr/>
-              </a:pPr>
-              <a:t>9</a:t>
-            </a:fld>
-            <a:endParaRPr kumimoji="0" lang="en-US" sz="1200" b="0" i="0" u="none" strike="noStrike" kern="1200" cap="none" spc="0" normalizeH="0" baseline="0" noProof="0" dirty="0">
-              <a:ln>
-                <a:noFill/>
-              </a:ln>
-              <a:solidFill>
-                <a:srgbClr val="000000"/>
-              </a:solidFill>
-              <a:effectLst/>
-              <a:uLnTx/>
-              <a:uFillTx/>
-              <a:latin typeface="Open Sans"/>
-              <a:ea typeface="+mn-ea"/>
-              <a:cs typeface="+mn-cs"/>
-            </a:endParaRPr>
-          </a:p>
-        </p:txBody>
-      </p:sp>
-      <p:sp>
-        <p:nvSpPr>
-          <p:cNvPr id="5" name="Text Placeholder 9">
-            <a:extLst>
-              <a:ext uri="{FF2B5EF4-FFF2-40B4-BE49-F238E27FC236}">
-                <a16:creationId xmlns:a16="http://schemas.microsoft.com/office/drawing/2014/main" id="{F6838B33-6E68-5D64-A730-BC5F66796EC3}"/>
-              </a:ext>
-            </a:extLst>
-          </p:cNvPr>
-          <p:cNvSpPr>
-            <a:spLocks noGrp="1"/>
-          </p:cNvSpPr>
-          <p:nvPr/>
-        </p:nvSpPr>
-        <p:spPr>
-          <a:xfrm>
-            <a:off x="574979" y="3694177"/>
-            <a:ext cx="4733002" cy="1119124"/>
-          </a:xfrm>
-          <a:prstGeom prst="rect">
-            <a:avLst/>
-          </a:prstGeom>
-        </p:spPr>
-        <p:txBody>
-          <a:bodyPr vert="horz" lIns="91440" tIns="45720" rIns="91440" bIns="45720" rtlCol="0">
-            <a:normAutofit/>
-          </a:bodyPr>
-          <a:lstStyle>
-            <a:lvl1pPr marL="0" indent="0" algn="l" defTabSz="914400" rtl="0" eaLnBrk="1" latinLnBrk="0" hangingPunct="1">
-              <a:lnSpc>
-                <a:spcPct val="100000"/>
-              </a:lnSpc>
-              <a:spcBef>
-                <a:spcPts val="1000"/>
-              </a:spcBef>
-              <a:buFont typeface="Arial" panose="020B0604020202020204" pitchFamily="34" charset="0"/>
-              <a:buNone/>
-              <a:defRPr sz="2400" kern="1200">
-                <a:solidFill>
-                  <a:schemeClr val="bg1"/>
-                </a:solidFill>
-                <a:latin typeface="+mn-lt"/>
-                <a:ea typeface="+mn-ea"/>
-                <a:cs typeface="+mn-cs"/>
-              </a:defRPr>
-            </a:lvl1pPr>
-            <a:lvl2pPr marL="457200" indent="0" algn="l" defTabSz="914400" rtl="0" eaLnBrk="1" latinLnBrk="0" hangingPunct="1">
-              <a:lnSpc>
-                <a:spcPct val="100000"/>
-              </a:lnSpc>
-              <a:spcBef>
-                <a:spcPts val="500"/>
-              </a:spcBef>
-              <a:buFontTx/>
-              <a:buNone/>
-              <a:defRPr sz="2000" kern="1200">
-                <a:solidFill>
-                  <a:schemeClr val="tx1">
-                    <a:tint val="75000"/>
-                  </a:schemeClr>
-                </a:solidFill>
-                <a:latin typeface="+mn-lt"/>
-                <a:ea typeface="+mn-ea"/>
-                <a:cs typeface="+mn-cs"/>
-              </a:defRPr>
-            </a:lvl2pPr>
-            <a:lvl3pPr marL="914400" indent="0" algn="l" defTabSz="914400" rtl="0" eaLnBrk="1" latinLnBrk="0" hangingPunct="1">
-              <a:lnSpc>
-                <a:spcPct val="100000"/>
-              </a:lnSpc>
-              <a:spcBef>
-                <a:spcPts val="500"/>
-              </a:spcBef>
-              <a:buFont typeface="Arial" panose="020B0604020202020204" pitchFamily="34" charset="0"/>
-              <a:buNone/>
-              <a:defRPr sz="1800" kern="1200">
-                <a:solidFill>
-                  <a:schemeClr val="tx1">
-                    <a:tint val="75000"/>
-                  </a:schemeClr>
-                </a:solidFill>
-                <a:latin typeface="+mn-lt"/>
-                <a:ea typeface="+mn-ea"/>
-                <a:cs typeface="+mn-cs"/>
-              </a:defRPr>
-            </a:lvl3pPr>
-            <a:lvl4pPr marL="1371600" indent="0" algn="l" defTabSz="914400" rtl="0" eaLnBrk="1" latinLnBrk="0" hangingPunct="1">
-              <a:lnSpc>
-                <a:spcPct val="100000"/>
-              </a:lnSpc>
-              <a:spcBef>
-                <a:spcPts val="500"/>
-              </a:spcBef>
-              <a:buFont typeface="Arial" panose="020B0604020202020204" pitchFamily="34" charset="0"/>
-              <a:buNone/>
-              <a:defRPr sz="1600" kern="1200">
-                <a:solidFill>
-                  <a:schemeClr val="tx1">
-                    <a:tint val="75000"/>
-                  </a:schemeClr>
-                </a:solidFill>
-                <a:latin typeface="+mn-lt"/>
-                <a:ea typeface="+mn-ea"/>
-                <a:cs typeface="+mn-cs"/>
-              </a:defRPr>
-            </a:lvl4pPr>
-            <a:lvl5pPr marL="1828800" indent="0" algn="l" defTabSz="914400" rtl="0" eaLnBrk="1" latinLnBrk="0" hangingPunct="1">
-              <a:lnSpc>
-                <a:spcPct val="100000"/>
-              </a:lnSpc>
-              <a:spcBef>
-                <a:spcPts val="500"/>
-              </a:spcBef>
-              <a:buFont typeface="Arial" panose="020B0604020202020204" pitchFamily="34" charset="0"/>
-              <a:buNone/>
-              <a:defRPr sz="1600" kern="1200">
-                <a:solidFill>
-                  <a:schemeClr val="tx1">
-                    <a:tint val="75000"/>
-                  </a:schemeClr>
-                </a:solidFill>
-                <a:latin typeface="+mn-lt"/>
-                <a:ea typeface="+mn-ea"/>
-                <a:cs typeface="+mn-cs"/>
-              </a:defRPr>
-            </a:lvl5pPr>
-            <a:lvl6pPr marL="2286000" indent="0" algn="l" defTabSz="914400" rtl="0" eaLnBrk="1" latinLnBrk="0" hangingPunct="1">
-              <a:lnSpc>
-                <a:spcPct val="90000"/>
-              </a:lnSpc>
-              <a:spcBef>
-                <a:spcPts val="500"/>
-              </a:spcBef>
-              <a:buFont typeface="Arial" panose="020B0604020202020204" pitchFamily="34" charset="0"/>
-              <a:buNone/>
-              <a:defRPr sz="1600" kern="1200">
-                <a:solidFill>
-                  <a:schemeClr val="tx1">
-                    <a:tint val="75000"/>
-                  </a:schemeClr>
-                </a:solidFill>
-                <a:latin typeface="+mn-lt"/>
-                <a:ea typeface="+mn-ea"/>
-                <a:cs typeface="+mn-cs"/>
-              </a:defRPr>
-            </a:lvl6pPr>
-            <a:lvl7pPr marL="2743200" indent="0" algn="l" defTabSz="914400" rtl="0" eaLnBrk="1" latinLnBrk="0" hangingPunct="1">
-              <a:lnSpc>
-                <a:spcPct val="90000"/>
-              </a:lnSpc>
-              <a:spcBef>
-                <a:spcPts val="500"/>
-              </a:spcBef>
-              <a:buFont typeface="Arial" panose="020B0604020202020204" pitchFamily="34" charset="0"/>
-              <a:buNone/>
-              <a:defRPr sz="1600" kern="1200">
-                <a:solidFill>
-                  <a:schemeClr val="tx1">
-                    <a:tint val="75000"/>
-                  </a:schemeClr>
-                </a:solidFill>
-                <a:latin typeface="+mn-lt"/>
-                <a:ea typeface="+mn-ea"/>
-                <a:cs typeface="+mn-cs"/>
-              </a:defRPr>
-            </a:lvl7pPr>
-            <a:lvl8pPr marL="3200400" indent="0" algn="l" defTabSz="914400" rtl="0" eaLnBrk="1" latinLnBrk="0" hangingPunct="1">
-              <a:lnSpc>
-                <a:spcPct val="90000"/>
-              </a:lnSpc>
-              <a:spcBef>
-                <a:spcPts val="500"/>
-              </a:spcBef>
-              <a:buFont typeface="Arial" panose="020B0604020202020204" pitchFamily="34" charset="0"/>
-              <a:buNone/>
-              <a:defRPr sz="1600" kern="1200">
-                <a:solidFill>
-                  <a:schemeClr val="tx1">
-                    <a:tint val="75000"/>
-                  </a:schemeClr>
-                </a:solidFill>
-                <a:latin typeface="+mn-lt"/>
-                <a:ea typeface="+mn-ea"/>
-                <a:cs typeface="+mn-cs"/>
-              </a:defRPr>
-            </a:lvl8pPr>
-            <a:lvl9pPr marL="3657600" indent="0" algn="l" defTabSz="914400" rtl="0" eaLnBrk="1" latinLnBrk="0" hangingPunct="1">
-              <a:lnSpc>
-                <a:spcPct val="90000"/>
-              </a:lnSpc>
-              <a:spcBef>
-                <a:spcPts val="500"/>
-              </a:spcBef>
-              <a:buFont typeface="Arial" panose="020B0604020202020204" pitchFamily="34" charset="0"/>
-              <a:buNone/>
-              <a:defRPr sz="1600" kern="1200">
-                <a:solidFill>
-                  <a:schemeClr val="tx1">
-                    <a:tint val="75000"/>
-                  </a:schemeClr>
-                </a:solidFill>
-                <a:latin typeface="+mn-lt"/>
-                <a:ea typeface="+mn-ea"/>
-                <a:cs typeface="+mn-cs"/>
-              </a:defRPr>
-            </a:lvl9pPr>
-          </a:lstStyle>
-          <a:p>
-            <a:pPr marL="0" marR="0" lvl="0" indent="0" algn="l" defTabSz="914400" rtl="0" eaLnBrk="1" fontAlgn="auto" latinLnBrk="0" hangingPunct="1">
-              <a:lnSpc>
-                <a:spcPct val="100000"/>
-              </a:lnSpc>
-              <a:spcBef>
-                <a:spcPts val="1000"/>
-              </a:spcBef>
-              <a:spcAft>
-                <a:spcPts val="0"/>
-              </a:spcAft>
-              <a:buClrTx/>
-              <a:buSzTx/>
-              <a:buFont typeface="Arial" panose="020B0604020202020204" pitchFamily="34" charset="0"/>
-              <a:buNone/>
-              <a:tabLst/>
-              <a:defRPr/>
-            </a:pPr>
-            <a:r>
-              <a:rPr kumimoji="0" lang="en-US" sz="2400" b="0" i="0" u="none" strike="noStrike" kern="1200" cap="none" spc="0" normalizeH="0" baseline="0" dirty="0">
-                <a:ln>
-                  <a:noFill/>
-                </a:ln>
-                <a:solidFill>
-                  <a:srgbClr val="FFFFFF"/>
-                </a:solidFill>
-                <a:effectLst/>
-                <a:uLnTx/>
-                <a:uFillTx/>
-                <a:latin typeface="Open Sans"/>
-                <a:ea typeface="+mn-ea"/>
-                <a:cs typeface="+mn-cs"/>
-              </a:rPr>
-              <a:t>The Crossroad Example</a:t>
-            </a:r>
-          </a:p>
-        </p:txBody>
-      </p:sp>
-      <p:pic>
-        <p:nvPicPr>
-          <p:cNvPr id="8" name="Kép 7" descr="A képen szöveg, képernyőkép, diagram, Téglalap látható&#10;&#10;Automatikusan generált leírás">
-            <a:extLst>
-              <a:ext uri="{FF2B5EF4-FFF2-40B4-BE49-F238E27FC236}">
-                <a16:creationId xmlns:a16="http://schemas.microsoft.com/office/drawing/2014/main" id="{DA0F6205-9C75-4E8E-5628-BB574E3ED75B}"/>
-              </a:ext>
-            </a:extLst>
-          </p:cNvPr>
-          <p:cNvPicPr>
-            <a:picLocks noChangeAspect="1"/>
-          </p:cNvPicPr>
-          <p:nvPr/>
-        </p:nvPicPr>
-        <p:blipFill>
-          <a:blip r:embed="rId2">
-            <a:extLst>
-              <a:ext uri="{28A0092B-C50C-407E-A947-70E740481C1C}">
-                <a14:useLocalDpi xmlns:a14="http://schemas.microsoft.com/office/drawing/2010/main" val="0"/>
-              </a:ext>
-            </a:extLst>
-          </a:blip>
-          <a:stretch>
-            <a:fillRect/>
-          </a:stretch>
-        </p:blipFill>
-        <p:spPr>
-          <a:xfrm>
-            <a:off x="7244180" y="1998405"/>
-            <a:ext cx="4372842" cy="2861189"/>
-          </a:xfrm>
-          <a:prstGeom prst="rect">
-            <a:avLst/>
-          </a:prstGeom>
-        </p:spPr>
-      </p:pic>
-    </p:spTree>
-    <p:extLst>
-      <p:ext uri="{BB962C8B-B14F-4D97-AF65-F5344CB8AC3E}">
-        <p14:creationId xmlns:p14="http://schemas.microsoft.com/office/powerpoint/2010/main" val="737788289"/>
       </p:ext>
     </p:extLst>
   </p:cSld>
